--- a/Offline/BusinessManagement/Marketing/MarketingArtworks/Images&Resources/AnodiamVisitingCards.pptx
+++ b/Offline/BusinessManagement/Marketing/MarketingArtworks/Images&Resources/AnodiamVisitingCards.pptx
@@ -6,10 +6,14 @@
   </p:sldMasterIdLst>
   <p:sldIdLst>
     <p:sldId id="258" r:id="rId2"/>
-    <p:sldId id="261" r:id="rId3"/>
+    <p:sldId id="264" r:id="rId3"/>
     <p:sldId id="260" r:id="rId4"/>
     <p:sldId id="262" r:id="rId5"/>
     <p:sldId id="263" r:id="rId6"/>
+    <p:sldId id="261" r:id="rId7"/>
+    <p:sldId id="266" r:id="rId8"/>
+    <p:sldId id="267" r:id="rId9"/>
+    <p:sldId id="265" r:id="rId10"/>
   </p:sldIdLst>
   <p:sldSz cx="12192000" cy="6858000"/>
   <p:notesSz cx="6858000" cy="9144000"/>
@@ -247,7 +251,7 @@
           <a:p>
             <a:fld id="{CA6D4F87-9B9E-4A4F-B3AC-3968D7D2EB59}" type="datetimeFigureOut">
               <a:rPr lang="en-AU" smtClean="0"/>
-              <a:t>7/08/2023</a:t>
+              <a:t>15/12/2023</a:t>
             </a:fld>
             <a:endParaRPr lang="en-AU"/>
           </a:p>
@@ -417,7 +421,7 @@
           <a:p>
             <a:fld id="{CA6D4F87-9B9E-4A4F-B3AC-3968D7D2EB59}" type="datetimeFigureOut">
               <a:rPr lang="en-AU" smtClean="0"/>
-              <a:t>7/08/2023</a:t>
+              <a:t>15/12/2023</a:t>
             </a:fld>
             <a:endParaRPr lang="en-AU"/>
           </a:p>
@@ -597,7 +601,7 @@
           <a:p>
             <a:fld id="{CA6D4F87-9B9E-4A4F-B3AC-3968D7D2EB59}" type="datetimeFigureOut">
               <a:rPr lang="en-AU" smtClean="0"/>
-              <a:t>7/08/2023</a:t>
+              <a:t>15/12/2023</a:t>
             </a:fld>
             <a:endParaRPr lang="en-AU"/>
           </a:p>
@@ -767,7 +771,7 @@
           <a:p>
             <a:fld id="{CA6D4F87-9B9E-4A4F-B3AC-3968D7D2EB59}" type="datetimeFigureOut">
               <a:rPr lang="en-AU" smtClean="0"/>
-              <a:t>7/08/2023</a:t>
+              <a:t>15/12/2023</a:t>
             </a:fld>
             <a:endParaRPr lang="en-AU"/>
           </a:p>
@@ -1013,7 +1017,7 @@
           <a:p>
             <a:fld id="{CA6D4F87-9B9E-4A4F-B3AC-3968D7D2EB59}" type="datetimeFigureOut">
               <a:rPr lang="en-AU" smtClean="0"/>
-              <a:t>7/08/2023</a:t>
+              <a:t>15/12/2023</a:t>
             </a:fld>
             <a:endParaRPr lang="en-AU"/>
           </a:p>
@@ -1245,7 +1249,7 @@
           <a:p>
             <a:fld id="{CA6D4F87-9B9E-4A4F-B3AC-3968D7D2EB59}" type="datetimeFigureOut">
               <a:rPr lang="en-AU" smtClean="0"/>
-              <a:t>7/08/2023</a:t>
+              <a:t>15/12/2023</a:t>
             </a:fld>
             <a:endParaRPr lang="en-AU"/>
           </a:p>
@@ -1612,7 +1616,7 @@
           <a:p>
             <a:fld id="{CA6D4F87-9B9E-4A4F-B3AC-3968D7D2EB59}" type="datetimeFigureOut">
               <a:rPr lang="en-AU" smtClean="0"/>
-              <a:t>7/08/2023</a:t>
+              <a:t>15/12/2023</a:t>
             </a:fld>
             <a:endParaRPr lang="en-AU"/>
           </a:p>
@@ -1730,7 +1734,7 @@
           <a:p>
             <a:fld id="{CA6D4F87-9B9E-4A4F-B3AC-3968D7D2EB59}" type="datetimeFigureOut">
               <a:rPr lang="en-AU" smtClean="0"/>
-              <a:t>7/08/2023</a:t>
+              <a:t>15/12/2023</a:t>
             </a:fld>
             <a:endParaRPr lang="en-AU"/>
           </a:p>
@@ -1825,7 +1829,7 @@
           <a:p>
             <a:fld id="{CA6D4F87-9B9E-4A4F-B3AC-3968D7D2EB59}" type="datetimeFigureOut">
               <a:rPr lang="en-AU" smtClean="0"/>
-              <a:t>7/08/2023</a:t>
+              <a:t>15/12/2023</a:t>
             </a:fld>
             <a:endParaRPr lang="en-AU"/>
           </a:p>
@@ -2102,7 +2106,7 @@
           <a:p>
             <a:fld id="{CA6D4F87-9B9E-4A4F-B3AC-3968D7D2EB59}" type="datetimeFigureOut">
               <a:rPr lang="en-AU" smtClean="0"/>
-              <a:t>7/08/2023</a:t>
+              <a:t>15/12/2023</a:t>
             </a:fld>
             <a:endParaRPr lang="en-AU"/>
           </a:p>
@@ -2355,7 +2359,7 @@
           <a:p>
             <a:fld id="{CA6D4F87-9B9E-4A4F-B3AC-3968D7D2EB59}" type="datetimeFigureOut">
               <a:rPr lang="en-AU" smtClean="0"/>
-              <a:t>7/08/2023</a:t>
+              <a:t>15/12/2023</a:t>
             </a:fld>
             <a:endParaRPr lang="en-AU"/>
           </a:p>
@@ -2568,7 +2572,7 @@
           <a:p>
             <a:fld id="{CA6D4F87-9B9E-4A4F-B3AC-3968D7D2EB59}" type="datetimeFigureOut">
               <a:rPr lang="en-AU" smtClean="0"/>
-              <a:t>7/08/2023</a:t>
+              <a:t>15/12/2023</a:t>
             </a:fld>
             <a:endParaRPr lang="en-AU"/>
           </a:p>
@@ -5112,7 +5116,7 @@
     </p:spTree>
     <p:extLst>
       <p:ext uri="{BB962C8B-B14F-4D97-AF65-F5344CB8AC3E}">
-        <p14:creationId xmlns:p14="http://schemas.microsoft.com/office/powerpoint/2010/main" val="2718681000"/>
+        <p14:creationId xmlns:p14="http://schemas.microsoft.com/office/powerpoint/2010/main" val="3371060033"/>
       </p:ext>
     </p:extLst>
   </p:cSld>
@@ -5943,7 +5947,7 @@
               <a:rPr lang="en-AU" b="1" dirty="0">
                 <a:latin typeface="Oxygen" panose="02000503000000000000" pitchFamily="2" charset="0"/>
               </a:rPr>
-              <a:t>Mr. Debasish Nath</a:t>
+              <a:t>Mr. Debashish Nath</a:t>
             </a:r>
           </a:p>
           <a:p>
@@ -9797,6 +9801,6232 @@
     <p:extLst>
       <p:ext uri="{BB962C8B-B14F-4D97-AF65-F5344CB8AC3E}">
         <p14:creationId xmlns:p14="http://schemas.microsoft.com/office/powerpoint/2010/main" val="893189530"/>
+      </p:ext>
+    </p:extLst>
+  </p:cSld>
+  <p:clrMapOvr>
+    <a:masterClrMapping/>
+  </p:clrMapOvr>
+</p:sld>
+</file>
+
+<file path=ppt/slides/slide6.xml><?xml version="1.0" encoding="utf-8"?>
+<p:sld xmlns:a="http://schemas.openxmlformats.org/drawingml/2006/main" xmlns:r="http://schemas.openxmlformats.org/officeDocument/2006/relationships" xmlns:p="http://schemas.openxmlformats.org/presentationml/2006/main">
+  <p:cSld>
+    <p:spTree>
+      <p:nvGrpSpPr>
+        <p:cNvPr id="1" name=""/>
+        <p:cNvGrpSpPr/>
+        <p:nvPr/>
+      </p:nvGrpSpPr>
+      <p:grpSpPr>
+        <a:xfrm>
+          <a:off x="0" y="0"/>
+          <a:ext cx="0" cy="0"/>
+          <a:chOff x="0" y="0"/>
+          <a:chExt cx="0" cy="0"/>
+        </a:xfrm>
+      </p:grpSpPr>
+      <p:sp>
+        <p:nvSpPr>
+          <p:cNvPr id="8" name="Freeform 7"/>
+          <p:cNvSpPr/>
+          <p:nvPr/>
+        </p:nvSpPr>
+        <p:spPr>
+          <a:xfrm>
+            <a:off x="1971670" y="1309434"/>
+            <a:ext cx="7560000" cy="5040000"/>
+          </a:xfrm>
+          <a:custGeom>
+            <a:avLst/>
+            <a:gdLst>
+              <a:gd name="connsiteX0" fmla="*/ 1055455 w 8475260"/>
+              <a:gd name="connsiteY0" fmla="*/ 0 h 5431810"/>
+              <a:gd name="connsiteX1" fmla="*/ 7419805 w 8475260"/>
+              <a:gd name="connsiteY1" fmla="*/ 0 h 5431810"/>
+              <a:gd name="connsiteX2" fmla="*/ 7419824 w 8475260"/>
+              <a:gd name="connsiteY2" fmla="*/ 1 h 5431810"/>
+              <a:gd name="connsiteX3" fmla="*/ 8475260 w 8475260"/>
+              <a:gd name="connsiteY3" fmla="*/ 1 h 5431810"/>
+              <a:gd name="connsiteX4" fmla="*/ 8475260 w 8475260"/>
+              <a:gd name="connsiteY4" fmla="*/ 1055455 h 5431810"/>
+              <a:gd name="connsiteX5" fmla="*/ 8475260 w 8475260"/>
+              <a:gd name="connsiteY5" fmla="*/ 2606723 h 5431810"/>
+              <a:gd name="connsiteX6" fmla="*/ 8475260 w 8475260"/>
+              <a:gd name="connsiteY6" fmla="*/ 4376354 h 5431810"/>
+              <a:gd name="connsiteX7" fmla="*/ 7419805 w 8475260"/>
+              <a:gd name="connsiteY7" fmla="*/ 5431809 h 5431810"/>
+              <a:gd name="connsiteX8" fmla="*/ 4148920 w 8475260"/>
+              <a:gd name="connsiteY8" fmla="*/ 5431809 h 5431810"/>
+              <a:gd name="connsiteX9" fmla="*/ 4148920 w 8475260"/>
+              <a:gd name="connsiteY9" fmla="*/ 5431810 h 5431810"/>
+              <a:gd name="connsiteX10" fmla="*/ 0 w 8475260"/>
+              <a:gd name="connsiteY10" fmla="*/ 5431810 h 5431810"/>
+              <a:gd name="connsiteX11" fmla="*/ 0 w 8475260"/>
+              <a:gd name="connsiteY11" fmla="*/ 4376354 h 5431810"/>
+              <a:gd name="connsiteX12" fmla="*/ 0 w 8475260"/>
+              <a:gd name="connsiteY12" fmla="*/ 2825088 h 5431810"/>
+              <a:gd name="connsiteX13" fmla="*/ 0 w 8475260"/>
+              <a:gd name="connsiteY13" fmla="*/ 1055455 h 5431810"/>
+              <a:gd name="connsiteX14" fmla="*/ 1055455 w 8475260"/>
+              <a:gd name="connsiteY14" fmla="*/ 0 h 5431810"/>
+            </a:gdLst>
+            <a:ahLst/>
+            <a:cxnLst>
+              <a:cxn ang="0">
+                <a:pos x="connsiteX0" y="connsiteY0"/>
+              </a:cxn>
+              <a:cxn ang="0">
+                <a:pos x="connsiteX1" y="connsiteY1"/>
+              </a:cxn>
+              <a:cxn ang="0">
+                <a:pos x="connsiteX2" y="connsiteY2"/>
+              </a:cxn>
+              <a:cxn ang="0">
+                <a:pos x="connsiteX3" y="connsiteY3"/>
+              </a:cxn>
+              <a:cxn ang="0">
+                <a:pos x="connsiteX4" y="connsiteY4"/>
+              </a:cxn>
+              <a:cxn ang="0">
+                <a:pos x="connsiteX5" y="connsiteY5"/>
+              </a:cxn>
+              <a:cxn ang="0">
+                <a:pos x="connsiteX6" y="connsiteY6"/>
+              </a:cxn>
+              <a:cxn ang="0">
+                <a:pos x="connsiteX7" y="connsiteY7"/>
+              </a:cxn>
+              <a:cxn ang="0">
+                <a:pos x="connsiteX8" y="connsiteY8"/>
+              </a:cxn>
+              <a:cxn ang="0">
+                <a:pos x="connsiteX9" y="connsiteY9"/>
+              </a:cxn>
+              <a:cxn ang="0">
+                <a:pos x="connsiteX10" y="connsiteY10"/>
+              </a:cxn>
+              <a:cxn ang="0">
+                <a:pos x="connsiteX11" y="connsiteY11"/>
+              </a:cxn>
+              <a:cxn ang="0">
+                <a:pos x="connsiteX12" y="connsiteY12"/>
+              </a:cxn>
+              <a:cxn ang="0">
+                <a:pos x="connsiteX13" y="connsiteY13"/>
+              </a:cxn>
+              <a:cxn ang="0">
+                <a:pos x="connsiteX14" y="connsiteY14"/>
+              </a:cxn>
+            </a:cxnLst>
+            <a:rect l="l" t="t" r="r" b="b"/>
+            <a:pathLst>
+              <a:path w="8475260" h="5431810">
+                <a:moveTo>
+                  <a:pt x="1055455" y="0"/>
+                </a:moveTo>
+                <a:lnTo>
+                  <a:pt x="7419805" y="0"/>
+                </a:lnTo>
+                <a:lnTo>
+                  <a:pt x="7419824" y="1"/>
+                </a:lnTo>
+                <a:lnTo>
+                  <a:pt x="8475260" y="1"/>
+                </a:lnTo>
+                <a:lnTo>
+                  <a:pt x="8475260" y="1055455"/>
+                </a:lnTo>
+                <a:lnTo>
+                  <a:pt x="8475260" y="2606723"/>
+                </a:lnTo>
+                <a:lnTo>
+                  <a:pt x="8475260" y="4376354"/>
+                </a:lnTo>
+                <a:cubicBezTo>
+                  <a:pt x="8475260" y="4959266"/>
+                  <a:pt x="8002717" y="5431809"/>
+                  <a:pt x="7419805" y="5431809"/>
+                </a:cubicBezTo>
+                <a:lnTo>
+                  <a:pt x="4148920" y="5431809"/>
+                </a:lnTo>
+                <a:lnTo>
+                  <a:pt x="4148920" y="5431810"/>
+                </a:lnTo>
+                <a:lnTo>
+                  <a:pt x="0" y="5431810"/>
+                </a:lnTo>
+                <a:lnTo>
+                  <a:pt x="0" y="4376354"/>
+                </a:lnTo>
+                <a:lnTo>
+                  <a:pt x="0" y="2825088"/>
+                </a:lnTo>
+                <a:lnTo>
+                  <a:pt x="0" y="1055455"/>
+                </a:lnTo>
+                <a:cubicBezTo>
+                  <a:pt x="0" y="472543"/>
+                  <a:pt x="472543" y="0"/>
+                  <a:pt x="1055455" y="0"/>
+                </a:cubicBezTo>
+                <a:close/>
+              </a:path>
+            </a:pathLst>
+          </a:custGeom>
+          <a:solidFill>
+            <a:schemeClr val="bg1"/>
+          </a:solidFill>
+          <a:ln>
+            <a:noFill/>
+          </a:ln>
+          <a:effectLst>
+            <a:glow rad="228600">
+              <a:schemeClr val="accent3">
+                <a:satMod val="175000"/>
+                <a:alpha val="40000"/>
+              </a:schemeClr>
+            </a:glow>
+          </a:effectLst>
+        </p:spPr>
+        <p:style>
+          <a:lnRef idx="2">
+            <a:schemeClr val="accent1">
+              <a:shade val="50000"/>
+            </a:schemeClr>
+          </a:lnRef>
+          <a:fillRef idx="1">
+            <a:schemeClr val="accent1"/>
+          </a:fillRef>
+          <a:effectRef idx="0">
+            <a:schemeClr val="accent1"/>
+          </a:effectRef>
+          <a:fontRef idx="minor">
+            <a:schemeClr val="lt1"/>
+          </a:fontRef>
+        </p:style>
+        <p:txBody>
+          <a:bodyPr rtlCol="0" anchor="ctr"/>
+          <a:lstStyle/>
+          <a:p>
+            <a:pPr algn="ctr"/>
+            <a:r>
+              <a:rPr lang="en-AU" b="1" dirty="0">
+                <a:latin typeface="Oxygen" panose="02000503000000000000" pitchFamily="2" charset="0"/>
+              </a:rPr>
+              <a:t>e05a</a:t>
+            </a:r>
+          </a:p>
+        </p:txBody>
+      </p:sp>
+      <p:sp>
+        <p:nvSpPr>
+          <p:cNvPr id="2" name="TextBox 1"/>
+          <p:cNvSpPr txBox="1"/>
+          <p:nvPr/>
+        </p:nvSpPr>
+        <p:spPr>
+          <a:xfrm>
+            <a:off x="2589961" y="337130"/>
+            <a:ext cx="5371983" cy="523220"/>
+          </a:xfrm>
+          <a:prstGeom prst="rect">
+            <a:avLst/>
+          </a:prstGeom>
+          <a:noFill/>
+        </p:spPr>
+        <p:txBody>
+          <a:bodyPr wrap="none" rtlCol="0">
+            <a:spAutoFit/>
+          </a:bodyPr>
+          <a:lstStyle/>
+          <a:p>
+            <a:r>
+              <a:rPr lang="en-AU" sz="2800" b="1" u="sng" dirty="0">
+                <a:latin typeface="Oxygen" panose="02000503000000000000" pitchFamily="2" charset="0"/>
+              </a:rPr>
+              <a:t>Visiting Card – AI/ML Engineer</a:t>
+            </a:r>
+          </a:p>
+        </p:txBody>
+      </p:sp>
+      <p:grpSp>
+        <p:nvGrpSpPr>
+          <p:cNvPr id="7" name="Group 6"/>
+          <p:cNvGrpSpPr/>
+          <p:nvPr/>
+        </p:nvGrpSpPr>
+        <p:grpSpPr>
+          <a:xfrm>
+            <a:off x="2486370" y="3144685"/>
+            <a:ext cx="2471777" cy="1145370"/>
+            <a:chOff x="4600575" y="2600315"/>
+            <a:chExt cx="2990850" cy="1385897"/>
+          </a:xfrm>
+        </p:grpSpPr>
+        <p:pic>
+          <p:nvPicPr>
+            <p:cNvPr id="6" name="Picture 5"/>
+            <p:cNvPicPr>
+              <a:picLocks noChangeAspect="1"/>
+            </p:cNvPicPr>
+            <p:nvPr/>
+          </p:nvPicPr>
+          <p:blipFill>
+            <a:blip r:embed="rId2"/>
+            <a:stretch>
+              <a:fillRect/>
+            </a:stretch>
+          </p:blipFill>
+          <p:spPr>
+            <a:xfrm>
+              <a:off x="4600575" y="2871787"/>
+              <a:ext cx="2990850" cy="1114425"/>
+            </a:xfrm>
+            <a:prstGeom prst="rect">
+              <a:avLst/>
+            </a:prstGeom>
+          </p:spPr>
+        </p:pic>
+        <p:sp>
+          <p:nvSpPr>
+            <p:cNvPr id="10" name="Freeform 9"/>
+            <p:cNvSpPr/>
+            <p:nvPr/>
+          </p:nvSpPr>
+          <p:spPr>
+            <a:xfrm>
+              <a:off x="4739363" y="2600315"/>
+              <a:ext cx="971569" cy="971569"/>
+            </a:xfrm>
+            <a:custGeom>
+              <a:avLst/>
+              <a:gdLst>
+                <a:gd name="connsiteX0" fmla="*/ 1080000 w 2160000"/>
+                <a:gd name="connsiteY0" fmla="*/ 0 h 2160000"/>
+                <a:gd name="connsiteX1" fmla="*/ 2154424 w 2160000"/>
+                <a:gd name="connsiteY1" fmla="*/ 969576 h 2160000"/>
+                <a:gd name="connsiteX2" fmla="*/ 2157027 w 2160000"/>
+                <a:gd name="connsiteY2" fmla="*/ 1021127 h 2160000"/>
+                <a:gd name="connsiteX3" fmla="*/ 2159999 w 2160000"/>
+                <a:gd name="connsiteY3" fmla="*/ 1021127 h 2160000"/>
+                <a:gd name="connsiteX4" fmla="*/ 2159999 w 2160000"/>
+                <a:gd name="connsiteY4" fmla="*/ 1079980 h 2160000"/>
+                <a:gd name="connsiteX5" fmla="*/ 2160000 w 2160000"/>
+                <a:gd name="connsiteY5" fmla="*/ 1080000 h 2160000"/>
+                <a:gd name="connsiteX6" fmla="*/ 2159999 w 2160000"/>
+                <a:gd name="connsiteY6" fmla="*/ 1080021 h 2160000"/>
+                <a:gd name="connsiteX7" fmla="*/ 2159999 w 2160000"/>
+                <a:gd name="connsiteY7" fmla="*/ 1716639 h 2160000"/>
+                <a:gd name="connsiteX8" fmla="*/ 2157838 w 2160000"/>
+                <a:gd name="connsiteY8" fmla="*/ 1716639 h 2160000"/>
+                <a:gd name="connsiteX9" fmla="*/ 2160000 w 2160000"/>
+                <a:gd name="connsiteY9" fmla="*/ 1738544 h 2160000"/>
+                <a:gd name="connsiteX10" fmla="*/ 1891921 w 2160000"/>
+                <a:gd name="connsiteY10" fmla="*/ 2012333 h 2160000"/>
+                <a:gd name="connsiteX11" fmla="*/ 1623842 w 2160000"/>
+                <a:gd name="connsiteY11" fmla="*/ 1738544 h 2160000"/>
+                <a:gd name="connsiteX12" fmla="*/ 1626005 w 2160000"/>
+                <a:gd name="connsiteY12" fmla="*/ 1716639 h 2160000"/>
+                <a:gd name="connsiteX13" fmla="*/ 1620298 w 2160000"/>
+                <a:gd name="connsiteY13" fmla="*/ 1716639 h 2160000"/>
+                <a:gd name="connsiteX14" fmla="*/ 1620298 w 2160000"/>
+                <a:gd name="connsiteY14" fmla="*/ 1090950 h 2160000"/>
+                <a:gd name="connsiteX15" fmla="*/ 1618898 w 2160000"/>
+                <a:gd name="connsiteY15" fmla="*/ 1090937 h 2160000"/>
+                <a:gd name="connsiteX16" fmla="*/ 1620000 w 2160000"/>
+                <a:gd name="connsiteY16" fmla="*/ 1080000 h 2160000"/>
+                <a:gd name="connsiteX17" fmla="*/ 1080000 w 2160000"/>
+                <a:gd name="connsiteY17" fmla="*/ 540000 h 2160000"/>
+                <a:gd name="connsiteX18" fmla="*/ 540000 w 2160000"/>
+                <a:gd name="connsiteY18" fmla="*/ 1080000 h 2160000"/>
+                <a:gd name="connsiteX19" fmla="*/ 1080000 w 2160000"/>
+                <a:gd name="connsiteY19" fmla="*/ 1620000 h 2160000"/>
+                <a:gd name="connsiteX20" fmla="*/ 1172144 w 2160000"/>
+                <a:gd name="connsiteY20" fmla="*/ 1610711 h 2160000"/>
+                <a:gd name="connsiteX21" fmla="*/ 1192722 w 2160000"/>
+                <a:gd name="connsiteY21" fmla="*/ 1599542 h 2160000"/>
+                <a:gd name="connsiteX22" fmla="*/ 1205334 w 2160000"/>
+                <a:gd name="connsiteY22" fmla="*/ 1595627 h 2160000"/>
+                <a:gd name="connsiteX23" fmla="*/ 1218649 w 2160000"/>
+                <a:gd name="connsiteY23" fmla="*/ 1594482 h 2160000"/>
+                <a:gd name="connsiteX24" fmla="*/ 1273176 w 2160000"/>
+                <a:gd name="connsiteY24" fmla="*/ 1581875 h 2160000"/>
+                <a:gd name="connsiteX25" fmla="*/ 1277433 w 2160000"/>
+                <a:gd name="connsiteY25" fmla="*/ 1580379 h 2160000"/>
+                <a:gd name="connsiteX26" fmla="*/ 1297818 w 2160000"/>
+                <a:gd name="connsiteY26" fmla="*/ 1578324 h 2160000"/>
+                <a:gd name="connsiteX27" fmla="*/ 1567818 w 2160000"/>
+                <a:gd name="connsiteY27" fmla="*/ 1848324 h 2160000"/>
+                <a:gd name="connsiteX28" fmla="*/ 1469563 w 2160000"/>
+                <a:gd name="connsiteY28" fmla="*/ 2056669 h 2160000"/>
+                <a:gd name="connsiteX29" fmla="*/ 1412948 w 2160000"/>
+                <a:gd name="connsiteY29" fmla="*/ 2091019 h 2160000"/>
+                <a:gd name="connsiteX30" fmla="*/ 1398272 w 2160000"/>
+                <a:gd name="connsiteY30" fmla="*/ 2101498 h 2160000"/>
+                <a:gd name="connsiteX31" fmla="*/ 1374464 w 2160000"/>
+                <a:gd name="connsiteY31" fmla="*/ 2110955 h 2160000"/>
+                <a:gd name="connsiteX32" fmla="*/ 1376211 w 2160000"/>
+                <a:gd name="connsiteY32" fmla="*/ 2117860 h 2160000"/>
+                <a:gd name="connsiteX33" fmla="*/ 1321962 w 2160000"/>
+                <a:gd name="connsiteY33" fmla="*/ 2131809 h 2160000"/>
+                <a:gd name="connsiteX34" fmla="*/ 1306247 w 2160000"/>
+                <a:gd name="connsiteY34" fmla="*/ 2138051 h 2160000"/>
+                <a:gd name="connsiteX35" fmla="*/ 1267530 w 2160000"/>
+                <a:gd name="connsiteY35" fmla="*/ 2142656 h 2160000"/>
+                <a:gd name="connsiteX36" fmla="*/ 1190424 w 2160000"/>
+                <a:gd name="connsiteY36" fmla="*/ 2154424 h 2160000"/>
+                <a:gd name="connsiteX37" fmla="*/ 1080000 w 2160000"/>
+                <a:gd name="connsiteY37" fmla="*/ 2160000 h 2160000"/>
+                <a:gd name="connsiteX38" fmla="*/ 0 w 2160000"/>
+                <a:gd name="connsiteY38" fmla="*/ 1080000 h 2160000"/>
+                <a:gd name="connsiteX39" fmla="*/ 1080000 w 2160000"/>
+                <a:gd name="connsiteY39" fmla="*/ 0 h 2160000"/>
+              </a:gdLst>
+              <a:ahLst/>
+              <a:cxnLst>
+                <a:cxn ang="0">
+                  <a:pos x="connsiteX0" y="connsiteY0"/>
+                </a:cxn>
+                <a:cxn ang="0">
+                  <a:pos x="connsiteX1" y="connsiteY1"/>
+                </a:cxn>
+                <a:cxn ang="0">
+                  <a:pos x="connsiteX2" y="connsiteY2"/>
+                </a:cxn>
+                <a:cxn ang="0">
+                  <a:pos x="connsiteX3" y="connsiteY3"/>
+                </a:cxn>
+                <a:cxn ang="0">
+                  <a:pos x="connsiteX4" y="connsiteY4"/>
+                </a:cxn>
+                <a:cxn ang="0">
+                  <a:pos x="connsiteX5" y="connsiteY5"/>
+                </a:cxn>
+                <a:cxn ang="0">
+                  <a:pos x="connsiteX6" y="connsiteY6"/>
+                </a:cxn>
+                <a:cxn ang="0">
+                  <a:pos x="connsiteX7" y="connsiteY7"/>
+                </a:cxn>
+                <a:cxn ang="0">
+                  <a:pos x="connsiteX8" y="connsiteY8"/>
+                </a:cxn>
+                <a:cxn ang="0">
+                  <a:pos x="connsiteX9" y="connsiteY9"/>
+                </a:cxn>
+                <a:cxn ang="0">
+                  <a:pos x="connsiteX10" y="connsiteY10"/>
+                </a:cxn>
+                <a:cxn ang="0">
+                  <a:pos x="connsiteX11" y="connsiteY11"/>
+                </a:cxn>
+                <a:cxn ang="0">
+                  <a:pos x="connsiteX12" y="connsiteY12"/>
+                </a:cxn>
+                <a:cxn ang="0">
+                  <a:pos x="connsiteX13" y="connsiteY13"/>
+                </a:cxn>
+                <a:cxn ang="0">
+                  <a:pos x="connsiteX14" y="connsiteY14"/>
+                </a:cxn>
+                <a:cxn ang="0">
+                  <a:pos x="connsiteX15" y="connsiteY15"/>
+                </a:cxn>
+                <a:cxn ang="0">
+                  <a:pos x="connsiteX16" y="connsiteY16"/>
+                </a:cxn>
+                <a:cxn ang="0">
+                  <a:pos x="connsiteX17" y="connsiteY17"/>
+                </a:cxn>
+                <a:cxn ang="0">
+                  <a:pos x="connsiteX18" y="connsiteY18"/>
+                </a:cxn>
+                <a:cxn ang="0">
+                  <a:pos x="connsiteX19" y="connsiteY19"/>
+                </a:cxn>
+                <a:cxn ang="0">
+                  <a:pos x="connsiteX20" y="connsiteY20"/>
+                </a:cxn>
+                <a:cxn ang="0">
+                  <a:pos x="connsiteX21" y="connsiteY21"/>
+                </a:cxn>
+                <a:cxn ang="0">
+                  <a:pos x="connsiteX22" y="connsiteY22"/>
+                </a:cxn>
+                <a:cxn ang="0">
+                  <a:pos x="connsiteX23" y="connsiteY23"/>
+                </a:cxn>
+                <a:cxn ang="0">
+                  <a:pos x="connsiteX24" y="connsiteY24"/>
+                </a:cxn>
+                <a:cxn ang="0">
+                  <a:pos x="connsiteX25" y="connsiteY25"/>
+                </a:cxn>
+                <a:cxn ang="0">
+                  <a:pos x="connsiteX26" y="connsiteY26"/>
+                </a:cxn>
+                <a:cxn ang="0">
+                  <a:pos x="connsiteX27" y="connsiteY27"/>
+                </a:cxn>
+                <a:cxn ang="0">
+                  <a:pos x="connsiteX28" y="connsiteY28"/>
+                </a:cxn>
+                <a:cxn ang="0">
+                  <a:pos x="connsiteX29" y="connsiteY29"/>
+                </a:cxn>
+                <a:cxn ang="0">
+                  <a:pos x="connsiteX30" y="connsiteY30"/>
+                </a:cxn>
+                <a:cxn ang="0">
+                  <a:pos x="connsiteX31" y="connsiteY31"/>
+                </a:cxn>
+                <a:cxn ang="0">
+                  <a:pos x="connsiteX32" y="connsiteY32"/>
+                </a:cxn>
+                <a:cxn ang="0">
+                  <a:pos x="connsiteX33" y="connsiteY33"/>
+                </a:cxn>
+                <a:cxn ang="0">
+                  <a:pos x="connsiteX34" y="connsiteY34"/>
+                </a:cxn>
+                <a:cxn ang="0">
+                  <a:pos x="connsiteX35" y="connsiteY35"/>
+                </a:cxn>
+                <a:cxn ang="0">
+                  <a:pos x="connsiteX36" y="connsiteY36"/>
+                </a:cxn>
+                <a:cxn ang="0">
+                  <a:pos x="connsiteX37" y="connsiteY37"/>
+                </a:cxn>
+                <a:cxn ang="0">
+                  <a:pos x="connsiteX38" y="connsiteY38"/>
+                </a:cxn>
+                <a:cxn ang="0">
+                  <a:pos x="connsiteX39" y="connsiteY39"/>
+                </a:cxn>
+              </a:cxnLst>
+              <a:rect l="l" t="t" r="r" b="b"/>
+              <a:pathLst>
+                <a:path w="2160000" h="2160000">
+                  <a:moveTo>
+                    <a:pt x="1080000" y="0"/>
+                  </a:moveTo>
+                  <a:cubicBezTo>
+                    <a:pt x="1639189" y="0"/>
+                    <a:pt x="2099117" y="424979"/>
+                    <a:pt x="2154424" y="969576"/>
+                  </a:cubicBezTo>
+                  <a:lnTo>
+                    <a:pt x="2157027" y="1021127"/>
+                  </a:lnTo>
+                  <a:lnTo>
+                    <a:pt x="2159999" y="1021127"/>
+                  </a:lnTo>
+                  <a:lnTo>
+                    <a:pt x="2159999" y="1079980"/>
+                  </a:lnTo>
+                  <a:lnTo>
+                    <a:pt x="2160000" y="1080000"/>
+                  </a:lnTo>
+                  <a:lnTo>
+                    <a:pt x="2159999" y="1080021"/>
+                  </a:lnTo>
+                  <a:lnTo>
+                    <a:pt x="2159999" y="1716639"/>
+                  </a:lnTo>
+                  <a:lnTo>
+                    <a:pt x="2157838" y="1716639"/>
+                  </a:lnTo>
+                  <a:lnTo>
+                    <a:pt x="2160000" y="1738544"/>
+                  </a:lnTo>
+                  <a:cubicBezTo>
+                    <a:pt x="2160000" y="1889753"/>
+                    <a:pt x="2039977" y="2012333"/>
+                    <a:pt x="1891921" y="2012333"/>
+                  </a:cubicBezTo>
+                  <a:cubicBezTo>
+                    <a:pt x="1743865" y="2012333"/>
+                    <a:pt x="1623842" y="1889753"/>
+                    <a:pt x="1623842" y="1738544"/>
+                  </a:cubicBezTo>
+                  <a:lnTo>
+                    <a:pt x="1626005" y="1716639"/>
+                  </a:lnTo>
+                  <a:lnTo>
+                    <a:pt x="1620298" y="1716639"/>
+                  </a:lnTo>
+                  <a:lnTo>
+                    <a:pt x="1620298" y="1090950"/>
+                  </a:lnTo>
+                  <a:lnTo>
+                    <a:pt x="1618898" y="1090937"/>
+                  </a:lnTo>
+                  <a:lnTo>
+                    <a:pt x="1620000" y="1080000"/>
+                  </a:lnTo>
+                  <a:cubicBezTo>
+                    <a:pt x="1620000" y="781766"/>
+                    <a:pt x="1378234" y="540000"/>
+                    <a:pt x="1080000" y="540000"/>
+                  </a:cubicBezTo>
+                  <a:cubicBezTo>
+                    <a:pt x="781766" y="540000"/>
+                    <a:pt x="540000" y="781766"/>
+                    <a:pt x="540000" y="1080000"/>
+                  </a:cubicBezTo>
+                  <a:cubicBezTo>
+                    <a:pt x="540000" y="1378234"/>
+                    <a:pt x="781766" y="1620000"/>
+                    <a:pt x="1080000" y="1620000"/>
+                  </a:cubicBezTo>
+                  <a:lnTo>
+                    <a:pt x="1172144" y="1610711"/>
+                  </a:lnTo>
+                  <a:lnTo>
+                    <a:pt x="1192722" y="1599542"/>
+                  </a:lnTo>
+                  <a:lnTo>
+                    <a:pt x="1205334" y="1595627"/>
+                  </a:lnTo>
+                  <a:lnTo>
+                    <a:pt x="1218649" y="1594482"/>
+                  </a:lnTo>
+                  <a:cubicBezTo>
+                    <a:pt x="1237851" y="1591023"/>
+                    <a:pt x="1256099" y="1586790"/>
+                    <a:pt x="1273176" y="1581875"/>
+                  </a:cubicBezTo>
+                  <a:lnTo>
+                    <a:pt x="1277433" y="1580379"/>
+                  </a:lnTo>
+                  <a:lnTo>
+                    <a:pt x="1297818" y="1578324"/>
+                  </a:lnTo>
+                  <a:cubicBezTo>
+                    <a:pt x="1446935" y="1578324"/>
+                    <a:pt x="1567818" y="1699207"/>
+                    <a:pt x="1567818" y="1848324"/>
+                  </a:cubicBezTo>
+                  <a:cubicBezTo>
+                    <a:pt x="1567818" y="1932202"/>
+                    <a:pt x="1529570" y="2007147"/>
+                    <a:pt x="1469563" y="2056669"/>
+                  </a:cubicBezTo>
+                  <a:lnTo>
+                    <a:pt x="1412948" y="2091019"/>
+                  </a:lnTo>
+                  <a:lnTo>
+                    <a:pt x="1398272" y="2101498"/>
+                  </a:lnTo>
+                  <a:lnTo>
+                    <a:pt x="1374464" y="2110955"/>
+                  </a:lnTo>
+                  <a:lnTo>
+                    <a:pt x="1376211" y="2117860"/>
+                  </a:lnTo>
+                  <a:lnTo>
+                    <a:pt x="1321962" y="2131809"/>
+                  </a:lnTo>
+                  <a:lnTo>
+                    <a:pt x="1306247" y="2138051"/>
+                  </a:lnTo>
+                  <a:lnTo>
+                    <a:pt x="1267530" y="2142656"/>
+                  </a:lnTo>
+                  <a:lnTo>
+                    <a:pt x="1190424" y="2154424"/>
+                  </a:lnTo>
+                  <a:cubicBezTo>
+                    <a:pt x="1154118" y="2158111"/>
+                    <a:pt x="1117280" y="2160000"/>
+                    <a:pt x="1080000" y="2160000"/>
+                  </a:cubicBezTo>
+                  <a:cubicBezTo>
+                    <a:pt x="483532" y="2160000"/>
+                    <a:pt x="0" y="1676468"/>
+                    <a:pt x="0" y="1080000"/>
+                  </a:cubicBezTo>
+                  <a:cubicBezTo>
+                    <a:pt x="0" y="483532"/>
+                    <a:pt x="483532" y="0"/>
+                    <a:pt x="1080000" y="0"/>
+                  </a:cubicBezTo>
+                  <a:close/>
+                </a:path>
+              </a:pathLst>
+            </a:custGeom>
+            <a:solidFill>
+              <a:srgbClr val="FF8C52"/>
+            </a:solidFill>
+            <a:ln>
+              <a:solidFill>
+                <a:srgbClr val="FF8C52"/>
+              </a:solidFill>
+            </a:ln>
+          </p:spPr>
+          <p:style>
+            <a:lnRef idx="2">
+              <a:schemeClr val="accent1">
+                <a:shade val="50000"/>
+              </a:schemeClr>
+            </a:lnRef>
+            <a:fillRef idx="1">
+              <a:schemeClr val="accent1"/>
+            </a:fillRef>
+            <a:effectRef idx="0">
+              <a:schemeClr val="accent1"/>
+            </a:effectRef>
+            <a:fontRef idx="minor">
+              <a:schemeClr val="lt1"/>
+            </a:fontRef>
+          </p:style>
+          <p:txBody>
+            <a:bodyPr rtlCol="0" anchor="ctr"/>
+            <a:lstStyle/>
+            <a:p>
+              <a:pPr algn="ctr"/>
+              <a:endParaRPr lang="en-AU" dirty="0">
+                <a:latin typeface="Oxygen" panose="02000503000000000000" pitchFamily="2" charset="0"/>
+              </a:endParaRPr>
+            </a:p>
+          </p:txBody>
+        </p:sp>
+      </p:grpSp>
+      <p:sp>
+        <p:nvSpPr>
+          <p:cNvPr id="13" name="Rectangle 12"/>
+          <p:cNvSpPr/>
+          <p:nvPr/>
+        </p:nvSpPr>
+        <p:spPr>
+          <a:xfrm>
+            <a:off x="5329234" y="1311674"/>
+            <a:ext cx="36000" cy="5040000"/>
+          </a:xfrm>
+          <a:prstGeom prst="rect">
+            <a:avLst/>
+          </a:prstGeom>
+          <a:gradFill>
+            <a:gsLst>
+              <a:gs pos="0">
+                <a:schemeClr val="bg1"/>
+              </a:gs>
+              <a:gs pos="60000">
+                <a:srgbClr val="FF8C52"/>
+              </a:gs>
+              <a:gs pos="40000">
+                <a:srgbClr val="FF8C52"/>
+              </a:gs>
+              <a:gs pos="20000">
+                <a:schemeClr val="bg1"/>
+              </a:gs>
+              <a:gs pos="80000">
+                <a:schemeClr val="bg1"/>
+              </a:gs>
+              <a:gs pos="100000">
+                <a:schemeClr val="bg1"/>
+              </a:gs>
+            </a:gsLst>
+            <a:lin ang="5400000" scaled="1"/>
+          </a:gradFill>
+          <a:ln>
+            <a:noFill/>
+          </a:ln>
+        </p:spPr>
+        <p:style>
+          <a:lnRef idx="2">
+            <a:schemeClr val="accent1">
+              <a:shade val="50000"/>
+            </a:schemeClr>
+          </a:lnRef>
+          <a:fillRef idx="1">
+            <a:schemeClr val="accent1"/>
+          </a:fillRef>
+          <a:effectRef idx="0">
+            <a:schemeClr val="accent1"/>
+          </a:effectRef>
+          <a:fontRef idx="minor">
+            <a:schemeClr val="lt1"/>
+          </a:fontRef>
+        </p:style>
+        <p:txBody>
+          <a:bodyPr rtlCol="0" anchor="ctr"/>
+          <a:lstStyle/>
+          <a:p>
+            <a:pPr algn="ctr"/>
+            <a:endParaRPr lang="en-AU">
+              <a:latin typeface="Oxygen" panose="02000503000000000000" pitchFamily="2" charset="0"/>
+            </a:endParaRPr>
+          </a:p>
+        </p:txBody>
+      </p:sp>
+      <p:sp>
+        <p:nvSpPr>
+          <p:cNvPr id="15" name="Rectangle 14"/>
+          <p:cNvSpPr/>
+          <p:nvPr/>
+        </p:nvSpPr>
+        <p:spPr>
+          <a:xfrm>
+            <a:off x="6364914" y="4959786"/>
+            <a:ext cx="1880643" cy="400110"/>
+          </a:xfrm>
+          <a:prstGeom prst="rect">
+            <a:avLst/>
+          </a:prstGeom>
+        </p:spPr>
+        <p:txBody>
+          <a:bodyPr wrap="none">
+            <a:spAutoFit/>
+          </a:bodyPr>
+          <a:lstStyle/>
+          <a:p>
+            <a:r>
+              <a:rPr lang="en-AU" b="1" dirty="0">
+                <a:solidFill>
+                  <a:srgbClr val="002060"/>
+                </a:solidFill>
+                <a:latin typeface="Oxygen" panose="02000503000000000000" pitchFamily="2" charset="0"/>
+              </a:rPr>
+              <a:t> </a:t>
+            </a:r>
+            <a:r>
+              <a:rPr lang="en-AU" sz="2000" b="1" dirty="0">
+                <a:solidFill>
+                  <a:srgbClr val="002060"/>
+                </a:solidFill>
+                <a:latin typeface="Oxygen" panose="02000503000000000000" pitchFamily="2" charset="0"/>
+              </a:rPr>
+              <a:t>anodiam.com</a:t>
+            </a:r>
+            <a:endParaRPr lang="en-AU" sz="2000" dirty="0">
+              <a:latin typeface="Oxygen" panose="02000503000000000000" pitchFamily="2" charset="0"/>
+            </a:endParaRPr>
+          </a:p>
+        </p:txBody>
+      </p:sp>
+      <p:sp>
+        <p:nvSpPr>
+          <p:cNvPr id="16" name="TextBox 15"/>
+          <p:cNvSpPr txBox="1"/>
+          <p:nvPr/>
+        </p:nvSpPr>
+        <p:spPr>
+          <a:xfrm>
+            <a:off x="6150551" y="2250755"/>
+            <a:ext cx="3089307" cy="2800767"/>
+          </a:xfrm>
+          <a:prstGeom prst="rect">
+            <a:avLst/>
+          </a:prstGeom>
+          <a:noFill/>
+        </p:spPr>
+        <p:txBody>
+          <a:bodyPr wrap="none" rtlCol="0">
+            <a:spAutoFit/>
+          </a:bodyPr>
+          <a:lstStyle/>
+          <a:p>
+            <a:pPr lvl="0">
+              <a:spcAft>
+                <a:spcPts val="600"/>
+              </a:spcAft>
+            </a:pPr>
+            <a:r>
+              <a:rPr lang="en-AU" b="1" dirty="0">
+                <a:solidFill>
+                  <a:prstClr val="black"/>
+                </a:solidFill>
+                <a:latin typeface="Oxygen" panose="02000503000000000000" pitchFamily="2" charset="0"/>
+              </a:rPr>
+              <a:t>Mr. </a:t>
+            </a:r>
+            <a:r>
+              <a:rPr lang="en-AU" b="1" dirty="0" err="1">
+                <a:solidFill>
+                  <a:prstClr val="black"/>
+                </a:solidFill>
+                <a:latin typeface="Oxygen" panose="02000503000000000000" pitchFamily="2" charset="0"/>
+              </a:rPr>
+              <a:t>Sayan</a:t>
+            </a:r>
+            <a:r>
+              <a:rPr lang="en-AU" b="1" dirty="0">
+                <a:solidFill>
+                  <a:prstClr val="black"/>
+                </a:solidFill>
+                <a:latin typeface="Oxygen" panose="02000503000000000000" pitchFamily="2" charset="0"/>
+              </a:rPr>
+              <a:t> </a:t>
+            </a:r>
+            <a:r>
+              <a:rPr lang="en-AU" b="1" dirty="0" err="1">
+                <a:solidFill>
+                  <a:prstClr val="black"/>
+                </a:solidFill>
+                <a:latin typeface="Oxygen" panose="02000503000000000000" pitchFamily="2" charset="0"/>
+              </a:rPr>
+              <a:t>Basak</a:t>
+            </a:r>
+            <a:endParaRPr lang="en-AU" b="1" dirty="0">
+              <a:solidFill>
+                <a:prstClr val="black"/>
+              </a:solidFill>
+              <a:latin typeface="Oxygen" panose="02000503000000000000" pitchFamily="2" charset="0"/>
+            </a:endParaRPr>
+          </a:p>
+          <a:p>
+            <a:pPr lvl="0">
+              <a:spcAft>
+                <a:spcPts val="600"/>
+              </a:spcAft>
+            </a:pPr>
+            <a:r>
+              <a:rPr lang="en-AU" sz="1400" b="1" dirty="0">
+                <a:solidFill>
+                  <a:prstClr val="black"/>
+                </a:solidFill>
+                <a:latin typeface="Oxygen" panose="02000503000000000000" pitchFamily="2" charset="0"/>
+              </a:rPr>
+              <a:t>A.I./M.L. Engineer</a:t>
+            </a:r>
+          </a:p>
+          <a:p>
+            <a:pPr lvl="0">
+              <a:spcAft>
+                <a:spcPts val="600"/>
+              </a:spcAft>
+            </a:pPr>
+            <a:r>
+              <a:rPr lang="en-AU" sz="1400" b="1" dirty="0">
+                <a:solidFill>
+                  <a:prstClr val="black"/>
+                </a:solidFill>
+                <a:latin typeface="Oxygen" panose="02000503000000000000" pitchFamily="2" charset="0"/>
+              </a:rPr>
+              <a:t>B.Tech.(Electrical)</a:t>
+            </a:r>
+          </a:p>
+          <a:p>
+            <a:pPr lvl="0">
+              <a:lnSpc>
+                <a:spcPct val="250000"/>
+              </a:lnSpc>
+              <a:spcAft>
+                <a:spcPts val="600"/>
+              </a:spcAft>
+            </a:pPr>
+            <a:r>
+              <a:rPr lang="en-AU" sz="1400" b="1" dirty="0">
+                <a:solidFill>
+                  <a:prstClr val="black"/>
+                </a:solidFill>
+                <a:latin typeface="Oxygen" panose="02000503000000000000" pitchFamily="2" charset="0"/>
+              </a:rPr>
+              <a:t>      </a:t>
+            </a:r>
+            <a:r>
+              <a:rPr lang="en-AU" sz="1400" b="1" dirty="0">
+                <a:solidFill>
+                  <a:prstClr val="black"/>
+                </a:solidFill>
+                <a:latin typeface="Oxygen" panose="02000503000000000000" pitchFamily="2" charset="0"/>
+                <a:hlinkClick r:id="rId3"/>
+              </a:rPr>
+              <a:t>sayanb0978</a:t>
+            </a:r>
+            <a:r>
+              <a:rPr lang="en-AU" sz="1400" b="1" u="sng" dirty="0">
+                <a:solidFill>
+                  <a:srgbClr val="002060"/>
+                </a:solidFill>
+                <a:latin typeface="Oxygen" panose="02000503000000000000" pitchFamily="2" charset="0"/>
+                <a:hlinkClick r:id="rId3"/>
+              </a:rPr>
+              <a:t>@gmail.com</a:t>
+            </a:r>
+            <a:endParaRPr lang="en-AU" sz="1400" b="1" u="sng" dirty="0">
+              <a:solidFill>
+                <a:srgbClr val="002060"/>
+              </a:solidFill>
+              <a:latin typeface="Oxygen" panose="02000503000000000000" pitchFamily="2" charset="0"/>
+            </a:endParaRPr>
+          </a:p>
+          <a:p>
+            <a:pPr lvl="0">
+              <a:lnSpc>
+                <a:spcPct val="200000"/>
+              </a:lnSpc>
+            </a:pPr>
+            <a:r>
+              <a:rPr lang="en-AU" sz="1400" b="1" dirty="0">
+                <a:latin typeface="Oxygen" panose="02000503000000000000" pitchFamily="2" charset="0"/>
+              </a:rPr>
+              <a:t>      +91 70035 97510</a:t>
+            </a:r>
+          </a:p>
+          <a:p>
+            <a:pPr lvl="0">
+              <a:lnSpc>
+                <a:spcPct val="200000"/>
+              </a:lnSpc>
+              <a:spcAft>
+                <a:spcPts val="600"/>
+              </a:spcAft>
+            </a:pPr>
+            <a:r>
+              <a:rPr lang="en-AU" sz="1400" b="1" dirty="0">
+                <a:latin typeface="Oxygen" panose="02000503000000000000" pitchFamily="2" charset="0"/>
+              </a:rPr>
+              <a:t>      N - 1/25 Patuli, Kolkata 700094</a:t>
+            </a:r>
+          </a:p>
+          <a:p>
+            <a:pPr lvl="0"/>
+            <a:r>
+              <a:rPr lang="en-AU" sz="1400" b="1" dirty="0">
+                <a:solidFill>
+                  <a:schemeClr val="bg1">
+                    <a:lumMod val="65000"/>
+                  </a:schemeClr>
+                </a:solidFill>
+                <a:latin typeface="Oxygen" panose="02000503000000000000" pitchFamily="2" charset="0"/>
+              </a:rPr>
+              <a:t>    </a:t>
+            </a:r>
+          </a:p>
+        </p:txBody>
+      </p:sp>
+      <p:sp>
+        <p:nvSpPr>
+          <p:cNvPr id="17" name="Freeform: Shape 16">
+            <a:extLst>
+              <a:ext uri="{FF2B5EF4-FFF2-40B4-BE49-F238E27FC236}">
+                <a16:creationId xmlns:a16="http://schemas.microsoft.com/office/drawing/2014/main" id="{AFF9FF99-0A06-41A7-BC2C-5003B49B20A1}"/>
+              </a:ext>
+            </a:extLst>
+          </p:cNvPr>
+          <p:cNvSpPr/>
+          <p:nvPr/>
+        </p:nvSpPr>
+        <p:spPr>
+          <a:xfrm rot="8100000">
+            <a:off x="6202743" y="4367127"/>
+            <a:ext cx="252000" cy="252000"/>
+          </a:xfrm>
+          <a:custGeom>
+            <a:avLst/>
+            <a:gdLst>
+              <a:gd name="connsiteX0" fmla="*/ 93671 w 252000"/>
+              <a:gd name="connsiteY0" fmla="*/ 158330 h 252000"/>
+              <a:gd name="connsiteX1" fmla="*/ 158329 w 252000"/>
+              <a:gd name="connsiteY1" fmla="*/ 158330 h 252000"/>
+              <a:gd name="connsiteX2" fmla="*/ 158329 w 252000"/>
+              <a:gd name="connsiteY2" fmla="*/ 93672 h 252000"/>
+              <a:gd name="connsiteX3" fmla="*/ 93671 w 252000"/>
+              <a:gd name="connsiteY3" fmla="*/ 93672 h 252000"/>
+              <a:gd name="connsiteX4" fmla="*/ 93671 w 252000"/>
+              <a:gd name="connsiteY4" fmla="*/ 158330 h 252000"/>
+              <a:gd name="connsiteX5" fmla="*/ 36905 w 252000"/>
+              <a:gd name="connsiteY5" fmla="*/ 215095 h 252000"/>
+              <a:gd name="connsiteX6" fmla="*/ 0 w 252000"/>
+              <a:gd name="connsiteY6" fmla="*/ 126000 h 252000"/>
+              <a:gd name="connsiteX7" fmla="*/ 126000 w 252000"/>
+              <a:gd name="connsiteY7" fmla="*/ 0 h 252000"/>
+              <a:gd name="connsiteX8" fmla="*/ 252000 w 252000"/>
+              <a:gd name="connsiteY8" fmla="*/ 0 h 252000"/>
+              <a:gd name="connsiteX9" fmla="*/ 252000 w 252000"/>
+              <a:gd name="connsiteY9" fmla="*/ 126000 h 252000"/>
+              <a:gd name="connsiteX10" fmla="*/ 126000 w 252000"/>
+              <a:gd name="connsiteY10" fmla="*/ 252000 h 252000"/>
+              <a:gd name="connsiteX11" fmla="*/ 36905 w 252000"/>
+              <a:gd name="connsiteY11" fmla="*/ 215095 h 252000"/>
+            </a:gdLst>
+            <a:ahLst/>
+            <a:cxnLst>
+              <a:cxn ang="0">
+                <a:pos x="connsiteX0" y="connsiteY0"/>
+              </a:cxn>
+              <a:cxn ang="0">
+                <a:pos x="connsiteX1" y="connsiteY1"/>
+              </a:cxn>
+              <a:cxn ang="0">
+                <a:pos x="connsiteX2" y="connsiteY2"/>
+              </a:cxn>
+              <a:cxn ang="0">
+                <a:pos x="connsiteX3" y="connsiteY3"/>
+              </a:cxn>
+              <a:cxn ang="0">
+                <a:pos x="connsiteX4" y="connsiteY4"/>
+              </a:cxn>
+              <a:cxn ang="0">
+                <a:pos x="connsiteX5" y="connsiteY5"/>
+              </a:cxn>
+              <a:cxn ang="0">
+                <a:pos x="connsiteX6" y="connsiteY6"/>
+              </a:cxn>
+              <a:cxn ang="0">
+                <a:pos x="connsiteX7" y="connsiteY7"/>
+              </a:cxn>
+              <a:cxn ang="0">
+                <a:pos x="connsiteX8" y="connsiteY8"/>
+              </a:cxn>
+              <a:cxn ang="0">
+                <a:pos x="connsiteX9" y="connsiteY9"/>
+              </a:cxn>
+              <a:cxn ang="0">
+                <a:pos x="connsiteX10" y="connsiteY10"/>
+              </a:cxn>
+              <a:cxn ang="0">
+                <a:pos x="connsiteX11" y="connsiteY11"/>
+              </a:cxn>
+            </a:cxnLst>
+            <a:rect l="l" t="t" r="r" b="b"/>
+            <a:pathLst>
+              <a:path w="252000" h="252000">
+                <a:moveTo>
+                  <a:pt x="93671" y="158330"/>
+                </a:moveTo>
+                <a:cubicBezTo>
+                  <a:pt x="111526" y="176185"/>
+                  <a:pt x="140474" y="176185"/>
+                  <a:pt x="158329" y="158330"/>
+                </a:cubicBezTo>
+                <a:cubicBezTo>
+                  <a:pt x="176183" y="140476"/>
+                  <a:pt x="176183" y="111527"/>
+                  <a:pt x="158329" y="93672"/>
+                </a:cubicBezTo>
+                <a:cubicBezTo>
+                  <a:pt x="140474" y="75818"/>
+                  <a:pt x="111526" y="75818"/>
+                  <a:pt x="93671" y="93672"/>
+                </a:cubicBezTo>
+                <a:cubicBezTo>
+                  <a:pt x="75817" y="111527"/>
+                  <a:pt x="75817" y="140476"/>
+                  <a:pt x="93671" y="158330"/>
+                </a:cubicBezTo>
+                <a:close/>
+                <a:moveTo>
+                  <a:pt x="36905" y="215095"/>
+                </a:moveTo>
+                <a:cubicBezTo>
+                  <a:pt x="14103" y="192294"/>
+                  <a:pt x="0" y="160794"/>
+                  <a:pt x="0" y="126000"/>
+                </a:cubicBezTo>
+                <a:cubicBezTo>
+                  <a:pt x="0" y="56412"/>
+                  <a:pt x="56412" y="0"/>
+                  <a:pt x="126000" y="0"/>
+                </a:cubicBezTo>
+                <a:lnTo>
+                  <a:pt x="252000" y="0"/>
+                </a:lnTo>
+                <a:lnTo>
+                  <a:pt x="252000" y="126000"/>
+                </a:lnTo>
+                <a:cubicBezTo>
+                  <a:pt x="252000" y="195588"/>
+                  <a:pt x="195588" y="252000"/>
+                  <a:pt x="126000" y="252000"/>
+                </a:cubicBezTo>
+                <a:cubicBezTo>
+                  <a:pt x="91206" y="252000"/>
+                  <a:pt x="59706" y="237897"/>
+                  <a:pt x="36905" y="215095"/>
+                </a:cubicBezTo>
+                <a:close/>
+              </a:path>
+            </a:pathLst>
+          </a:custGeom>
+          <a:solidFill>
+            <a:srgbClr val="FF8C52"/>
+          </a:solidFill>
+          <a:ln>
+            <a:noFill/>
+          </a:ln>
+        </p:spPr>
+        <p:style>
+          <a:lnRef idx="2">
+            <a:schemeClr val="accent1">
+              <a:shade val="50000"/>
+            </a:schemeClr>
+          </a:lnRef>
+          <a:fillRef idx="1">
+            <a:schemeClr val="accent1"/>
+          </a:fillRef>
+          <a:effectRef idx="0">
+            <a:schemeClr val="accent1"/>
+          </a:effectRef>
+          <a:fontRef idx="minor">
+            <a:schemeClr val="lt1"/>
+          </a:fontRef>
+        </p:style>
+        <p:txBody>
+          <a:bodyPr wrap="square" rtlCol="0" anchor="ctr">
+            <a:noAutofit/>
+          </a:bodyPr>
+          <a:lstStyle/>
+          <a:p>
+            <a:pPr algn="ctr"/>
+            <a:endParaRPr lang="en-AU"/>
+          </a:p>
+        </p:txBody>
+      </p:sp>
+      <p:sp>
+        <p:nvSpPr>
+          <p:cNvPr id="14" name="Isosceles Triangle 13">
+            <a:extLst>
+              <a:ext uri="{FF2B5EF4-FFF2-40B4-BE49-F238E27FC236}">
+                <a16:creationId xmlns:a16="http://schemas.microsoft.com/office/drawing/2014/main" id="{30DE4366-3134-4E79-AD07-B89C53ABF78F}"/>
+              </a:ext>
+            </a:extLst>
+          </p:cNvPr>
+          <p:cNvSpPr/>
+          <p:nvPr/>
+        </p:nvSpPr>
+        <p:spPr>
+          <a:xfrm>
+            <a:off x="6205943" y="3425648"/>
+            <a:ext cx="248888" cy="123663"/>
+          </a:xfrm>
+          <a:prstGeom prst="triangle">
+            <a:avLst/>
+          </a:prstGeom>
+          <a:solidFill>
+            <a:srgbClr val="FF8C52"/>
+          </a:solidFill>
+          <a:ln>
+            <a:noFill/>
+          </a:ln>
+        </p:spPr>
+        <p:style>
+          <a:lnRef idx="2">
+            <a:schemeClr val="accent1">
+              <a:shade val="50000"/>
+            </a:schemeClr>
+          </a:lnRef>
+          <a:fillRef idx="1">
+            <a:schemeClr val="accent1"/>
+          </a:fillRef>
+          <a:effectRef idx="0">
+            <a:schemeClr val="accent1"/>
+          </a:effectRef>
+          <a:fontRef idx="minor">
+            <a:schemeClr val="lt1"/>
+          </a:fontRef>
+        </p:style>
+        <p:txBody>
+          <a:bodyPr rtlCol="0" anchor="ctr"/>
+          <a:lstStyle/>
+          <a:p>
+            <a:pPr algn="ctr"/>
+            <a:endParaRPr lang="en-AU"/>
+          </a:p>
+        </p:txBody>
+      </p:sp>
+      <p:sp>
+        <p:nvSpPr>
+          <p:cNvPr id="18" name="Isosceles Triangle 17">
+            <a:extLst>
+              <a:ext uri="{FF2B5EF4-FFF2-40B4-BE49-F238E27FC236}">
+                <a16:creationId xmlns:a16="http://schemas.microsoft.com/office/drawing/2014/main" id="{98AD1FB3-B4A2-47EF-AEBA-9BB3D41DBFE9}"/>
+              </a:ext>
+            </a:extLst>
+          </p:cNvPr>
+          <p:cNvSpPr/>
+          <p:nvPr/>
+        </p:nvSpPr>
+        <p:spPr>
+          <a:xfrm rot="10800000">
+            <a:off x="6219337" y="3547500"/>
+            <a:ext cx="226262" cy="123664"/>
+          </a:xfrm>
+          <a:prstGeom prst="triangle">
+            <a:avLst/>
+          </a:prstGeom>
+          <a:solidFill>
+            <a:srgbClr val="FFAD52"/>
+          </a:solidFill>
+          <a:ln>
+            <a:noFill/>
+          </a:ln>
+        </p:spPr>
+        <p:style>
+          <a:lnRef idx="2">
+            <a:schemeClr val="accent1">
+              <a:shade val="50000"/>
+            </a:schemeClr>
+          </a:lnRef>
+          <a:fillRef idx="1">
+            <a:schemeClr val="accent1"/>
+          </a:fillRef>
+          <a:effectRef idx="0">
+            <a:schemeClr val="accent1"/>
+          </a:effectRef>
+          <a:fontRef idx="minor">
+            <a:schemeClr val="lt1"/>
+          </a:fontRef>
+        </p:style>
+        <p:txBody>
+          <a:bodyPr rtlCol="0" anchor="ctr"/>
+          <a:lstStyle/>
+          <a:p>
+            <a:pPr algn="ctr"/>
+            <a:endParaRPr lang="en-AU"/>
+          </a:p>
+        </p:txBody>
+      </p:sp>
+      <p:sp>
+        <p:nvSpPr>
+          <p:cNvPr id="19" name="TextBox 18">
+            <a:extLst>
+              <a:ext uri="{FF2B5EF4-FFF2-40B4-BE49-F238E27FC236}">
+                <a16:creationId xmlns:a16="http://schemas.microsoft.com/office/drawing/2014/main" id="{F357C0F4-92A3-4AE9-8FC3-DEADDEB99F27}"/>
+              </a:ext>
+            </a:extLst>
+          </p:cNvPr>
+          <p:cNvSpPr txBox="1"/>
+          <p:nvPr/>
+        </p:nvSpPr>
+        <p:spPr>
+          <a:xfrm>
+            <a:off x="6158752" y="3403897"/>
+            <a:ext cx="258290" cy="307777"/>
+          </a:xfrm>
+          <a:prstGeom prst="rect">
+            <a:avLst/>
+          </a:prstGeom>
+          <a:noFill/>
+        </p:spPr>
+        <p:txBody>
+          <a:bodyPr wrap="square" rtlCol="0">
+            <a:spAutoFit/>
+          </a:bodyPr>
+          <a:lstStyle/>
+          <a:p>
+            <a:r>
+              <a:rPr lang="en-US" sz="1400" b="1" dirty="0">
+                <a:solidFill>
+                  <a:schemeClr val="bg1"/>
+                </a:solidFill>
+                <a:latin typeface="Oxygen" panose="02000503000000000000" pitchFamily="2" charset="0"/>
+              </a:rPr>
+              <a:t>@</a:t>
+            </a:r>
+            <a:endParaRPr lang="en-AU" sz="1400" b="1" dirty="0">
+              <a:solidFill>
+                <a:schemeClr val="bg1"/>
+              </a:solidFill>
+              <a:latin typeface="Oxygen" panose="02000503000000000000" pitchFamily="2" charset="0"/>
+            </a:endParaRPr>
+          </a:p>
+        </p:txBody>
+      </p:sp>
+      <p:sp>
+        <p:nvSpPr>
+          <p:cNvPr id="21" name="Freeform: Shape 20">
+            <a:extLst>
+              <a:ext uri="{FF2B5EF4-FFF2-40B4-BE49-F238E27FC236}">
+                <a16:creationId xmlns:a16="http://schemas.microsoft.com/office/drawing/2014/main" id="{44090025-7000-4D7D-A74F-0D5873C3CE90}"/>
+              </a:ext>
+            </a:extLst>
+          </p:cNvPr>
+          <p:cNvSpPr/>
+          <p:nvPr/>
+        </p:nvSpPr>
+        <p:spPr>
+          <a:xfrm>
+            <a:off x="6205943" y="3550788"/>
+            <a:ext cx="248888" cy="160489"/>
+          </a:xfrm>
+          <a:custGeom>
+            <a:avLst/>
+            <a:gdLst>
+              <a:gd name="connsiteX0" fmla="*/ 14525 w 273777"/>
+              <a:gd name="connsiteY0" fmla="*/ 476 h 194191"/>
+              <a:gd name="connsiteX1" fmla="*/ 138969 w 273777"/>
+              <a:gd name="connsiteY1" fmla="*/ 124139 h 194191"/>
+              <a:gd name="connsiteX2" fmla="*/ 263413 w 273777"/>
+              <a:gd name="connsiteY2" fmla="*/ 476 h 194191"/>
+              <a:gd name="connsiteX3" fmla="*/ 0 w 273777"/>
+              <a:gd name="connsiteY3" fmla="*/ 0 h 194191"/>
+              <a:gd name="connsiteX4" fmla="*/ 273777 w 273777"/>
+              <a:gd name="connsiteY4" fmla="*/ 0 h 194191"/>
+              <a:gd name="connsiteX5" fmla="*/ 273777 w 273777"/>
+              <a:gd name="connsiteY5" fmla="*/ 194191 h 194191"/>
+              <a:gd name="connsiteX6" fmla="*/ 0 w 273777"/>
+              <a:gd name="connsiteY6" fmla="*/ 194191 h 194191"/>
+            </a:gdLst>
+            <a:ahLst/>
+            <a:cxnLst>
+              <a:cxn ang="0">
+                <a:pos x="connsiteX0" y="connsiteY0"/>
+              </a:cxn>
+              <a:cxn ang="0">
+                <a:pos x="connsiteX1" y="connsiteY1"/>
+              </a:cxn>
+              <a:cxn ang="0">
+                <a:pos x="connsiteX2" y="connsiteY2"/>
+              </a:cxn>
+              <a:cxn ang="0">
+                <a:pos x="connsiteX3" y="connsiteY3"/>
+              </a:cxn>
+              <a:cxn ang="0">
+                <a:pos x="connsiteX4" y="connsiteY4"/>
+              </a:cxn>
+              <a:cxn ang="0">
+                <a:pos x="connsiteX5" y="connsiteY5"/>
+              </a:cxn>
+              <a:cxn ang="0">
+                <a:pos x="connsiteX6" y="connsiteY6"/>
+              </a:cxn>
+            </a:cxnLst>
+            <a:rect l="l" t="t" r="r" b="b"/>
+            <a:pathLst>
+              <a:path w="273777" h="194191">
+                <a:moveTo>
+                  <a:pt x="14525" y="476"/>
+                </a:moveTo>
+                <a:lnTo>
+                  <a:pt x="138969" y="124139"/>
+                </a:lnTo>
+                <a:lnTo>
+                  <a:pt x="263413" y="476"/>
+                </a:lnTo>
+                <a:close/>
+                <a:moveTo>
+                  <a:pt x="0" y="0"/>
+                </a:moveTo>
+                <a:lnTo>
+                  <a:pt x="273777" y="0"/>
+                </a:lnTo>
+                <a:lnTo>
+                  <a:pt x="273777" y="194191"/>
+                </a:lnTo>
+                <a:lnTo>
+                  <a:pt x="0" y="194191"/>
+                </a:lnTo>
+                <a:close/>
+              </a:path>
+            </a:pathLst>
+          </a:custGeom>
+          <a:solidFill>
+            <a:srgbClr val="FF8C52"/>
+          </a:solidFill>
+          <a:ln>
+            <a:noFill/>
+          </a:ln>
+        </p:spPr>
+        <p:style>
+          <a:lnRef idx="2">
+            <a:schemeClr val="accent1">
+              <a:shade val="50000"/>
+            </a:schemeClr>
+          </a:lnRef>
+          <a:fillRef idx="1">
+            <a:schemeClr val="accent1"/>
+          </a:fillRef>
+          <a:effectRef idx="0">
+            <a:schemeClr val="accent1"/>
+          </a:effectRef>
+          <a:fontRef idx="minor">
+            <a:schemeClr val="lt1"/>
+          </a:fontRef>
+        </p:style>
+        <p:txBody>
+          <a:bodyPr wrap="square" rtlCol="0" anchor="ctr">
+            <a:noAutofit/>
+          </a:bodyPr>
+          <a:lstStyle/>
+          <a:p>
+            <a:pPr algn="ctr"/>
+            <a:endParaRPr lang="en-AU"/>
+          </a:p>
+        </p:txBody>
+      </p:sp>
+      <p:pic>
+        <p:nvPicPr>
+          <p:cNvPr id="25" name="Picture 24">
+            <a:extLst>
+              <a:ext uri="{FF2B5EF4-FFF2-40B4-BE49-F238E27FC236}">
+                <a16:creationId xmlns:a16="http://schemas.microsoft.com/office/drawing/2014/main" id="{FEFC668B-EF80-45D1-9927-60145DF3ED1B}"/>
+              </a:ext>
+            </a:extLst>
+          </p:cNvPr>
+          <p:cNvPicPr>
+            <a:picLocks noChangeAspect="1"/>
+          </p:cNvPicPr>
+          <p:nvPr/>
+        </p:nvPicPr>
+        <p:blipFill>
+          <a:blip r:embed="rId4"/>
+          <a:stretch>
+            <a:fillRect/>
+          </a:stretch>
+        </p:blipFill>
+        <p:spPr>
+          <a:xfrm>
+            <a:off x="6154284" y="3905347"/>
+            <a:ext cx="313738" cy="310434"/>
+          </a:xfrm>
+          <a:prstGeom prst="rect">
+            <a:avLst/>
+          </a:prstGeom>
+        </p:spPr>
+      </p:pic>
+      <p:pic>
+        <p:nvPicPr>
+          <p:cNvPr id="29" name="Picture 28">
+            <a:extLst>
+              <a:ext uri="{FF2B5EF4-FFF2-40B4-BE49-F238E27FC236}">
+                <a16:creationId xmlns:a16="http://schemas.microsoft.com/office/drawing/2014/main" id="{DF666D98-6E40-4127-BB7F-A63B9E925409}"/>
+              </a:ext>
+            </a:extLst>
+          </p:cNvPr>
+          <p:cNvPicPr>
+            <a:picLocks noChangeAspect="1"/>
+          </p:cNvPicPr>
+          <p:nvPr/>
+        </p:nvPicPr>
+        <p:blipFill>
+          <a:blip r:embed="rId5"/>
+          <a:stretch>
+            <a:fillRect/>
+          </a:stretch>
+        </p:blipFill>
+        <p:spPr>
+          <a:xfrm>
+            <a:off x="6222560" y="5077766"/>
+            <a:ext cx="230977" cy="230977"/>
+          </a:xfrm>
+          <a:prstGeom prst="rect">
+            <a:avLst/>
+          </a:prstGeom>
+        </p:spPr>
+      </p:pic>
+    </p:spTree>
+    <p:extLst>
+      <p:ext uri="{BB962C8B-B14F-4D97-AF65-F5344CB8AC3E}">
+        <p14:creationId xmlns:p14="http://schemas.microsoft.com/office/powerpoint/2010/main" val="1771168436"/>
+      </p:ext>
+    </p:extLst>
+  </p:cSld>
+  <p:clrMapOvr>
+    <a:masterClrMapping/>
+  </p:clrMapOvr>
+</p:sld>
+</file>
+
+<file path=ppt/slides/slide7.xml><?xml version="1.0" encoding="utf-8"?>
+<p:sld xmlns:a="http://schemas.openxmlformats.org/drawingml/2006/main" xmlns:r="http://schemas.openxmlformats.org/officeDocument/2006/relationships" xmlns:p="http://schemas.openxmlformats.org/presentationml/2006/main">
+  <p:cSld>
+    <p:spTree>
+      <p:nvGrpSpPr>
+        <p:cNvPr id="1" name=""/>
+        <p:cNvGrpSpPr/>
+        <p:nvPr/>
+      </p:nvGrpSpPr>
+      <p:grpSpPr>
+        <a:xfrm>
+          <a:off x="0" y="0"/>
+          <a:ext cx="0" cy="0"/>
+          <a:chOff x="0" y="0"/>
+          <a:chExt cx="0" cy="0"/>
+        </a:xfrm>
+      </p:grpSpPr>
+      <p:sp>
+        <p:nvSpPr>
+          <p:cNvPr id="8" name="Freeform 7"/>
+          <p:cNvSpPr/>
+          <p:nvPr/>
+        </p:nvSpPr>
+        <p:spPr>
+          <a:xfrm>
+            <a:off x="1971670" y="1309434"/>
+            <a:ext cx="7560000" cy="5040000"/>
+          </a:xfrm>
+          <a:custGeom>
+            <a:avLst/>
+            <a:gdLst>
+              <a:gd name="connsiteX0" fmla="*/ 1055455 w 8475260"/>
+              <a:gd name="connsiteY0" fmla="*/ 0 h 5431810"/>
+              <a:gd name="connsiteX1" fmla="*/ 7419805 w 8475260"/>
+              <a:gd name="connsiteY1" fmla="*/ 0 h 5431810"/>
+              <a:gd name="connsiteX2" fmla="*/ 7419824 w 8475260"/>
+              <a:gd name="connsiteY2" fmla="*/ 1 h 5431810"/>
+              <a:gd name="connsiteX3" fmla="*/ 8475260 w 8475260"/>
+              <a:gd name="connsiteY3" fmla="*/ 1 h 5431810"/>
+              <a:gd name="connsiteX4" fmla="*/ 8475260 w 8475260"/>
+              <a:gd name="connsiteY4" fmla="*/ 1055455 h 5431810"/>
+              <a:gd name="connsiteX5" fmla="*/ 8475260 w 8475260"/>
+              <a:gd name="connsiteY5" fmla="*/ 2606723 h 5431810"/>
+              <a:gd name="connsiteX6" fmla="*/ 8475260 w 8475260"/>
+              <a:gd name="connsiteY6" fmla="*/ 4376354 h 5431810"/>
+              <a:gd name="connsiteX7" fmla="*/ 7419805 w 8475260"/>
+              <a:gd name="connsiteY7" fmla="*/ 5431809 h 5431810"/>
+              <a:gd name="connsiteX8" fmla="*/ 4148920 w 8475260"/>
+              <a:gd name="connsiteY8" fmla="*/ 5431809 h 5431810"/>
+              <a:gd name="connsiteX9" fmla="*/ 4148920 w 8475260"/>
+              <a:gd name="connsiteY9" fmla="*/ 5431810 h 5431810"/>
+              <a:gd name="connsiteX10" fmla="*/ 0 w 8475260"/>
+              <a:gd name="connsiteY10" fmla="*/ 5431810 h 5431810"/>
+              <a:gd name="connsiteX11" fmla="*/ 0 w 8475260"/>
+              <a:gd name="connsiteY11" fmla="*/ 4376354 h 5431810"/>
+              <a:gd name="connsiteX12" fmla="*/ 0 w 8475260"/>
+              <a:gd name="connsiteY12" fmla="*/ 2825088 h 5431810"/>
+              <a:gd name="connsiteX13" fmla="*/ 0 w 8475260"/>
+              <a:gd name="connsiteY13" fmla="*/ 1055455 h 5431810"/>
+              <a:gd name="connsiteX14" fmla="*/ 1055455 w 8475260"/>
+              <a:gd name="connsiteY14" fmla="*/ 0 h 5431810"/>
+            </a:gdLst>
+            <a:ahLst/>
+            <a:cxnLst>
+              <a:cxn ang="0">
+                <a:pos x="connsiteX0" y="connsiteY0"/>
+              </a:cxn>
+              <a:cxn ang="0">
+                <a:pos x="connsiteX1" y="connsiteY1"/>
+              </a:cxn>
+              <a:cxn ang="0">
+                <a:pos x="connsiteX2" y="connsiteY2"/>
+              </a:cxn>
+              <a:cxn ang="0">
+                <a:pos x="connsiteX3" y="connsiteY3"/>
+              </a:cxn>
+              <a:cxn ang="0">
+                <a:pos x="connsiteX4" y="connsiteY4"/>
+              </a:cxn>
+              <a:cxn ang="0">
+                <a:pos x="connsiteX5" y="connsiteY5"/>
+              </a:cxn>
+              <a:cxn ang="0">
+                <a:pos x="connsiteX6" y="connsiteY6"/>
+              </a:cxn>
+              <a:cxn ang="0">
+                <a:pos x="connsiteX7" y="connsiteY7"/>
+              </a:cxn>
+              <a:cxn ang="0">
+                <a:pos x="connsiteX8" y="connsiteY8"/>
+              </a:cxn>
+              <a:cxn ang="0">
+                <a:pos x="connsiteX9" y="connsiteY9"/>
+              </a:cxn>
+              <a:cxn ang="0">
+                <a:pos x="connsiteX10" y="connsiteY10"/>
+              </a:cxn>
+              <a:cxn ang="0">
+                <a:pos x="connsiteX11" y="connsiteY11"/>
+              </a:cxn>
+              <a:cxn ang="0">
+                <a:pos x="connsiteX12" y="connsiteY12"/>
+              </a:cxn>
+              <a:cxn ang="0">
+                <a:pos x="connsiteX13" y="connsiteY13"/>
+              </a:cxn>
+              <a:cxn ang="0">
+                <a:pos x="connsiteX14" y="connsiteY14"/>
+              </a:cxn>
+            </a:cxnLst>
+            <a:rect l="l" t="t" r="r" b="b"/>
+            <a:pathLst>
+              <a:path w="8475260" h="5431810">
+                <a:moveTo>
+                  <a:pt x="1055455" y="0"/>
+                </a:moveTo>
+                <a:lnTo>
+                  <a:pt x="7419805" y="0"/>
+                </a:lnTo>
+                <a:lnTo>
+                  <a:pt x="7419824" y="1"/>
+                </a:lnTo>
+                <a:lnTo>
+                  <a:pt x="8475260" y="1"/>
+                </a:lnTo>
+                <a:lnTo>
+                  <a:pt x="8475260" y="1055455"/>
+                </a:lnTo>
+                <a:lnTo>
+                  <a:pt x="8475260" y="2606723"/>
+                </a:lnTo>
+                <a:lnTo>
+                  <a:pt x="8475260" y="4376354"/>
+                </a:lnTo>
+                <a:cubicBezTo>
+                  <a:pt x="8475260" y="4959266"/>
+                  <a:pt x="8002717" y="5431809"/>
+                  <a:pt x="7419805" y="5431809"/>
+                </a:cubicBezTo>
+                <a:lnTo>
+                  <a:pt x="4148920" y="5431809"/>
+                </a:lnTo>
+                <a:lnTo>
+                  <a:pt x="4148920" y="5431810"/>
+                </a:lnTo>
+                <a:lnTo>
+                  <a:pt x="0" y="5431810"/>
+                </a:lnTo>
+                <a:lnTo>
+                  <a:pt x="0" y="4376354"/>
+                </a:lnTo>
+                <a:lnTo>
+                  <a:pt x="0" y="2825088"/>
+                </a:lnTo>
+                <a:lnTo>
+                  <a:pt x="0" y="1055455"/>
+                </a:lnTo>
+                <a:cubicBezTo>
+                  <a:pt x="0" y="472543"/>
+                  <a:pt x="472543" y="0"/>
+                  <a:pt x="1055455" y="0"/>
+                </a:cubicBezTo>
+                <a:close/>
+              </a:path>
+            </a:pathLst>
+          </a:custGeom>
+          <a:solidFill>
+            <a:schemeClr val="bg1"/>
+          </a:solidFill>
+          <a:ln>
+            <a:noFill/>
+          </a:ln>
+          <a:effectLst>
+            <a:glow rad="228600">
+              <a:schemeClr val="accent3">
+                <a:satMod val="175000"/>
+                <a:alpha val="40000"/>
+              </a:schemeClr>
+            </a:glow>
+          </a:effectLst>
+        </p:spPr>
+        <p:style>
+          <a:lnRef idx="2">
+            <a:schemeClr val="accent1">
+              <a:shade val="50000"/>
+            </a:schemeClr>
+          </a:lnRef>
+          <a:fillRef idx="1">
+            <a:schemeClr val="accent1"/>
+          </a:fillRef>
+          <a:effectRef idx="0">
+            <a:schemeClr val="accent1"/>
+          </a:effectRef>
+          <a:fontRef idx="minor">
+            <a:schemeClr val="lt1"/>
+          </a:fontRef>
+        </p:style>
+        <p:txBody>
+          <a:bodyPr rtlCol="0" anchor="ctr"/>
+          <a:lstStyle/>
+          <a:p>
+            <a:pPr algn="ctr"/>
+            <a:r>
+              <a:rPr lang="en-AU" b="1" dirty="0">
+                <a:latin typeface="Oxygen" panose="02000503000000000000" pitchFamily="2" charset="0"/>
+              </a:rPr>
+              <a:t>e05a</a:t>
+            </a:r>
+          </a:p>
+        </p:txBody>
+      </p:sp>
+      <p:sp>
+        <p:nvSpPr>
+          <p:cNvPr id="2" name="TextBox 1"/>
+          <p:cNvSpPr txBox="1"/>
+          <p:nvPr/>
+        </p:nvSpPr>
+        <p:spPr>
+          <a:xfrm>
+            <a:off x="2589961" y="337130"/>
+            <a:ext cx="5423280" cy="523220"/>
+          </a:xfrm>
+          <a:prstGeom prst="rect">
+            <a:avLst/>
+          </a:prstGeom>
+          <a:noFill/>
+        </p:spPr>
+        <p:txBody>
+          <a:bodyPr wrap="none" rtlCol="0">
+            <a:spAutoFit/>
+          </a:bodyPr>
+          <a:lstStyle/>
+          <a:p>
+            <a:r>
+              <a:rPr lang="en-AU" sz="2800" b="1" u="sng" dirty="0">
+                <a:latin typeface="Oxygen" panose="02000503000000000000" pitchFamily="2" charset="0"/>
+              </a:rPr>
+              <a:t>Identity Card – AI/ML Engineer</a:t>
+            </a:r>
+          </a:p>
+        </p:txBody>
+      </p:sp>
+      <p:sp>
+        <p:nvSpPr>
+          <p:cNvPr id="13" name="Rectangle 12"/>
+          <p:cNvSpPr/>
+          <p:nvPr/>
+        </p:nvSpPr>
+        <p:spPr>
+          <a:xfrm>
+            <a:off x="5329234" y="1311674"/>
+            <a:ext cx="36000" cy="5040000"/>
+          </a:xfrm>
+          <a:prstGeom prst="rect">
+            <a:avLst/>
+          </a:prstGeom>
+          <a:gradFill>
+            <a:gsLst>
+              <a:gs pos="0">
+                <a:schemeClr val="bg1"/>
+              </a:gs>
+              <a:gs pos="60000">
+                <a:srgbClr val="FF8C52"/>
+              </a:gs>
+              <a:gs pos="40000">
+                <a:srgbClr val="FF8C52"/>
+              </a:gs>
+              <a:gs pos="20000">
+                <a:schemeClr val="bg1"/>
+              </a:gs>
+              <a:gs pos="80000">
+                <a:schemeClr val="bg1"/>
+              </a:gs>
+              <a:gs pos="100000">
+                <a:schemeClr val="bg1"/>
+              </a:gs>
+            </a:gsLst>
+            <a:lin ang="5400000" scaled="1"/>
+          </a:gradFill>
+          <a:ln>
+            <a:noFill/>
+          </a:ln>
+        </p:spPr>
+        <p:style>
+          <a:lnRef idx="2">
+            <a:schemeClr val="accent1">
+              <a:shade val="50000"/>
+            </a:schemeClr>
+          </a:lnRef>
+          <a:fillRef idx="1">
+            <a:schemeClr val="accent1"/>
+          </a:fillRef>
+          <a:effectRef idx="0">
+            <a:schemeClr val="accent1"/>
+          </a:effectRef>
+          <a:fontRef idx="minor">
+            <a:schemeClr val="lt1"/>
+          </a:fontRef>
+        </p:style>
+        <p:txBody>
+          <a:bodyPr rtlCol="0" anchor="ctr"/>
+          <a:lstStyle/>
+          <a:p>
+            <a:pPr algn="ctr"/>
+            <a:endParaRPr lang="en-AU">
+              <a:latin typeface="Oxygen" panose="02000503000000000000" pitchFamily="2" charset="0"/>
+            </a:endParaRPr>
+          </a:p>
+        </p:txBody>
+      </p:sp>
+      <p:sp>
+        <p:nvSpPr>
+          <p:cNvPr id="15" name="Rectangle 14"/>
+          <p:cNvSpPr/>
+          <p:nvPr/>
+        </p:nvSpPr>
+        <p:spPr>
+          <a:xfrm>
+            <a:off x="6364914" y="4959786"/>
+            <a:ext cx="1880643" cy="400110"/>
+          </a:xfrm>
+          <a:prstGeom prst="rect">
+            <a:avLst/>
+          </a:prstGeom>
+        </p:spPr>
+        <p:txBody>
+          <a:bodyPr wrap="none">
+            <a:spAutoFit/>
+          </a:bodyPr>
+          <a:lstStyle/>
+          <a:p>
+            <a:r>
+              <a:rPr lang="en-AU" b="1" dirty="0">
+                <a:solidFill>
+                  <a:srgbClr val="002060"/>
+                </a:solidFill>
+                <a:latin typeface="Oxygen" panose="02000503000000000000" pitchFamily="2" charset="0"/>
+              </a:rPr>
+              <a:t> </a:t>
+            </a:r>
+            <a:r>
+              <a:rPr lang="en-AU" sz="2000" b="1" dirty="0">
+                <a:solidFill>
+                  <a:srgbClr val="002060"/>
+                </a:solidFill>
+                <a:latin typeface="Oxygen" panose="02000503000000000000" pitchFamily="2" charset="0"/>
+              </a:rPr>
+              <a:t>anodiam.com</a:t>
+            </a:r>
+            <a:endParaRPr lang="en-AU" sz="2000" dirty="0">
+              <a:latin typeface="Oxygen" panose="02000503000000000000" pitchFamily="2" charset="0"/>
+            </a:endParaRPr>
+          </a:p>
+        </p:txBody>
+      </p:sp>
+      <p:sp>
+        <p:nvSpPr>
+          <p:cNvPr id="16" name="TextBox 15"/>
+          <p:cNvSpPr txBox="1"/>
+          <p:nvPr/>
+        </p:nvSpPr>
+        <p:spPr>
+          <a:xfrm>
+            <a:off x="6150551" y="2250755"/>
+            <a:ext cx="3089307" cy="2800767"/>
+          </a:xfrm>
+          <a:prstGeom prst="rect">
+            <a:avLst/>
+          </a:prstGeom>
+          <a:noFill/>
+        </p:spPr>
+        <p:txBody>
+          <a:bodyPr wrap="none" rtlCol="0">
+            <a:spAutoFit/>
+          </a:bodyPr>
+          <a:lstStyle/>
+          <a:p>
+            <a:pPr lvl="0">
+              <a:spcAft>
+                <a:spcPts val="600"/>
+              </a:spcAft>
+            </a:pPr>
+            <a:r>
+              <a:rPr lang="en-AU" b="1" dirty="0">
+                <a:solidFill>
+                  <a:prstClr val="black"/>
+                </a:solidFill>
+                <a:latin typeface="Oxygen" panose="02000503000000000000" pitchFamily="2" charset="0"/>
+              </a:rPr>
+              <a:t>Mr. </a:t>
+            </a:r>
+            <a:r>
+              <a:rPr lang="en-AU" b="1" dirty="0" err="1">
+                <a:solidFill>
+                  <a:prstClr val="black"/>
+                </a:solidFill>
+                <a:latin typeface="Oxygen" panose="02000503000000000000" pitchFamily="2" charset="0"/>
+              </a:rPr>
+              <a:t>Sayan</a:t>
+            </a:r>
+            <a:r>
+              <a:rPr lang="en-AU" b="1" dirty="0">
+                <a:solidFill>
+                  <a:prstClr val="black"/>
+                </a:solidFill>
+                <a:latin typeface="Oxygen" panose="02000503000000000000" pitchFamily="2" charset="0"/>
+              </a:rPr>
+              <a:t> </a:t>
+            </a:r>
+            <a:r>
+              <a:rPr lang="en-AU" b="1" dirty="0" err="1">
+                <a:solidFill>
+                  <a:prstClr val="black"/>
+                </a:solidFill>
+                <a:latin typeface="Oxygen" panose="02000503000000000000" pitchFamily="2" charset="0"/>
+              </a:rPr>
+              <a:t>Basak</a:t>
+            </a:r>
+            <a:endParaRPr lang="en-AU" b="1" dirty="0">
+              <a:solidFill>
+                <a:prstClr val="black"/>
+              </a:solidFill>
+              <a:latin typeface="Oxygen" panose="02000503000000000000" pitchFamily="2" charset="0"/>
+            </a:endParaRPr>
+          </a:p>
+          <a:p>
+            <a:pPr lvl="0">
+              <a:spcAft>
+                <a:spcPts val="600"/>
+              </a:spcAft>
+            </a:pPr>
+            <a:r>
+              <a:rPr lang="en-AU" sz="1400" b="1" dirty="0">
+                <a:solidFill>
+                  <a:prstClr val="black"/>
+                </a:solidFill>
+                <a:latin typeface="Oxygen" panose="02000503000000000000" pitchFamily="2" charset="0"/>
+              </a:rPr>
+              <a:t>A.I./M.L. Engineer</a:t>
+            </a:r>
+          </a:p>
+          <a:p>
+            <a:pPr lvl="0">
+              <a:spcAft>
+                <a:spcPts val="600"/>
+              </a:spcAft>
+            </a:pPr>
+            <a:r>
+              <a:rPr lang="en-AU" sz="1400" b="1" dirty="0">
+                <a:solidFill>
+                  <a:prstClr val="black"/>
+                </a:solidFill>
+                <a:latin typeface="Oxygen" panose="02000503000000000000" pitchFamily="2" charset="0"/>
+              </a:rPr>
+              <a:t>B.Tech.(Electrical)</a:t>
+            </a:r>
+          </a:p>
+          <a:p>
+            <a:pPr lvl="0">
+              <a:lnSpc>
+                <a:spcPct val="250000"/>
+              </a:lnSpc>
+              <a:spcAft>
+                <a:spcPts val="600"/>
+              </a:spcAft>
+            </a:pPr>
+            <a:r>
+              <a:rPr lang="en-AU" sz="1400" b="1" dirty="0">
+                <a:solidFill>
+                  <a:prstClr val="black"/>
+                </a:solidFill>
+                <a:latin typeface="Oxygen" panose="02000503000000000000" pitchFamily="2" charset="0"/>
+              </a:rPr>
+              <a:t>      </a:t>
+            </a:r>
+            <a:r>
+              <a:rPr lang="en-AU" sz="1400" b="1" dirty="0">
+                <a:solidFill>
+                  <a:prstClr val="black"/>
+                </a:solidFill>
+                <a:latin typeface="Oxygen" panose="02000503000000000000" pitchFamily="2" charset="0"/>
+                <a:hlinkClick r:id="rId2"/>
+              </a:rPr>
+              <a:t>sayanb0978</a:t>
+            </a:r>
+            <a:r>
+              <a:rPr lang="en-AU" sz="1400" b="1" u="sng" dirty="0">
+                <a:solidFill>
+                  <a:srgbClr val="002060"/>
+                </a:solidFill>
+                <a:latin typeface="Oxygen" panose="02000503000000000000" pitchFamily="2" charset="0"/>
+                <a:hlinkClick r:id="rId2"/>
+              </a:rPr>
+              <a:t>@gmail.com</a:t>
+            </a:r>
+            <a:endParaRPr lang="en-AU" sz="1400" b="1" u="sng" dirty="0">
+              <a:solidFill>
+                <a:srgbClr val="002060"/>
+              </a:solidFill>
+              <a:latin typeface="Oxygen" panose="02000503000000000000" pitchFamily="2" charset="0"/>
+            </a:endParaRPr>
+          </a:p>
+          <a:p>
+            <a:pPr lvl="0">
+              <a:lnSpc>
+                <a:spcPct val="200000"/>
+              </a:lnSpc>
+            </a:pPr>
+            <a:r>
+              <a:rPr lang="en-AU" sz="1400" b="1" dirty="0">
+                <a:latin typeface="Oxygen" panose="02000503000000000000" pitchFamily="2" charset="0"/>
+              </a:rPr>
+              <a:t>      +91 70035 97510</a:t>
+            </a:r>
+          </a:p>
+          <a:p>
+            <a:pPr lvl="0">
+              <a:lnSpc>
+                <a:spcPct val="200000"/>
+              </a:lnSpc>
+              <a:spcAft>
+                <a:spcPts val="600"/>
+              </a:spcAft>
+            </a:pPr>
+            <a:r>
+              <a:rPr lang="en-AU" sz="1400" b="1" dirty="0">
+                <a:latin typeface="Oxygen" panose="02000503000000000000" pitchFamily="2" charset="0"/>
+              </a:rPr>
+              <a:t>      N - 1/25 Patuli, Kolkata 700094</a:t>
+            </a:r>
+          </a:p>
+          <a:p>
+            <a:pPr lvl="0"/>
+            <a:r>
+              <a:rPr lang="en-AU" sz="1400" b="1" dirty="0">
+                <a:solidFill>
+                  <a:schemeClr val="bg1">
+                    <a:lumMod val="65000"/>
+                  </a:schemeClr>
+                </a:solidFill>
+                <a:latin typeface="Oxygen" panose="02000503000000000000" pitchFamily="2" charset="0"/>
+              </a:rPr>
+              <a:t>    </a:t>
+            </a:r>
+          </a:p>
+        </p:txBody>
+      </p:sp>
+      <p:sp>
+        <p:nvSpPr>
+          <p:cNvPr id="17" name="Freeform: Shape 16">
+            <a:extLst>
+              <a:ext uri="{FF2B5EF4-FFF2-40B4-BE49-F238E27FC236}">
+                <a16:creationId xmlns:a16="http://schemas.microsoft.com/office/drawing/2014/main" id="{AFF9FF99-0A06-41A7-BC2C-5003B49B20A1}"/>
+              </a:ext>
+            </a:extLst>
+          </p:cNvPr>
+          <p:cNvSpPr/>
+          <p:nvPr/>
+        </p:nvSpPr>
+        <p:spPr>
+          <a:xfrm rot="8100000">
+            <a:off x="6202743" y="4367127"/>
+            <a:ext cx="252000" cy="252000"/>
+          </a:xfrm>
+          <a:custGeom>
+            <a:avLst/>
+            <a:gdLst>
+              <a:gd name="connsiteX0" fmla="*/ 93671 w 252000"/>
+              <a:gd name="connsiteY0" fmla="*/ 158330 h 252000"/>
+              <a:gd name="connsiteX1" fmla="*/ 158329 w 252000"/>
+              <a:gd name="connsiteY1" fmla="*/ 158330 h 252000"/>
+              <a:gd name="connsiteX2" fmla="*/ 158329 w 252000"/>
+              <a:gd name="connsiteY2" fmla="*/ 93672 h 252000"/>
+              <a:gd name="connsiteX3" fmla="*/ 93671 w 252000"/>
+              <a:gd name="connsiteY3" fmla="*/ 93672 h 252000"/>
+              <a:gd name="connsiteX4" fmla="*/ 93671 w 252000"/>
+              <a:gd name="connsiteY4" fmla="*/ 158330 h 252000"/>
+              <a:gd name="connsiteX5" fmla="*/ 36905 w 252000"/>
+              <a:gd name="connsiteY5" fmla="*/ 215095 h 252000"/>
+              <a:gd name="connsiteX6" fmla="*/ 0 w 252000"/>
+              <a:gd name="connsiteY6" fmla="*/ 126000 h 252000"/>
+              <a:gd name="connsiteX7" fmla="*/ 126000 w 252000"/>
+              <a:gd name="connsiteY7" fmla="*/ 0 h 252000"/>
+              <a:gd name="connsiteX8" fmla="*/ 252000 w 252000"/>
+              <a:gd name="connsiteY8" fmla="*/ 0 h 252000"/>
+              <a:gd name="connsiteX9" fmla="*/ 252000 w 252000"/>
+              <a:gd name="connsiteY9" fmla="*/ 126000 h 252000"/>
+              <a:gd name="connsiteX10" fmla="*/ 126000 w 252000"/>
+              <a:gd name="connsiteY10" fmla="*/ 252000 h 252000"/>
+              <a:gd name="connsiteX11" fmla="*/ 36905 w 252000"/>
+              <a:gd name="connsiteY11" fmla="*/ 215095 h 252000"/>
+            </a:gdLst>
+            <a:ahLst/>
+            <a:cxnLst>
+              <a:cxn ang="0">
+                <a:pos x="connsiteX0" y="connsiteY0"/>
+              </a:cxn>
+              <a:cxn ang="0">
+                <a:pos x="connsiteX1" y="connsiteY1"/>
+              </a:cxn>
+              <a:cxn ang="0">
+                <a:pos x="connsiteX2" y="connsiteY2"/>
+              </a:cxn>
+              <a:cxn ang="0">
+                <a:pos x="connsiteX3" y="connsiteY3"/>
+              </a:cxn>
+              <a:cxn ang="0">
+                <a:pos x="connsiteX4" y="connsiteY4"/>
+              </a:cxn>
+              <a:cxn ang="0">
+                <a:pos x="connsiteX5" y="connsiteY5"/>
+              </a:cxn>
+              <a:cxn ang="0">
+                <a:pos x="connsiteX6" y="connsiteY6"/>
+              </a:cxn>
+              <a:cxn ang="0">
+                <a:pos x="connsiteX7" y="connsiteY7"/>
+              </a:cxn>
+              <a:cxn ang="0">
+                <a:pos x="connsiteX8" y="connsiteY8"/>
+              </a:cxn>
+              <a:cxn ang="0">
+                <a:pos x="connsiteX9" y="connsiteY9"/>
+              </a:cxn>
+              <a:cxn ang="0">
+                <a:pos x="connsiteX10" y="connsiteY10"/>
+              </a:cxn>
+              <a:cxn ang="0">
+                <a:pos x="connsiteX11" y="connsiteY11"/>
+              </a:cxn>
+            </a:cxnLst>
+            <a:rect l="l" t="t" r="r" b="b"/>
+            <a:pathLst>
+              <a:path w="252000" h="252000">
+                <a:moveTo>
+                  <a:pt x="93671" y="158330"/>
+                </a:moveTo>
+                <a:cubicBezTo>
+                  <a:pt x="111526" y="176185"/>
+                  <a:pt x="140474" y="176185"/>
+                  <a:pt x="158329" y="158330"/>
+                </a:cubicBezTo>
+                <a:cubicBezTo>
+                  <a:pt x="176183" y="140476"/>
+                  <a:pt x="176183" y="111527"/>
+                  <a:pt x="158329" y="93672"/>
+                </a:cubicBezTo>
+                <a:cubicBezTo>
+                  <a:pt x="140474" y="75818"/>
+                  <a:pt x="111526" y="75818"/>
+                  <a:pt x="93671" y="93672"/>
+                </a:cubicBezTo>
+                <a:cubicBezTo>
+                  <a:pt x="75817" y="111527"/>
+                  <a:pt x="75817" y="140476"/>
+                  <a:pt x="93671" y="158330"/>
+                </a:cubicBezTo>
+                <a:close/>
+                <a:moveTo>
+                  <a:pt x="36905" y="215095"/>
+                </a:moveTo>
+                <a:cubicBezTo>
+                  <a:pt x="14103" y="192294"/>
+                  <a:pt x="0" y="160794"/>
+                  <a:pt x="0" y="126000"/>
+                </a:cubicBezTo>
+                <a:cubicBezTo>
+                  <a:pt x="0" y="56412"/>
+                  <a:pt x="56412" y="0"/>
+                  <a:pt x="126000" y="0"/>
+                </a:cubicBezTo>
+                <a:lnTo>
+                  <a:pt x="252000" y="0"/>
+                </a:lnTo>
+                <a:lnTo>
+                  <a:pt x="252000" y="126000"/>
+                </a:lnTo>
+                <a:cubicBezTo>
+                  <a:pt x="252000" y="195588"/>
+                  <a:pt x="195588" y="252000"/>
+                  <a:pt x="126000" y="252000"/>
+                </a:cubicBezTo>
+                <a:cubicBezTo>
+                  <a:pt x="91206" y="252000"/>
+                  <a:pt x="59706" y="237897"/>
+                  <a:pt x="36905" y="215095"/>
+                </a:cubicBezTo>
+                <a:close/>
+              </a:path>
+            </a:pathLst>
+          </a:custGeom>
+          <a:solidFill>
+            <a:srgbClr val="FF8C52"/>
+          </a:solidFill>
+          <a:ln>
+            <a:noFill/>
+          </a:ln>
+        </p:spPr>
+        <p:style>
+          <a:lnRef idx="2">
+            <a:schemeClr val="accent1">
+              <a:shade val="50000"/>
+            </a:schemeClr>
+          </a:lnRef>
+          <a:fillRef idx="1">
+            <a:schemeClr val="accent1"/>
+          </a:fillRef>
+          <a:effectRef idx="0">
+            <a:schemeClr val="accent1"/>
+          </a:effectRef>
+          <a:fontRef idx="minor">
+            <a:schemeClr val="lt1"/>
+          </a:fontRef>
+        </p:style>
+        <p:txBody>
+          <a:bodyPr wrap="square" rtlCol="0" anchor="ctr">
+            <a:noAutofit/>
+          </a:bodyPr>
+          <a:lstStyle/>
+          <a:p>
+            <a:pPr algn="ctr"/>
+            <a:endParaRPr lang="en-AU"/>
+          </a:p>
+        </p:txBody>
+      </p:sp>
+      <p:sp>
+        <p:nvSpPr>
+          <p:cNvPr id="14" name="Isosceles Triangle 13">
+            <a:extLst>
+              <a:ext uri="{FF2B5EF4-FFF2-40B4-BE49-F238E27FC236}">
+                <a16:creationId xmlns:a16="http://schemas.microsoft.com/office/drawing/2014/main" id="{30DE4366-3134-4E79-AD07-B89C53ABF78F}"/>
+              </a:ext>
+            </a:extLst>
+          </p:cNvPr>
+          <p:cNvSpPr/>
+          <p:nvPr/>
+        </p:nvSpPr>
+        <p:spPr>
+          <a:xfrm>
+            <a:off x="6205943" y="3425648"/>
+            <a:ext cx="248888" cy="123663"/>
+          </a:xfrm>
+          <a:prstGeom prst="triangle">
+            <a:avLst/>
+          </a:prstGeom>
+          <a:solidFill>
+            <a:srgbClr val="FF8C52"/>
+          </a:solidFill>
+          <a:ln>
+            <a:noFill/>
+          </a:ln>
+        </p:spPr>
+        <p:style>
+          <a:lnRef idx="2">
+            <a:schemeClr val="accent1">
+              <a:shade val="50000"/>
+            </a:schemeClr>
+          </a:lnRef>
+          <a:fillRef idx="1">
+            <a:schemeClr val="accent1"/>
+          </a:fillRef>
+          <a:effectRef idx="0">
+            <a:schemeClr val="accent1"/>
+          </a:effectRef>
+          <a:fontRef idx="minor">
+            <a:schemeClr val="lt1"/>
+          </a:fontRef>
+        </p:style>
+        <p:txBody>
+          <a:bodyPr rtlCol="0" anchor="ctr"/>
+          <a:lstStyle/>
+          <a:p>
+            <a:pPr algn="ctr"/>
+            <a:endParaRPr lang="en-AU"/>
+          </a:p>
+        </p:txBody>
+      </p:sp>
+      <p:sp>
+        <p:nvSpPr>
+          <p:cNvPr id="18" name="Isosceles Triangle 17">
+            <a:extLst>
+              <a:ext uri="{FF2B5EF4-FFF2-40B4-BE49-F238E27FC236}">
+                <a16:creationId xmlns:a16="http://schemas.microsoft.com/office/drawing/2014/main" id="{98AD1FB3-B4A2-47EF-AEBA-9BB3D41DBFE9}"/>
+              </a:ext>
+            </a:extLst>
+          </p:cNvPr>
+          <p:cNvSpPr/>
+          <p:nvPr/>
+        </p:nvSpPr>
+        <p:spPr>
+          <a:xfrm rot="10800000">
+            <a:off x="6219337" y="3547500"/>
+            <a:ext cx="226262" cy="123664"/>
+          </a:xfrm>
+          <a:prstGeom prst="triangle">
+            <a:avLst/>
+          </a:prstGeom>
+          <a:solidFill>
+            <a:srgbClr val="FFAD52"/>
+          </a:solidFill>
+          <a:ln>
+            <a:noFill/>
+          </a:ln>
+        </p:spPr>
+        <p:style>
+          <a:lnRef idx="2">
+            <a:schemeClr val="accent1">
+              <a:shade val="50000"/>
+            </a:schemeClr>
+          </a:lnRef>
+          <a:fillRef idx="1">
+            <a:schemeClr val="accent1"/>
+          </a:fillRef>
+          <a:effectRef idx="0">
+            <a:schemeClr val="accent1"/>
+          </a:effectRef>
+          <a:fontRef idx="minor">
+            <a:schemeClr val="lt1"/>
+          </a:fontRef>
+        </p:style>
+        <p:txBody>
+          <a:bodyPr rtlCol="0" anchor="ctr"/>
+          <a:lstStyle/>
+          <a:p>
+            <a:pPr algn="ctr"/>
+            <a:endParaRPr lang="en-AU"/>
+          </a:p>
+        </p:txBody>
+      </p:sp>
+      <p:sp>
+        <p:nvSpPr>
+          <p:cNvPr id="19" name="TextBox 18">
+            <a:extLst>
+              <a:ext uri="{FF2B5EF4-FFF2-40B4-BE49-F238E27FC236}">
+                <a16:creationId xmlns:a16="http://schemas.microsoft.com/office/drawing/2014/main" id="{F357C0F4-92A3-4AE9-8FC3-DEADDEB99F27}"/>
+              </a:ext>
+            </a:extLst>
+          </p:cNvPr>
+          <p:cNvSpPr txBox="1"/>
+          <p:nvPr/>
+        </p:nvSpPr>
+        <p:spPr>
+          <a:xfrm>
+            <a:off x="6158752" y="3403897"/>
+            <a:ext cx="258290" cy="307777"/>
+          </a:xfrm>
+          <a:prstGeom prst="rect">
+            <a:avLst/>
+          </a:prstGeom>
+          <a:noFill/>
+        </p:spPr>
+        <p:txBody>
+          <a:bodyPr wrap="square" rtlCol="0">
+            <a:spAutoFit/>
+          </a:bodyPr>
+          <a:lstStyle/>
+          <a:p>
+            <a:r>
+              <a:rPr lang="en-US" sz="1400" b="1" dirty="0">
+                <a:solidFill>
+                  <a:schemeClr val="bg1"/>
+                </a:solidFill>
+                <a:latin typeface="Oxygen" panose="02000503000000000000" pitchFamily="2" charset="0"/>
+              </a:rPr>
+              <a:t>@</a:t>
+            </a:r>
+            <a:endParaRPr lang="en-AU" sz="1400" b="1" dirty="0">
+              <a:solidFill>
+                <a:schemeClr val="bg1"/>
+              </a:solidFill>
+              <a:latin typeface="Oxygen" panose="02000503000000000000" pitchFamily="2" charset="0"/>
+            </a:endParaRPr>
+          </a:p>
+        </p:txBody>
+      </p:sp>
+      <p:sp>
+        <p:nvSpPr>
+          <p:cNvPr id="21" name="Freeform: Shape 20">
+            <a:extLst>
+              <a:ext uri="{FF2B5EF4-FFF2-40B4-BE49-F238E27FC236}">
+                <a16:creationId xmlns:a16="http://schemas.microsoft.com/office/drawing/2014/main" id="{44090025-7000-4D7D-A74F-0D5873C3CE90}"/>
+              </a:ext>
+            </a:extLst>
+          </p:cNvPr>
+          <p:cNvSpPr/>
+          <p:nvPr/>
+        </p:nvSpPr>
+        <p:spPr>
+          <a:xfrm>
+            <a:off x="6205943" y="3550788"/>
+            <a:ext cx="248888" cy="160489"/>
+          </a:xfrm>
+          <a:custGeom>
+            <a:avLst/>
+            <a:gdLst>
+              <a:gd name="connsiteX0" fmla="*/ 14525 w 273777"/>
+              <a:gd name="connsiteY0" fmla="*/ 476 h 194191"/>
+              <a:gd name="connsiteX1" fmla="*/ 138969 w 273777"/>
+              <a:gd name="connsiteY1" fmla="*/ 124139 h 194191"/>
+              <a:gd name="connsiteX2" fmla="*/ 263413 w 273777"/>
+              <a:gd name="connsiteY2" fmla="*/ 476 h 194191"/>
+              <a:gd name="connsiteX3" fmla="*/ 0 w 273777"/>
+              <a:gd name="connsiteY3" fmla="*/ 0 h 194191"/>
+              <a:gd name="connsiteX4" fmla="*/ 273777 w 273777"/>
+              <a:gd name="connsiteY4" fmla="*/ 0 h 194191"/>
+              <a:gd name="connsiteX5" fmla="*/ 273777 w 273777"/>
+              <a:gd name="connsiteY5" fmla="*/ 194191 h 194191"/>
+              <a:gd name="connsiteX6" fmla="*/ 0 w 273777"/>
+              <a:gd name="connsiteY6" fmla="*/ 194191 h 194191"/>
+            </a:gdLst>
+            <a:ahLst/>
+            <a:cxnLst>
+              <a:cxn ang="0">
+                <a:pos x="connsiteX0" y="connsiteY0"/>
+              </a:cxn>
+              <a:cxn ang="0">
+                <a:pos x="connsiteX1" y="connsiteY1"/>
+              </a:cxn>
+              <a:cxn ang="0">
+                <a:pos x="connsiteX2" y="connsiteY2"/>
+              </a:cxn>
+              <a:cxn ang="0">
+                <a:pos x="connsiteX3" y="connsiteY3"/>
+              </a:cxn>
+              <a:cxn ang="0">
+                <a:pos x="connsiteX4" y="connsiteY4"/>
+              </a:cxn>
+              <a:cxn ang="0">
+                <a:pos x="connsiteX5" y="connsiteY5"/>
+              </a:cxn>
+              <a:cxn ang="0">
+                <a:pos x="connsiteX6" y="connsiteY6"/>
+              </a:cxn>
+            </a:cxnLst>
+            <a:rect l="l" t="t" r="r" b="b"/>
+            <a:pathLst>
+              <a:path w="273777" h="194191">
+                <a:moveTo>
+                  <a:pt x="14525" y="476"/>
+                </a:moveTo>
+                <a:lnTo>
+                  <a:pt x="138969" y="124139"/>
+                </a:lnTo>
+                <a:lnTo>
+                  <a:pt x="263413" y="476"/>
+                </a:lnTo>
+                <a:close/>
+                <a:moveTo>
+                  <a:pt x="0" y="0"/>
+                </a:moveTo>
+                <a:lnTo>
+                  <a:pt x="273777" y="0"/>
+                </a:lnTo>
+                <a:lnTo>
+                  <a:pt x="273777" y="194191"/>
+                </a:lnTo>
+                <a:lnTo>
+                  <a:pt x="0" y="194191"/>
+                </a:lnTo>
+                <a:close/>
+              </a:path>
+            </a:pathLst>
+          </a:custGeom>
+          <a:solidFill>
+            <a:srgbClr val="FF8C52"/>
+          </a:solidFill>
+          <a:ln>
+            <a:noFill/>
+          </a:ln>
+        </p:spPr>
+        <p:style>
+          <a:lnRef idx="2">
+            <a:schemeClr val="accent1">
+              <a:shade val="50000"/>
+            </a:schemeClr>
+          </a:lnRef>
+          <a:fillRef idx="1">
+            <a:schemeClr val="accent1"/>
+          </a:fillRef>
+          <a:effectRef idx="0">
+            <a:schemeClr val="accent1"/>
+          </a:effectRef>
+          <a:fontRef idx="minor">
+            <a:schemeClr val="lt1"/>
+          </a:fontRef>
+        </p:style>
+        <p:txBody>
+          <a:bodyPr wrap="square" rtlCol="0" anchor="ctr">
+            <a:noAutofit/>
+          </a:bodyPr>
+          <a:lstStyle/>
+          <a:p>
+            <a:pPr algn="ctr"/>
+            <a:endParaRPr lang="en-AU"/>
+          </a:p>
+        </p:txBody>
+      </p:sp>
+      <p:pic>
+        <p:nvPicPr>
+          <p:cNvPr id="25" name="Picture 24">
+            <a:extLst>
+              <a:ext uri="{FF2B5EF4-FFF2-40B4-BE49-F238E27FC236}">
+                <a16:creationId xmlns:a16="http://schemas.microsoft.com/office/drawing/2014/main" id="{FEFC668B-EF80-45D1-9927-60145DF3ED1B}"/>
+              </a:ext>
+            </a:extLst>
+          </p:cNvPr>
+          <p:cNvPicPr>
+            <a:picLocks noChangeAspect="1"/>
+          </p:cNvPicPr>
+          <p:nvPr/>
+        </p:nvPicPr>
+        <p:blipFill>
+          <a:blip r:embed="rId3"/>
+          <a:stretch>
+            <a:fillRect/>
+          </a:stretch>
+        </p:blipFill>
+        <p:spPr>
+          <a:xfrm>
+            <a:off x="6154284" y="3905347"/>
+            <a:ext cx="313738" cy="310434"/>
+          </a:xfrm>
+          <a:prstGeom prst="rect">
+            <a:avLst/>
+          </a:prstGeom>
+        </p:spPr>
+      </p:pic>
+      <p:pic>
+        <p:nvPicPr>
+          <p:cNvPr id="29" name="Picture 28">
+            <a:extLst>
+              <a:ext uri="{FF2B5EF4-FFF2-40B4-BE49-F238E27FC236}">
+                <a16:creationId xmlns:a16="http://schemas.microsoft.com/office/drawing/2014/main" id="{DF666D98-6E40-4127-BB7F-A63B9E925409}"/>
+              </a:ext>
+            </a:extLst>
+          </p:cNvPr>
+          <p:cNvPicPr>
+            <a:picLocks noChangeAspect="1"/>
+          </p:cNvPicPr>
+          <p:nvPr/>
+        </p:nvPicPr>
+        <p:blipFill>
+          <a:blip r:embed="rId4"/>
+          <a:stretch>
+            <a:fillRect/>
+          </a:stretch>
+        </p:blipFill>
+        <p:spPr>
+          <a:xfrm>
+            <a:off x="6222560" y="5077766"/>
+            <a:ext cx="230977" cy="230977"/>
+          </a:xfrm>
+          <a:prstGeom prst="rect">
+            <a:avLst/>
+          </a:prstGeom>
+        </p:spPr>
+      </p:pic>
+      <p:grpSp>
+        <p:nvGrpSpPr>
+          <p:cNvPr id="4" name="Group 3">
+            <a:extLst>
+              <a:ext uri="{FF2B5EF4-FFF2-40B4-BE49-F238E27FC236}">
+                <a16:creationId xmlns:a16="http://schemas.microsoft.com/office/drawing/2014/main" id="{74F3A59E-E7E5-17F4-3EF4-5FFB02965209}"/>
+              </a:ext>
+            </a:extLst>
+          </p:cNvPr>
+          <p:cNvGrpSpPr/>
+          <p:nvPr/>
+        </p:nvGrpSpPr>
+        <p:grpSpPr>
+          <a:xfrm>
+            <a:off x="2226833" y="4434741"/>
+            <a:ext cx="2990851" cy="1259907"/>
+            <a:chOff x="4600575" y="2600315"/>
+            <a:chExt cx="2990850" cy="1385897"/>
+          </a:xfrm>
+        </p:grpSpPr>
+        <p:pic>
+          <p:nvPicPr>
+            <p:cNvPr id="5" name="Picture 4">
+              <a:extLst>
+                <a:ext uri="{FF2B5EF4-FFF2-40B4-BE49-F238E27FC236}">
+                  <a16:creationId xmlns:a16="http://schemas.microsoft.com/office/drawing/2014/main" id="{88CBC9B4-C809-2235-D296-AB8B9AFCCD6A}"/>
+                </a:ext>
+              </a:extLst>
+            </p:cNvPr>
+            <p:cNvPicPr>
+              <a:picLocks noChangeAspect="1"/>
+            </p:cNvPicPr>
+            <p:nvPr/>
+          </p:nvPicPr>
+          <p:blipFill>
+            <a:blip r:embed="rId5"/>
+            <a:stretch>
+              <a:fillRect/>
+            </a:stretch>
+          </p:blipFill>
+          <p:spPr>
+            <a:xfrm>
+              <a:off x="4600575" y="2871787"/>
+              <a:ext cx="2990850" cy="1114425"/>
+            </a:xfrm>
+            <a:prstGeom prst="rect">
+              <a:avLst/>
+            </a:prstGeom>
+          </p:spPr>
+        </p:pic>
+        <p:sp>
+          <p:nvSpPr>
+            <p:cNvPr id="9" name="Freeform 9">
+              <a:extLst>
+                <a:ext uri="{FF2B5EF4-FFF2-40B4-BE49-F238E27FC236}">
+                  <a16:creationId xmlns:a16="http://schemas.microsoft.com/office/drawing/2014/main" id="{95E9E889-6A5C-54D8-256E-1E610F0B42C3}"/>
+                </a:ext>
+              </a:extLst>
+            </p:cNvPr>
+            <p:cNvSpPr/>
+            <p:nvPr/>
+          </p:nvSpPr>
+          <p:spPr>
+            <a:xfrm>
+              <a:off x="4739363" y="2600315"/>
+              <a:ext cx="971569" cy="971569"/>
+            </a:xfrm>
+            <a:custGeom>
+              <a:avLst/>
+              <a:gdLst>
+                <a:gd name="connsiteX0" fmla="*/ 1080000 w 2160000"/>
+                <a:gd name="connsiteY0" fmla="*/ 0 h 2160000"/>
+                <a:gd name="connsiteX1" fmla="*/ 2154424 w 2160000"/>
+                <a:gd name="connsiteY1" fmla="*/ 969576 h 2160000"/>
+                <a:gd name="connsiteX2" fmla="*/ 2157027 w 2160000"/>
+                <a:gd name="connsiteY2" fmla="*/ 1021127 h 2160000"/>
+                <a:gd name="connsiteX3" fmla="*/ 2159999 w 2160000"/>
+                <a:gd name="connsiteY3" fmla="*/ 1021127 h 2160000"/>
+                <a:gd name="connsiteX4" fmla="*/ 2159999 w 2160000"/>
+                <a:gd name="connsiteY4" fmla="*/ 1079980 h 2160000"/>
+                <a:gd name="connsiteX5" fmla="*/ 2160000 w 2160000"/>
+                <a:gd name="connsiteY5" fmla="*/ 1080000 h 2160000"/>
+                <a:gd name="connsiteX6" fmla="*/ 2159999 w 2160000"/>
+                <a:gd name="connsiteY6" fmla="*/ 1080021 h 2160000"/>
+                <a:gd name="connsiteX7" fmla="*/ 2159999 w 2160000"/>
+                <a:gd name="connsiteY7" fmla="*/ 1716639 h 2160000"/>
+                <a:gd name="connsiteX8" fmla="*/ 2157838 w 2160000"/>
+                <a:gd name="connsiteY8" fmla="*/ 1716639 h 2160000"/>
+                <a:gd name="connsiteX9" fmla="*/ 2160000 w 2160000"/>
+                <a:gd name="connsiteY9" fmla="*/ 1738544 h 2160000"/>
+                <a:gd name="connsiteX10" fmla="*/ 1891921 w 2160000"/>
+                <a:gd name="connsiteY10" fmla="*/ 2012333 h 2160000"/>
+                <a:gd name="connsiteX11" fmla="*/ 1623842 w 2160000"/>
+                <a:gd name="connsiteY11" fmla="*/ 1738544 h 2160000"/>
+                <a:gd name="connsiteX12" fmla="*/ 1626005 w 2160000"/>
+                <a:gd name="connsiteY12" fmla="*/ 1716639 h 2160000"/>
+                <a:gd name="connsiteX13" fmla="*/ 1620298 w 2160000"/>
+                <a:gd name="connsiteY13" fmla="*/ 1716639 h 2160000"/>
+                <a:gd name="connsiteX14" fmla="*/ 1620298 w 2160000"/>
+                <a:gd name="connsiteY14" fmla="*/ 1090950 h 2160000"/>
+                <a:gd name="connsiteX15" fmla="*/ 1618898 w 2160000"/>
+                <a:gd name="connsiteY15" fmla="*/ 1090937 h 2160000"/>
+                <a:gd name="connsiteX16" fmla="*/ 1620000 w 2160000"/>
+                <a:gd name="connsiteY16" fmla="*/ 1080000 h 2160000"/>
+                <a:gd name="connsiteX17" fmla="*/ 1080000 w 2160000"/>
+                <a:gd name="connsiteY17" fmla="*/ 540000 h 2160000"/>
+                <a:gd name="connsiteX18" fmla="*/ 540000 w 2160000"/>
+                <a:gd name="connsiteY18" fmla="*/ 1080000 h 2160000"/>
+                <a:gd name="connsiteX19" fmla="*/ 1080000 w 2160000"/>
+                <a:gd name="connsiteY19" fmla="*/ 1620000 h 2160000"/>
+                <a:gd name="connsiteX20" fmla="*/ 1172144 w 2160000"/>
+                <a:gd name="connsiteY20" fmla="*/ 1610711 h 2160000"/>
+                <a:gd name="connsiteX21" fmla="*/ 1192722 w 2160000"/>
+                <a:gd name="connsiteY21" fmla="*/ 1599542 h 2160000"/>
+                <a:gd name="connsiteX22" fmla="*/ 1205334 w 2160000"/>
+                <a:gd name="connsiteY22" fmla="*/ 1595627 h 2160000"/>
+                <a:gd name="connsiteX23" fmla="*/ 1218649 w 2160000"/>
+                <a:gd name="connsiteY23" fmla="*/ 1594482 h 2160000"/>
+                <a:gd name="connsiteX24" fmla="*/ 1273176 w 2160000"/>
+                <a:gd name="connsiteY24" fmla="*/ 1581875 h 2160000"/>
+                <a:gd name="connsiteX25" fmla="*/ 1277433 w 2160000"/>
+                <a:gd name="connsiteY25" fmla="*/ 1580379 h 2160000"/>
+                <a:gd name="connsiteX26" fmla="*/ 1297818 w 2160000"/>
+                <a:gd name="connsiteY26" fmla="*/ 1578324 h 2160000"/>
+                <a:gd name="connsiteX27" fmla="*/ 1567818 w 2160000"/>
+                <a:gd name="connsiteY27" fmla="*/ 1848324 h 2160000"/>
+                <a:gd name="connsiteX28" fmla="*/ 1469563 w 2160000"/>
+                <a:gd name="connsiteY28" fmla="*/ 2056669 h 2160000"/>
+                <a:gd name="connsiteX29" fmla="*/ 1412948 w 2160000"/>
+                <a:gd name="connsiteY29" fmla="*/ 2091019 h 2160000"/>
+                <a:gd name="connsiteX30" fmla="*/ 1398272 w 2160000"/>
+                <a:gd name="connsiteY30" fmla="*/ 2101498 h 2160000"/>
+                <a:gd name="connsiteX31" fmla="*/ 1374464 w 2160000"/>
+                <a:gd name="connsiteY31" fmla="*/ 2110955 h 2160000"/>
+                <a:gd name="connsiteX32" fmla="*/ 1376211 w 2160000"/>
+                <a:gd name="connsiteY32" fmla="*/ 2117860 h 2160000"/>
+                <a:gd name="connsiteX33" fmla="*/ 1321962 w 2160000"/>
+                <a:gd name="connsiteY33" fmla="*/ 2131809 h 2160000"/>
+                <a:gd name="connsiteX34" fmla="*/ 1306247 w 2160000"/>
+                <a:gd name="connsiteY34" fmla="*/ 2138051 h 2160000"/>
+                <a:gd name="connsiteX35" fmla="*/ 1267530 w 2160000"/>
+                <a:gd name="connsiteY35" fmla="*/ 2142656 h 2160000"/>
+                <a:gd name="connsiteX36" fmla="*/ 1190424 w 2160000"/>
+                <a:gd name="connsiteY36" fmla="*/ 2154424 h 2160000"/>
+                <a:gd name="connsiteX37" fmla="*/ 1080000 w 2160000"/>
+                <a:gd name="connsiteY37" fmla="*/ 2160000 h 2160000"/>
+                <a:gd name="connsiteX38" fmla="*/ 0 w 2160000"/>
+                <a:gd name="connsiteY38" fmla="*/ 1080000 h 2160000"/>
+                <a:gd name="connsiteX39" fmla="*/ 1080000 w 2160000"/>
+                <a:gd name="connsiteY39" fmla="*/ 0 h 2160000"/>
+              </a:gdLst>
+              <a:ahLst/>
+              <a:cxnLst>
+                <a:cxn ang="0">
+                  <a:pos x="connsiteX0" y="connsiteY0"/>
+                </a:cxn>
+                <a:cxn ang="0">
+                  <a:pos x="connsiteX1" y="connsiteY1"/>
+                </a:cxn>
+                <a:cxn ang="0">
+                  <a:pos x="connsiteX2" y="connsiteY2"/>
+                </a:cxn>
+                <a:cxn ang="0">
+                  <a:pos x="connsiteX3" y="connsiteY3"/>
+                </a:cxn>
+                <a:cxn ang="0">
+                  <a:pos x="connsiteX4" y="connsiteY4"/>
+                </a:cxn>
+                <a:cxn ang="0">
+                  <a:pos x="connsiteX5" y="connsiteY5"/>
+                </a:cxn>
+                <a:cxn ang="0">
+                  <a:pos x="connsiteX6" y="connsiteY6"/>
+                </a:cxn>
+                <a:cxn ang="0">
+                  <a:pos x="connsiteX7" y="connsiteY7"/>
+                </a:cxn>
+                <a:cxn ang="0">
+                  <a:pos x="connsiteX8" y="connsiteY8"/>
+                </a:cxn>
+                <a:cxn ang="0">
+                  <a:pos x="connsiteX9" y="connsiteY9"/>
+                </a:cxn>
+                <a:cxn ang="0">
+                  <a:pos x="connsiteX10" y="connsiteY10"/>
+                </a:cxn>
+                <a:cxn ang="0">
+                  <a:pos x="connsiteX11" y="connsiteY11"/>
+                </a:cxn>
+                <a:cxn ang="0">
+                  <a:pos x="connsiteX12" y="connsiteY12"/>
+                </a:cxn>
+                <a:cxn ang="0">
+                  <a:pos x="connsiteX13" y="connsiteY13"/>
+                </a:cxn>
+                <a:cxn ang="0">
+                  <a:pos x="connsiteX14" y="connsiteY14"/>
+                </a:cxn>
+                <a:cxn ang="0">
+                  <a:pos x="connsiteX15" y="connsiteY15"/>
+                </a:cxn>
+                <a:cxn ang="0">
+                  <a:pos x="connsiteX16" y="connsiteY16"/>
+                </a:cxn>
+                <a:cxn ang="0">
+                  <a:pos x="connsiteX17" y="connsiteY17"/>
+                </a:cxn>
+                <a:cxn ang="0">
+                  <a:pos x="connsiteX18" y="connsiteY18"/>
+                </a:cxn>
+                <a:cxn ang="0">
+                  <a:pos x="connsiteX19" y="connsiteY19"/>
+                </a:cxn>
+                <a:cxn ang="0">
+                  <a:pos x="connsiteX20" y="connsiteY20"/>
+                </a:cxn>
+                <a:cxn ang="0">
+                  <a:pos x="connsiteX21" y="connsiteY21"/>
+                </a:cxn>
+                <a:cxn ang="0">
+                  <a:pos x="connsiteX22" y="connsiteY22"/>
+                </a:cxn>
+                <a:cxn ang="0">
+                  <a:pos x="connsiteX23" y="connsiteY23"/>
+                </a:cxn>
+                <a:cxn ang="0">
+                  <a:pos x="connsiteX24" y="connsiteY24"/>
+                </a:cxn>
+                <a:cxn ang="0">
+                  <a:pos x="connsiteX25" y="connsiteY25"/>
+                </a:cxn>
+                <a:cxn ang="0">
+                  <a:pos x="connsiteX26" y="connsiteY26"/>
+                </a:cxn>
+                <a:cxn ang="0">
+                  <a:pos x="connsiteX27" y="connsiteY27"/>
+                </a:cxn>
+                <a:cxn ang="0">
+                  <a:pos x="connsiteX28" y="connsiteY28"/>
+                </a:cxn>
+                <a:cxn ang="0">
+                  <a:pos x="connsiteX29" y="connsiteY29"/>
+                </a:cxn>
+                <a:cxn ang="0">
+                  <a:pos x="connsiteX30" y="connsiteY30"/>
+                </a:cxn>
+                <a:cxn ang="0">
+                  <a:pos x="connsiteX31" y="connsiteY31"/>
+                </a:cxn>
+                <a:cxn ang="0">
+                  <a:pos x="connsiteX32" y="connsiteY32"/>
+                </a:cxn>
+                <a:cxn ang="0">
+                  <a:pos x="connsiteX33" y="connsiteY33"/>
+                </a:cxn>
+                <a:cxn ang="0">
+                  <a:pos x="connsiteX34" y="connsiteY34"/>
+                </a:cxn>
+                <a:cxn ang="0">
+                  <a:pos x="connsiteX35" y="connsiteY35"/>
+                </a:cxn>
+                <a:cxn ang="0">
+                  <a:pos x="connsiteX36" y="connsiteY36"/>
+                </a:cxn>
+                <a:cxn ang="0">
+                  <a:pos x="connsiteX37" y="connsiteY37"/>
+                </a:cxn>
+                <a:cxn ang="0">
+                  <a:pos x="connsiteX38" y="connsiteY38"/>
+                </a:cxn>
+                <a:cxn ang="0">
+                  <a:pos x="connsiteX39" y="connsiteY39"/>
+                </a:cxn>
+              </a:cxnLst>
+              <a:rect l="l" t="t" r="r" b="b"/>
+              <a:pathLst>
+                <a:path w="2160000" h="2160000">
+                  <a:moveTo>
+                    <a:pt x="1080000" y="0"/>
+                  </a:moveTo>
+                  <a:cubicBezTo>
+                    <a:pt x="1639189" y="0"/>
+                    <a:pt x="2099117" y="424979"/>
+                    <a:pt x="2154424" y="969576"/>
+                  </a:cubicBezTo>
+                  <a:lnTo>
+                    <a:pt x="2157027" y="1021127"/>
+                  </a:lnTo>
+                  <a:lnTo>
+                    <a:pt x="2159999" y="1021127"/>
+                  </a:lnTo>
+                  <a:lnTo>
+                    <a:pt x="2159999" y="1079980"/>
+                  </a:lnTo>
+                  <a:lnTo>
+                    <a:pt x="2160000" y="1080000"/>
+                  </a:lnTo>
+                  <a:lnTo>
+                    <a:pt x="2159999" y="1080021"/>
+                  </a:lnTo>
+                  <a:lnTo>
+                    <a:pt x="2159999" y="1716639"/>
+                  </a:lnTo>
+                  <a:lnTo>
+                    <a:pt x="2157838" y="1716639"/>
+                  </a:lnTo>
+                  <a:lnTo>
+                    <a:pt x="2160000" y="1738544"/>
+                  </a:lnTo>
+                  <a:cubicBezTo>
+                    <a:pt x="2160000" y="1889753"/>
+                    <a:pt x="2039977" y="2012333"/>
+                    <a:pt x="1891921" y="2012333"/>
+                  </a:cubicBezTo>
+                  <a:cubicBezTo>
+                    <a:pt x="1743865" y="2012333"/>
+                    <a:pt x="1623842" y="1889753"/>
+                    <a:pt x="1623842" y="1738544"/>
+                  </a:cubicBezTo>
+                  <a:lnTo>
+                    <a:pt x="1626005" y="1716639"/>
+                  </a:lnTo>
+                  <a:lnTo>
+                    <a:pt x="1620298" y="1716639"/>
+                  </a:lnTo>
+                  <a:lnTo>
+                    <a:pt x="1620298" y="1090950"/>
+                  </a:lnTo>
+                  <a:lnTo>
+                    <a:pt x="1618898" y="1090937"/>
+                  </a:lnTo>
+                  <a:lnTo>
+                    <a:pt x="1620000" y="1080000"/>
+                  </a:lnTo>
+                  <a:cubicBezTo>
+                    <a:pt x="1620000" y="781766"/>
+                    <a:pt x="1378234" y="540000"/>
+                    <a:pt x="1080000" y="540000"/>
+                  </a:cubicBezTo>
+                  <a:cubicBezTo>
+                    <a:pt x="781766" y="540000"/>
+                    <a:pt x="540000" y="781766"/>
+                    <a:pt x="540000" y="1080000"/>
+                  </a:cubicBezTo>
+                  <a:cubicBezTo>
+                    <a:pt x="540000" y="1378234"/>
+                    <a:pt x="781766" y="1620000"/>
+                    <a:pt x="1080000" y="1620000"/>
+                  </a:cubicBezTo>
+                  <a:lnTo>
+                    <a:pt x="1172144" y="1610711"/>
+                  </a:lnTo>
+                  <a:lnTo>
+                    <a:pt x="1192722" y="1599542"/>
+                  </a:lnTo>
+                  <a:lnTo>
+                    <a:pt x="1205334" y="1595627"/>
+                  </a:lnTo>
+                  <a:lnTo>
+                    <a:pt x="1218649" y="1594482"/>
+                  </a:lnTo>
+                  <a:cubicBezTo>
+                    <a:pt x="1237851" y="1591023"/>
+                    <a:pt x="1256099" y="1586790"/>
+                    <a:pt x="1273176" y="1581875"/>
+                  </a:cubicBezTo>
+                  <a:lnTo>
+                    <a:pt x="1277433" y="1580379"/>
+                  </a:lnTo>
+                  <a:lnTo>
+                    <a:pt x="1297818" y="1578324"/>
+                  </a:lnTo>
+                  <a:cubicBezTo>
+                    <a:pt x="1446935" y="1578324"/>
+                    <a:pt x="1567818" y="1699207"/>
+                    <a:pt x="1567818" y="1848324"/>
+                  </a:cubicBezTo>
+                  <a:cubicBezTo>
+                    <a:pt x="1567818" y="1932202"/>
+                    <a:pt x="1529570" y="2007147"/>
+                    <a:pt x="1469563" y="2056669"/>
+                  </a:cubicBezTo>
+                  <a:lnTo>
+                    <a:pt x="1412948" y="2091019"/>
+                  </a:lnTo>
+                  <a:lnTo>
+                    <a:pt x="1398272" y="2101498"/>
+                  </a:lnTo>
+                  <a:lnTo>
+                    <a:pt x="1374464" y="2110955"/>
+                  </a:lnTo>
+                  <a:lnTo>
+                    <a:pt x="1376211" y="2117860"/>
+                  </a:lnTo>
+                  <a:lnTo>
+                    <a:pt x="1321962" y="2131809"/>
+                  </a:lnTo>
+                  <a:lnTo>
+                    <a:pt x="1306247" y="2138051"/>
+                  </a:lnTo>
+                  <a:lnTo>
+                    <a:pt x="1267530" y="2142656"/>
+                  </a:lnTo>
+                  <a:lnTo>
+                    <a:pt x="1190424" y="2154424"/>
+                  </a:lnTo>
+                  <a:cubicBezTo>
+                    <a:pt x="1154118" y="2158111"/>
+                    <a:pt x="1117280" y="2160000"/>
+                    <a:pt x="1080000" y="2160000"/>
+                  </a:cubicBezTo>
+                  <a:cubicBezTo>
+                    <a:pt x="483532" y="2160000"/>
+                    <a:pt x="0" y="1676468"/>
+                    <a:pt x="0" y="1080000"/>
+                  </a:cubicBezTo>
+                  <a:cubicBezTo>
+                    <a:pt x="0" y="483532"/>
+                    <a:pt x="483532" y="0"/>
+                    <a:pt x="1080000" y="0"/>
+                  </a:cubicBezTo>
+                  <a:close/>
+                </a:path>
+              </a:pathLst>
+            </a:custGeom>
+            <a:solidFill>
+              <a:srgbClr val="FF8C52"/>
+            </a:solidFill>
+            <a:ln>
+              <a:solidFill>
+                <a:srgbClr val="FF8C52"/>
+              </a:solidFill>
+            </a:ln>
+          </p:spPr>
+          <p:style>
+            <a:lnRef idx="2">
+              <a:schemeClr val="accent1">
+                <a:shade val="50000"/>
+              </a:schemeClr>
+            </a:lnRef>
+            <a:fillRef idx="1">
+              <a:schemeClr val="accent1"/>
+            </a:fillRef>
+            <a:effectRef idx="0">
+              <a:schemeClr val="accent1"/>
+            </a:effectRef>
+            <a:fontRef idx="minor">
+              <a:schemeClr val="lt1"/>
+            </a:fontRef>
+          </p:style>
+          <p:txBody>
+            <a:bodyPr rtlCol="0" anchor="ctr"/>
+            <a:lstStyle/>
+            <a:p>
+              <a:pPr algn="ctr"/>
+              <a:endParaRPr lang="en-AU" dirty="0">
+                <a:latin typeface="Oxygen" panose="02000503000000000000" pitchFamily="2" charset="0"/>
+              </a:endParaRPr>
+            </a:p>
+          </p:txBody>
+        </p:sp>
+      </p:grpSp>
+      <p:pic>
+        <p:nvPicPr>
+          <p:cNvPr id="11" name="Picture 10">
+            <a:extLst>
+              <a:ext uri="{FF2B5EF4-FFF2-40B4-BE49-F238E27FC236}">
+                <a16:creationId xmlns:a16="http://schemas.microsoft.com/office/drawing/2014/main" id="{8352614E-C0BB-F58D-3649-AC6509BF2EE0}"/>
+              </a:ext>
+            </a:extLst>
+          </p:cNvPr>
+          <p:cNvPicPr>
+            <a:picLocks noChangeAspect="1"/>
+          </p:cNvPicPr>
+          <p:nvPr/>
+        </p:nvPicPr>
+        <p:blipFill>
+          <a:blip r:embed="rId6"/>
+          <a:stretch>
+            <a:fillRect/>
+          </a:stretch>
+        </p:blipFill>
+        <p:spPr>
+          <a:xfrm>
+            <a:off x="2809354" y="2420068"/>
+            <a:ext cx="1917397" cy="1922635"/>
+          </a:xfrm>
+          <a:prstGeom prst="rect">
+            <a:avLst/>
+          </a:prstGeom>
+        </p:spPr>
+      </p:pic>
+      <p:sp>
+        <p:nvSpPr>
+          <p:cNvPr id="12" name="Rectangle 11">
+            <a:extLst>
+              <a:ext uri="{FF2B5EF4-FFF2-40B4-BE49-F238E27FC236}">
+                <a16:creationId xmlns:a16="http://schemas.microsoft.com/office/drawing/2014/main" id="{6D41FAE6-2D10-6702-0936-CC9368CAB38A}"/>
+              </a:ext>
+            </a:extLst>
+          </p:cNvPr>
+          <p:cNvSpPr/>
+          <p:nvPr/>
+        </p:nvSpPr>
+        <p:spPr>
+          <a:xfrm>
+            <a:off x="2730762" y="2348061"/>
+            <a:ext cx="2061114" cy="2061580"/>
+          </a:xfrm>
+          <a:prstGeom prst="rect">
+            <a:avLst/>
+          </a:prstGeom>
+          <a:gradFill>
+            <a:gsLst>
+              <a:gs pos="70000">
+                <a:srgbClr val="FFFFFF"/>
+              </a:gs>
+              <a:gs pos="62000">
+                <a:schemeClr val="bg1">
+                  <a:alpha val="0"/>
+                </a:schemeClr>
+              </a:gs>
+            </a:gsLst>
+            <a:path path="circle">
+              <a:fillToRect l="50000" t="50000" r="50000" b="50000"/>
+            </a:path>
+          </a:gradFill>
+          <a:ln>
+            <a:noFill/>
+          </a:ln>
+        </p:spPr>
+        <p:style>
+          <a:lnRef idx="2">
+            <a:schemeClr val="accent1">
+              <a:shade val="50000"/>
+            </a:schemeClr>
+          </a:lnRef>
+          <a:fillRef idx="1">
+            <a:schemeClr val="accent1"/>
+          </a:fillRef>
+          <a:effectRef idx="0">
+            <a:schemeClr val="accent1"/>
+          </a:effectRef>
+          <a:fontRef idx="minor">
+            <a:schemeClr val="lt1"/>
+          </a:fontRef>
+        </p:style>
+        <p:txBody>
+          <a:bodyPr rtlCol="0" anchor="ctr"/>
+          <a:lstStyle/>
+          <a:p>
+            <a:pPr algn="ctr"/>
+            <a:endParaRPr lang="en-AU"/>
+          </a:p>
+        </p:txBody>
+      </p:sp>
+    </p:spTree>
+    <p:extLst>
+      <p:ext uri="{BB962C8B-B14F-4D97-AF65-F5344CB8AC3E}">
+        <p14:creationId xmlns:p14="http://schemas.microsoft.com/office/powerpoint/2010/main" val="119412745"/>
+      </p:ext>
+    </p:extLst>
+  </p:cSld>
+  <p:clrMapOvr>
+    <a:masterClrMapping/>
+  </p:clrMapOvr>
+</p:sld>
+</file>
+
+<file path=ppt/slides/slide8.xml><?xml version="1.0" encoding="utf-8"?>
+<p:sld xmlns:a="http://schemas.openxmlformats.org/drawingml/2006/main" xmlns:r="http://schemas.openxmlformats.org/officeDocument/2006/relationships" xmlns:p="http://schemas.openxmlformats.org/presentationml/2006/main">
+  <p:cSld>
+    <p:spTree>
+      <p:nvGrpSpPr>
+        <p:cNvPr id="1" name=""/>
+        <p:cNvGrpSpPr/>
+        <p:nvPr/>
+      </p:nvGrpSpPr>
+      <p:grpSpPr>
+        <a:xfrm>
+          <a:off x="0" y="0"/>
+          <a:ext cx="0" cy="0"/>
+          <a:chOff x="0" y="0"/>
+          <a:chExt cx="0" cy="0"/>
+        </a:xfrm>
+      </p:grpSpPr>
+      <p:sp>
+        <p:nvSpPr>
+          <p:cNvPr id="8" name="Freeform 7"/>
+          <p:cNvSpPr/>
+          <p:nvPr/>
+        </p:nvSpPr>
+        <p:spPr>
+          <a:xfrm>
+            <a:off x="1971670" y="1309434"/>
+            <a:ext cx="7560000" cy="5040000"/>
+          </a:xfrm>
+          <a:custGeom>
+            <a:avLst/>
+            <a:gdLst>
+              <a:gd name="connsiteX0" fmla="*/ 1055455 w 8475260"/>
+              <a:gd name="connsiteY0" fmla="*/ 0 h 5431810"/>
+              <a:gd name="connsiteX1" fmla="*/ 7419805 w 8475260"/>
+              <a:gd name="connsiteY1" fmla="*/ 0 h 5431810"/>
+              <a:gd name="connsiteX2" fmla="*/ 7419824 w 8475260"/>
+              <a:gd name="connsiteY2" fmla="*/ 1 h 5431810"/>
+              <a:gd name="connsiteX3" fmla="*/ 8475260 w 8475260"/>
+              <a:gd name="connsiteY3" fmla="*/ 1 h 5431810"/>
+              <a:gd name="connsiteX4" fmla="*/ 8475260 w 8475260"/>
+              <a:gd name="connsiteY4" fmla="*/ 1055455 h 5431810"/>
+              <a:gd name="connsiteX5" fmla="*/ 8475260 w 8475260"/>
+              <a:gd name="connsiteY5" fmla="*/ 2606723 h 5431810"/>
+              <a:gd name="connsiteX6" fmla="*/ 8475260 w 8475260"/>
+              <a:gd name="connsiteY6" fmla="*/ 4376354 h 5431810"/>
+              <a:gd name="connsiteX7" fmla="*/ 7419805 w 8475260"/>
+              <a:gd name="connsiteY7" fmla="*/ 5431809 h 5431810"/>
+              <a:gd name="connsiteX8" fmla="*/ 4148920 w 8475260"/>
+              <a:gd name="connsiteY8" fmla="*/ 5431809 h 5431810"/>
+              <a:gd name="connsiteX9" fmla="*/ 4148920 w 8475260"/>
+              <a:gd name="connsiteY9" fmla="*/ 5431810 h 5431810"/>
+              <a:gd name="connsiteX10" fmla="*/ 0 w 8475260"/>
+              <a:gd name="connsiteY10" fmla="*/ 5431810 h 5431810"/>
+              <a:gd name="connsiteX11" fmla="*/ 0 w 8475260"/>
+              <a:gd name="connsiteY11" fmla="*/ 4376354 h 5431810"/>
+              <a:gd name="connsiteX12" fmla="*/ 0 w 8475260"/>
+              <a:gd name="connsiteY12" fmla="*/ 2825088 h 5431810"/>
+              <a:gd name="connsiteX13" fmla="*/ 0 w 8475260"/>
+              <a:gd name="connsiteY13" fmla="*/ 1055455 h 5431810"/>
+              <a:gd name="connsiteX14" fmla="*/ 1055455 w 8475260"/>
+              <a:gd name="connsiteY14" fmla="*/ 0 h 5431810"/>
+            </a:gdLst>
+            <a:ahLst/>
+            <a:cxnLst>
+              <a:cxn ang="0">
+                <a:pos x="connsiteX0" y="connsiteY0"/>
+              </a:cxn>
+              <a:cxn ang="0">
+                <a:pos x="connsiteX1" y="connsiteY1"/>
+              </a:cxn>
+              <a:cxn ang="0">
+                <a:pos x="connsiteX2" y="connsiteY2"/>
+              </a:cxn>
+              <a:cxn ang="0">
+                <a:pos x="connsiteX3" y="connsiteY3"/>
+              </a:cxn>
+              <a:cxn ang="0">
+                <a:pos x="connsiteX4" y="connsiteY4"/>
+              </a:cxn>
+              <a:cxn ang="0">
+                <a:pos x="connsiteX5" y="connsiteY5"/>
+              </a:cxn>
+              <a:cxn ang="0">
+                <a:pos x="connsiteX6" y="connsiteY6"/>
+              </a:cxn>
+              <a:cxn ang="0">
+                <a:pos x="connsiteX7" y="connsiteY7"/>
+              </a:cxn>
+              <a:cxn ang="0">
+                <a:pos x="connsiteX8" y="connsiteY8"/>
+              </a:cxn>
+              <a:cxn ang="0">
+                <a:pos x="connsiteX9" y="connsiteY9"/>
+              </a:cxn>
+              <a:cxn ang="0">
+                <a:pos x="connsiteX10" y="connsiteY10"/>
+              </a:cxn>
+              <a:cxn ang="0">
+                <a:pos x="connsiteX11" y="connsiteY11"/>
+              </a:cxn>
+              <a:cxn ang="0">
+                <a:pos x="connsiteX12" y="connsiteY12"/>
+              </a:cxn>
+              <a:cxn ang="0">
+                <a:pos x="connsiteX13" y="connsiteY13"/>
+              </a:cxn>
+              <a:cxn ang="0">
+                <a:pos x="connsiteX14" y="connsiteY14"/>
+              </a:cxn>
+            </a:cxnLst>
+            <a:rect l="l" t="t" r="r" b="b"/>
+            <a:pathLst>
+              <a:path w="8475260" h="5431810">
+                <a:moveTo>
+                  <a:pt x="1055455" y="0"/>
+                </a:moveTo>
+                <a:lnTo>
+                  <a:pt x="7419805" y="0"/>
+                </a:lnTo>
+                <a:lnTo>
+                  <a:pt x="7419824" y="1"/>
+                </a:lnTo>
+                <a:lnTo>
+                  <a:pt x="8475260" y="1"/>
+                </a:lnTo>
+                <a:lnTo>
+                  <a:pt x="8475260" y="1055455"/>
+                </a:lnTo>
+                <a:lnTo>
+                  <a:pt x="8475260" y="2606723"/>
+                </a:lnTo>
+                <a:lnTo>
+                  <a:pt x="8475260" y="4376354"/>
+                </a:lnTo>
+                <a:cubicBezTo>
+                  <a:pt x="8475260" y="4959266"/>
+                  <a:pt x="8002717" y="5431809"/>
+                  <a:pt x="7419805" y="5431809"/>
+                </a:cubicBezTo>
+                <a:lnTo>
+                  <a:pt x="4148920" y="5431809"/>
+                </a:lnTo>
+                <a:lnTo>
+                  <a:pt x="4148920" y="5431810"/>
+                </a:lnTo>
+                <a:lnTo>
+                  <a:pt x="0" y="5431810"/>
+                </a:lnTo>
+                <a:lnTo>
+                  <a:pt x="0" y="4376354"/>
+                </a:lnTo>
+                <a:lnTo>
+                  <a:pt x="0" y="2825088"/>
+                </a:lnTo>
+                <a:lnTo>
+                  <a:pt x="0" y="1055455"/>
+                </a:lnTo>
+                <a:cubicBezTo>
+                  <a:pt x="0" y="472543"/>
+                  <a:pt x="472543" y="0"/>
+                  <a:pt x="1055455" y="0"/>
+                </a:cubicBezTo>
+                <a:close/>
+              </a:path>
+            </a:pathLst>
+          </a:custGeom>
+          <a:solidFill>
+            <a:schemeClr val="bg1"/>
+          </a:solidFill>
+          <a:ln>
+            <a:noFill/>
+          </a:ln>
+          <a:effectLst>
+            <a:glow rad="228600">
+              <a:schemeClr val="accent3">
+                <a:satMod val="175000"/>
+                <a:alpha val="40000"/>
+              </a:schemeClr>
+            </a:glow>
+          </a:effectLst>
+        </p:spPr>
+        <p:style>
+          <a:lnRef idx="2">
+            <a:schemeClr val="accent1">
+              <a:shade val="50000"/>
+            </a:schemeClr>
+          </a:lnRef>
+          <a:fillRef idx="1">
+            <a:schemeClr val="accent1"/>
+          </a:fillRef>
+          <a:effectRef idx="0">
+            <a:schemeClr val="accent1"/>
+          </a:effectRef>
+          <a:fontRef idx="minor">
+            <a:schemeClr val="lt1"/>
+          </a:fontRef>
+        </p:style>
+        <p:txBody>
+          <a:bodyPr rtlCol="0" anchor="ctr"/>
+          <a:lstStyle/>
+          <a:p>
+            <a:pPr algn="ctr"/>
+            <a:r>
+              <a:rPr lang="en-AU" b="1" dirty="0">
+                <a:latin typeface="Oxygen" panose="02000503000000000000" pitchFamily="2" charset="0"/>
+              </a:rPr>
+              <a:t>e05a</a:t>
+            </a:r>
+          </a:p>
+        </p:txBody>
+      </p:sp>
+      <p:sp>
+        <p:nvSpPr>
+          <p:cNvPr id="2" name="TextBox 1"/>
+          <p:cNvSpPr txBox="1"/>
+          <p:nvPr/>
+        </p:nvSpPr>
+        <p:spPr>
+          <a:xfrm>
+            <a:off x="2589961" y="337130"/>
+            <a:ext cx="4918334" cy="523220"/>
+          </a:xfrm>
+          <a:prstGeom prst="rect">
+            <a:avLst/>
+          </a:prstGeom>
+          <a:noFill/>
+        </p:spPr>
+        <p:txBody>
+          <a:bodyPr wrap="none" rtlCol="0">
+            <a:spAutoFit/>
+          </a:bodyPr>
+          <a:lstStyle/>
+          <a:p>
+            <a:r>
+              <a:rPr lang="en-AU" sz="2800" b="1" u="sng" dirty="0">
+                <a:latin typeface="Oxygen" panose="02000503000000000000" pitchFamily="2" charset="0"/>
+              </a:rPr>
+              <a:t>Visiting Card – HOD English</a:t>
+            </a:r>
+          </a:p>
+        </p:txBody>
+      </p:sp>
+      <p:grpSp>
+        <p:nvGrpSpPr>
+          <p:cNvPr id="7" name="Group 6"/>
+          <p:cNvGrpSpPr/>
+          <p:nvPr/>
+        </p:nvGrpSpPr>
+        <p:grpSpPr>
+          <a:xfrm>
+            <a:off x="2486370" y="3144685"/>
+            <a:ext cx="2471777" cy="1145370"/>
+            <a:chOff x="4600575" y="2600315"/>
+            <a:chExt cx="2990850" cy="1385897"/>
+          </a:xfrm>
+        </p:grpSpPr>
+        <p:pic>
+          <p:nvPicPr>
+            <p:cNvPr id="6" name="Picture 5"/>
+            <p:cNvPicPr>
+              <a:picLocks noChangeAspect="1"/>
+            </p:cNvPicPr>
+            <p:nvPr/>
+          </p:nvPicPr>
+          <p:blipFill>
+            <a:blip r:embed="rId2"/>
+            <a:stretch>
+              <a:fillRect/>
+            </a:stretch>
+          </p:blipFill>
+          <p:spPr>
+            <a:xfrm>
+              <a:off x="4600575" y="2871787"/>
+              <a:ext cx="2990850" cy="1114425"/>
+            </a:xfrm>
+            <a:prstGeom prst="rect">
+              <a:avLst/>
+            </a:prstGeom>
+          </p:spPr>
+        </p:pic>
+        <p:sp>
+          <p:nvSpPr>
+            <p:cNvPr id="10" name="Freeform 9"/>
+            <p:cNvSpPr/>
+            <p:nvPr/>
+          </p:nvSpPr>
+          <p:spPr>
+            <a:xfrm>
+              <a:off x="4739363" y="2600315"/>
+              <a:ext cx="971569" cy="971569"/>
+            </a:xfrm>
+            <a:custGeom>
+              <a:avLst/>
+              <a:gdLst>
+                <a:gd name="connsiteX0" fmla="*/ 1080000 w 2160000"/>
+                <a:gd name="connsiteY0" fmla="*/ 0 h 2160000"/>
+                <a:gd name="connsiteX1" fmla="*/ 2154424 w 2160000"/>
+                <a:gd name="connsiteY1" fmla="*/ 969576 h 2160000"/>
+                <a:gd name="connsiteX2" fmla="*/ 2157027 w 2160000"/>
+                <a:gd name="connsiteY2" fmla="*/ 1021127 h 2160000"/>
+                <a:gd name="connsiteX3" fmla="*/ 2159999 w 2160000"/>
+                <a:gd name="connsiteY3" fmla="*/ 1021127 h 2160000"/>
+                <a:gd name="connsiteX4" fmla="*/ 2159999 w 2160000"/>
+                <a:gd name="connsiteY4" fmla="*/ 1079980 h 2160000"/>
+                <a:gd name="connsiteX5" fmla="*/ 2160000 w 2160000"/>
+                <a:gd name="connsiteY5" fmla="*/ 1080000 h 2160000"/>
+                <a:gd name="connsiteX6" fmla="*/ 2159999 w 2160000"/>
+                <a:gd name="connsiteY6" fmla="*/ 1080021 h 2160000"/>
+                <a:gd name="connsiteX7" fmla="*/ 2159999 w 2160000"/>
+                <a:gd name="connsiteY7" fmla="*/ 1716639 h 2160000"/>
+                <a:gd name="connsiteX8" fmla="*/ 2157838 w 2160000"/>
+                <a:gd name="connsiteY8" fmla="*/ 1716639 h 2160000"/>
+                <a:gd name="connsiteX9" fmla="*/ 2160000 w 2160000"/>
+                <a:gd name="connsiteY9" fmla="*/ 1738544 h 2160000"/>
+                <a:gd name="connsiteX10" fmla="*/ 1891921 w 2160000"/>
+                <a:gd name="connsiteY10" fmla="*/ 2012333 h 2160000"/>
+                <a:gd name="connsiteX11" fmla="*/ 1623842 w 2160000"/>
+                <a:gd name="connsiteY11" fmla="*/ 1738544 h 2160000"/>
+                <a:gd name="connsiteX12" fmla="*/ 1626005 w 2160000"/>
+                <a:gd name="connsiteY12" fmla="*/ 1716639 h 2160000"/>
+                <a:gd name="connsiteX13" fmla="*/ 1620298 w 2160000"/>
+                <a:gd name="connsiteY13" fmla="*/ 1716639 h 2160000"/>
+                <a:gd name="connsiteX14" fmla="*/ 1620298 w 2160000"/>
+                <a:gd name="connsiteY14" fmla="*/ 1090950 h 2160000"/>
+                <a:gd name="connsiteX15" fmla="*/ 1618898 w 2160000"/>
+                <a:gd name="connsiteY15" fmla="*/ 1090937 h 2160000"/>
+                <a:gd name="connsiteX16" fmla="*/ 1620000 w 2160000"/>
+                <a:gd name="connsiteY16" fmla="*/ 1080000 h 2160000"/>
+                <a:gd name="connsiteX17" fmla="*/ 1080000 w 2160000"/>
+                <a:gd name="connsiteY17" fmla="*/ 540000 h 2160000"/>
+                <a:gd name="connsiteX18" fmla="*/ 540000 w 2160000"/>
+                <a:gd name="connsiteY18" fmla="*/ 1080000 h 2160000"/>
+                <a:gd name="connsiteX19" fmla="*/ 1080000 w 2160000"/>
+                <a:gd name="connsiteY19" fmla="*/ 1620000 h 2160000"/>
+                <a:gd name="connsiteX20" fmla="*/ 1172144 w 2160000"/>
+                <a:gd name="connsiteY20" fmla="*/ 1610711 h 2160000"/>
+                <a:gd name="connsiteX21" fmla="*/ 1192722 w 2160000"/>
+                <a:gd name="connsiteY21" fmla="*/ 1599542 h 2160000"/>
+                <a:gd name="connsiteX22" fmla="*/ 1205334 w 2160000"/>
+                <a:gd name="connsiteY22" fmla="*/ 1595627 h 2160000"/>
+                <a:gd name="connsiteX23" fmla="*/ 1218649 w 2160000"/>
+                <a:gd name="connsiteY23" fmla="*/ 1594482 h 2160000"/>
+                <a:gd name="connsiteX24" fmla="*/ 1273176 w 2160000"/>
+                <a:gd name="connsiteY24" fmla="*/ 1581875 h 2160000"/>
+                <a:gd name="connsiteX25" fmla="*/ 1277433 w 2160000"/>
+                <a:gd name="connsiteY25" fmla="*/ 1580379 h 2160000"/>
+                <a:gd name="connsiteX26" fmla="*/ 1297818 w 2160000"/>
+                <a:gd name="connsiteY26" fmla="*/ 1578324 h 2160000"/>
+                <a:gd name="connsiteX27" fmla="*/ 1567818 w 2160000"/>
+                <a:gd name="connsiteY27" fmla="*/ 1848324 h 2160000"/>
+                <a:gd name="connsiteX28" fmla="*/ 1469563 w 2160000"/>
+                <a:gd name="connsiteY28" fmla="*/ 2056669 h 2160000"/>
+                <a:gd name="connsiteX29" fmla="*/ 1412948 w 2160000"/>
+                <a:gd name="connsiteY29" fmla="*/ 2091019 h 2160000"/>
+                <a:gd name="connsiteX30" fmla="*/ 1398272 w 2160000"/>
+                <a:gd name="connsiteY30" fmla="*/ 2101498 h 2160000"/>
+                <a:gd name="connsiteX31" fmla="*/ 1374464 w 2160000"/>
+                <a:gd name="connsiteY31" fmla="*/ 2110955 h 2160000"/>
+                <a:gd name="connsiteX32" fmla="*/ 1376211 w 2160000"/>
+                <a:gd name="connsiteY32" fmla="*/ 2117860 h 2160000"/>
+                <a:gd name="connsiteX33" fmla="*/ 1321962 w 2160000"/>
+                <a:gd name="connsiteY33" fmla="*/ 2131809 h 2160000"/>
+                <a:gd name="connsiteX34" fmla="*/ 1306247 w 2160000"/>
+                <a:gd name="connsiteY34" fmla="*/ 2138051 h 2160000"/>
+                <a:gd name="connsiteX35" fmla="*/ 1267530 w 2160000"/>
+                <a:gd name="connsiteY35" fmla="*/ 2142656 h 2160000"/>
+                <a:gd name="connsiteX36" fmla="*/ 1190424 w 2160000"/>
+                <a:gd name="connsiteY36" fmla="*/ 2154424 h 2160000"/>
+                <a:gd name="connsiteX37" fmla="*/ 1080000 w 2160000"/>
+                <a:gd name="connsiteY37" fmla="*/ 2160000 h 2160000"/>
+                <a:gd name="connsiteX38" fmla="*/ 0 w 2160000"/>
+                <a:gd name="connsiteY38" fmla="*/ 1080000 h 2160000"/>
+                <a:gd name="connsiteX39" fmla="*/ 1080000 w 2160000"/>
+                <a:gd name="connsiteY39" fmla="*/ 0 h 2160000"/>
+              </a:gdLst>
+              <a:ahLst/>
+              <a:cxnLst>
+                <a:cxn ang="0">
+                  <a:pos x="connsiteX0" y="connsiteY0"/>
+                </a:cxn>
+                <a:cxn ang="0">
+                  <a:pos x="connsiteX1" y="connsiteY1"/>
+                </a:cxn>
+                <a:cxn ang="0">
+                  <a:pos x="connsiteX2" y="connsiteY2"/>
+                </a:cxn>
+                <a:cxn ang="0">
+                  <a:pos x="connsiteX3" y="connsiteY3"/>
+                </a:cxn>
+                <a:cxn ang="0">
+                  <a:pos x="connsiteX4" y="connsiteY4"/>
+                </a:cxn>
+                <a:cxn ang="0">
+                  <a:pos x="connsiteX5" y="connsiteY5"/>
+                </a:cxn>
+                <a:cxn ang="0">
+                  <a:pos x="connsiteX6" y="connsiteY6"/>
+                </a:cxn>
+                <a:cxn ang="0">
+                  <a:pos x="connsiteX7" y="connsiteY7"/>
+                </a:cxn>
+                <a:cxn ang="0">
+                  <a:pos x="connsiteX8" y="connsiteY8"/>
+                </a:cxn>
+                <a:cxn ang="0">
+                  <a:pos x="connsiteX9" y="connsiteY9"/>
+                </a:cxn>
+                <a:cxn ang="0">
+                  <a:pos x="connsiteX10" y="connsiteY10"/>
+                </a:cxn>
+                <a:cxn ang="0">
+                  <a:pos x="connsiteX11" y="connsiteY11"/>
+                </a:cxn>
+                <a:cxn ang="0">
+                  <a:pos x="connsiteX12" y="connsiteY12"/>
+                </a:cxn>
+                <a:cxn ang="0">
+                  <a:pos x="connsiteX13" y="connsiteY13"/>
+                </a:cxn>
+                <a:cxn ang="0">
+                  <a:pos x="connsiteX14" y="connsiteY14"/>
+                </a:cxn>
+                <a:cxn ang="0">
+                  <a:pos x="connsiteX15" y="connsiteY15"/>
+                </a:cxn>
+                <a:cxn ang="0">
+                  <a:pos x="connsiteX16" y="connsiteY16"/>
+                </a:cxn>
+                <a:cxn ang="0">
+                  <a:pos x="connsiteX17" y="connsiteY17"/>
+                </a:cxn>
+                <a:cxn ang="0">
+                  <a:pos x="connsiteX18" y="connsiteY18"/>
+                </a:cxn>
+                <a:cxn ang="0">
+                  <a:pos x="connsiteX19" y="connsiteY19"/>
+                </a:cxn>
+                <a:cxn ang="0">
+                  <a:pos x="connsiteX20" y="connsiteY20"/>
+                </a:cxn>
+                <a:cxn ang="0">
+                  <a:pos x="connsiteX21" y="connsiteY21"/>
+                </a:cxn>
+                <a:cxn ang="0">
+                  <a:pos x="connsiteX22" y="connsiteY22"/>
+                </a:cxn>
+                <a:cxn ang="0">
+                  <a:pos x="connsiteX23" y="connsiteY23"/>
+                </a:cxn>
+                <a:cxn ang="0">
+                  <a:pos x="connsiteX24" y="connsiteY24"/>
+                </a:cxn>
+                <a:cxn ang="0">
+                  <a:pos x="connsiteX25" y="connsiteY25"/>
+                </a:cxn>
+                <a:cxn ang="0">
+                  <a:pos x="connsiteX26" y="connsiteY26"/>
+                </a:cxn>
+                <a:cxn ang="0">
+                  <a:pos x="connsiteX27" y="connsiteY27"/>
+                </a:cxn>
+                <a:cxn ang="0">
+                  <a:pos x="connsiteX28" y="connsiteY28"/>
+                </a:cxn>
+                <a:cxn ang="0">
+                  <a:pos x="connsiteX29" y="connsiteY29"/>
+                </a:cxn>
+                <a:cxn ang="0">
+                  <a:pos x="connsiteX30" y="connsiteY30"/>
+                </a:cxn>
+                <a:cxn ang="0">
+                  <a:pos x="connsiteX31" y="connsiteY31"/>
+                </a:cxn>
+                <a:cxn ang="0">
+                  <a:pos x="connsiteX32" y="connsiteY32"/>
+                </a:cxn>
+                <a:cxn ang="0">
+                  <a:pos x="connsiteX33" y="connsiteY33"/>
+                </a:cxn>
+                <a:cxn ang="0">
+                  <a:pos x="connsiteX34" y="connsiteY34"/>
+                </a:cxn>
+                <a:cxn ang="0">
+                  <a:pos x="connsiteX35" y="connsiteY35"/>
+                </a:cxn>
+                <a:cxn ang="0">
+                  <a:pos x="connsiteX36" y="connsiteY36"/>
+                </a:cxn>
+                <a:cxn ang="0">
+                  <a:pos x="connsiteX37" y="connsiteY37"/>
+                </a:cxn>
+                <a:cxn ang="0">
+                  <a:pos x="connsiteX38" y="connsiteY38"/>
+                </a:cxn>
+                <a:cxn ang="0">
+                  <a:pos x="connsiteX39" y="connsiteY39"/>
+                </a:cxn>
+              </a:cxnLst>
+              <a:rect l="l" t="t" r="r" b="b"/>
+              <a:pathLst>
+                <a:path w="2160000" h="2160000">
+                  <a:moveTo>
+                    <a:pt x="1080000" y="0"/>
+                  </a:moveTo>
+                  <a:cubicBezTo>
+                    <a:pt x="1639189" y="0"/>
+                    <a:pt x="2099117" y="424979"/>
+                    <a:pt x="2154424" y="969576"/>
+                  </a:cubicBezTo>
+                  <a:lnTo>
+                    <a:pt x="2157027" y="1021127"/>
+                  </a:lnTo>
+                  <a:lnTo>
+                    <a:pt x="2159999" y="1021127"/>
+                  </a:lnTo>
+                  <a:lnTo>
+                    <a:pt x="2159999" y="1079980"/>
+                  </a:lnTo>
+                  <a:lnTo>
+                    <a:pt x="2160000" y="1080000"/>
+                  </a:lnTo>
+                  <a:lnTo>
+                    <a:pt x="2159999" y="1080021"/>
+                  </a:lnTo>
+                  <a:lnTo>
+                    <a:pt x="2159999" y="1716639"/>
+                  </a:lnTo>
+                  <a:lnTo>
+                    <a:pt x="2157838" y="1716639"/>
+                  </a:lnTo>
+                  <a:lnTo>
+                    <a:pt x="2160000" y="1738544"/>
+                  </a:lnTo>
+                  <a:cubicBezTo>
+                    <a:pt x="2160000" y="1889753"/>
+                    <a:pt x="2039977" y="2012333"/>
+                    <a:pt x="1891921" y="2012333"/>
+                  </a:cubicBezTo>
+                  <a:cubicBezTo>
+                    <a:pt x="1743865" y="2012333"/>
+                    <a:pt x="1623842" y="1889753"/>
+                    <a:pt x="1623842" y="1738544"/>
+                  </a:cubicBezTo>
+                  <a:lnTo>
+                    <a:pt x="1626005" y="1716639"/>
+                  </a:lnTo>
+                  <a:lnTo>
+                    <a:pt x="1620298" y="1716639"/>
+                  </a:lnTo>
+                  <a:lnTo>
+                    <a:pt x="1620298" y="1090950"/>
+                  </a:lnTo>
+                  <a:lnTo>
+                    <a:pt x="1618898" y="1090937"/>
+                  </a:lnTo>
+                  <a:lnTo>
+                    <a:pt x="1620000" y="1080000"/>
+                  </a:lnTo>
+                  <a:cubicBezTo>
+                    <a:pt x="1620000" y="781766"/>
+                    <a:pt x="1378234" y="540000"/>
+                    <a:pt x="1080000" y="540000"/>
+                  </a:cubicBezTo>
+                  <a:cubicBezTo>
+                    <a:pt x="781766" y="540000"/>
+                    <a:pt x="540000" y="781766"/>
+                    <a:pt x="540000" y="1080000"/>
+                  </a:cubicBezTo>
+                  <a:cubicBezTo>
+                    <a:pt x="540000" y="1378234"/>
+                    <a:pt x="781766" y="1620000"/>
+                    <a:pt x="1080000" y="1620000"/>
+                  </a:cubicBezTo>
+                  <a:lnTo>
+                    <a:pt x="1172144" y="1610711"/>
+                  </a:lnTo>
+                  <a:lnTo>
+                    <a:pt x="1192722" y="1599542"/>
+                  </a:lnTo>
+                  <a:lnTo>
+                    <a:pt x="1205334" y="1595627"/>
+                  </a:lnTo>
+                  <a:lnTo>
+                    <a:pt x="1218649" y="1594482"/>
+                  </a:lnTo>
+                  <a:cubicBezTo>
+                    <a:pt x="1237851" y="1591023"/>
+                    <a:pt x="1256099" y="1586790"/>
+                    <a:pt x="1273176" y="1581875"/>
+                  </a:cubicBezTo>
+                  <a:lnTo>
+                    <a:pt x="1277433" y="1580379"/>
+                  </a:lnTo>
+                  <a:lnTo>
+                    <a:pt x="1297818" y="1578324"/>
+                  </a:lnTo>
+                  <a:cubicBezTo>
+                    <a:pt x="1446935" y="1578324"/>
+                    <a:pt x="1567818" y="1699207"/>
+                    <a:pt x="1567818" y="1848324"/>
+                  </a:cubicBezTo>
+                  <a:cubicBezTo>
+                    <a:pt x="1567818" y="1932202"/>
+                    <a:pt x="1529570" y="2007147"/>
+                    <a:pt x="1469563" y="2056669"/>
+                  </a:cubicBezTo>
+                  <a:lnTo>
+                    <a:pt x="1412948" y="2091019"/>
+                  </a:lnTo>
+                  <a:lnTo>
+                    <a:pt x="1398272" y="2101498"/>
+                  </a:lnTo>
+                  <a:lnTo>
+                    <a:pt x="1374464" y="2110955"/>
+                  </a:lnTo>
+                  <a:lnTo>
+                    <a:pt x="1376211" y="2117860"/>
+                  </a:lnTo>
+                  <a:lnTo>
+                    <a:pt x="1321962" y="2131809"/>
+                  </a:lnTo>
+                  <a:lnTo>
+                    <a:pt x="1306247" y="2138051"/>
+                  </a:lnTo>
+                  <a:lnTo>
+                    <a:pt x="1267530" y="2142656"/>
+                  </a:lnTo>
+                  <a:lnTo>
+                    <a:pt x="1190424" y="2154424"/>
+                  </a:lnTo>
+                  <a:cubicBezTo>
+                    <a:pt x="1154118" y="2158111"/>
+                    <a:pt x="1117280" y="2160000"/>
+                    <a:pt x="1080000" y="2160000"/>
+                  </a:cubicBezTo>
+                  <a:cubicBezTo>
+                    <a:pt x="483532" y="2160000"/>
+                    <a:pt x="0" y="1676468"/>
+                    <a:pt x="0" y="1080000"/>
+                  </a:cubicBezTo>
+                  <a:cubicBezTo>
+                    <a:pt x="0" y="483532"/>
+                    <a:pt x="483532" y="0"/>
+                    <a:pt x="1080000" y="0"/>
+                  </a:cubicBezTo>
+                  <a:close/>
+                </a:path>
+              </a:pathLst>
+            </a:custGeom>
+            <a:solidFill>
+              <a:srgbClr val="FF8C52"/>
+            </a:solidFill>
+            <a:ln>
+              <a:solidFill>
+                <a:srgbClr val="FF8C52"/>
+              </a:solidFill>
+            </a:ln>
+          </p:spPr>
+          <p:style>
+            <a:lnRef idx="2">
+              <a:schemeClr val="accent1">
+                <a:shade val="50000"/>
+              </a:schemeClr>
+            </a:lnRef>
+            <a:fillRef idx="1">
+              <a:schemeClr val="accent1"/>
+            </a:fillRef>
+            <a:effectRef idx="0">
+              <a:schemeClr val="accent1"/>
+            </a:effectRef>
+            <a:fontRef idx="minor">
+              <a:schemeClr val="lt1"/>
+            </a:fontRef>
+          </p:style>
+          <p:txBody>
+            <a:bodyPr rtlCol="0" anchor="ctr"/>
+            <a:lstStyle/>
+            <a:p>
+              <a:pPr algn="ctr"/>
+              <a:endParaRPr lang="en-AU" dirty="0">
+                <a:latin typeface="Oxygen" panose="02000503000000000000" pitchFamily="2" charset="0"/>
+              </a:endParaRPr>
+            </a:p>
+          </p:txBody>
+        </p:sp>
+      </p:grpSp>
+      <p:sp>
+        <p:nvSpPr>
+          <p:cNvPr id="13" name="Rectangle 12"/>
+          <p:cNvSpPr/>
+          <p:nvPr/>
+        </p:nvSpPr>
+        <p:spPr>
+          <a:xfrm>
+            <a:off x="5329234" y="1311674"/>
+            <a:ext cx="36000" cy="5040000"/>
+          </a:xfrm>
+          <a:prstGeom prst="rect">
+            <a:avLst/>
+          </a:prstGeom>
+          <a:gradFill>
+            <a:gsLst>
+              <a:gs pos="0">
+                <a:schemeClr val="bg1"/>
+              </a:gs>
+              <a:gs pos="60000">
+                <a:srgbClr val="FF8C52"/>
+              </a:gs>
+              <a:gs pos="40000">
+                <a:srgbClr val="FF8C52"/>
+              </a:gs>
+              <a:gs pos="20000">
+                <a:schemeClr val="bg1"/>
+              </a:gs>
+              <a:gs pos="80000">
+                <a:schemeClr val="bg1"/>
+              </a:gs>
+              <a:gs pos="100000">
+                <a:schemeClr val="bg1"/>
+              </a:gs>
+            </a:gsLst>
+            <a:lin ang="5400000" scaled="1"/>
+          </a:gradFill>
+          <a:ln>
+            <a:noFill/>
+          </a:ln>
+        </p:spPr>
+        <p:style>
+          <a:lnRef idx="2">
+            <a:schemeClr val="accent1">
+              <a:shade val="50000"/>
+            </a:schemeClr>
+          </a:lnRef>
+          <a:fillRef idx="1">
+            <a:schemeClr val="accent1"/>
+          </a:fillRef>
+          <a:effectRef idx="0">
+            <a:schemeClr val="accent1"/>
+          </a:effectRef>
+          <a:fontRef idx="minor">
+            <a:schemeClr val="lt1"/>
+          </a:fontRef>
+        </p:style>
+        <p:txBody>
+          <a:bodyPr rtlCol="0" anchor="ctr"/>
+          <a:lstStyle/>
+          <a:p>
+            <a:pPr algn="ctr"/>
+            <a:endParaRPr lang="en-AU">
+              <a:latin typeface="Oxygen" panose="02000503000000000000" pitchFamily="2" charset="0"/>
+            </a:endParaRPr>
+          </a:p>
+        </p:txBody>
+      </p:sp>
+      <p:sp>
+        <p:nvSpPr>
+          <p:cNvPr id="15" name="Rectangle 14"/>
+          <p:cNvSpPr/>
+          <p:nvPr/>
+        </p:nvSpPr>
+        <p:spPr>
+          <a:xfrm>
+            <a:off x="6364914" y="4959786"/>
+            <a:ext cx="1880643" cy="400110"/>
+          </a:xfrm>
+          <a:prstGeom prst="rect">
+            <a:avLst/>
+          </a:prstGeom>
+        </p:spPr>
+        <p:txBody>
+          <a:bodyPr wrap="none">
+            <a:spAutoFit/>
+          </a:bodyPr>
+          <a:lstStyle/>
+          <a:p>
+            <a:r>
+              <a:rPr lang="en-AU" b="1" dirty="0">
+                <a:solidFill>
+                  <a:srgbClr val="002060"/>
+                </a:solidFill>
+                <a:latin typeface="Oxygen" panose="02000503000000000000" pitchFamily="2" charset="0"/>
+              </a:rPr>
+              <a:t> </a:t>
+            </a:r>
+            <a:r>
+              <a:rPr lang="en-AU" sz="2000" b="1" dirty="0">
+                <a:solidFill>
+                  <a:srgbClr val="002060"/>
+                </a:solidFill>
+                <a:latin typeface="Oxygen" panose="02000503000000000000" pitchFamily="2" charset="0"/>
+              </a:rPr>
+              <a:t>anodiam.com</a:t>
+            </a:r>
+            <a:endParaRPr lang="en-AU" sz="2000" dirty="0">
+              <a:latin typeface="Oxygen" panose="02000503000000000000" pitchFamily="2" charset="0"/>
+            </a:endParaRPr>
+          </a:p>
+        </p:txBody>
+      </p:sp>
+      <p:sp>
+        <p:nvSpPr>
+          <p:cNvPr id="16" name="TextBox 15"/>
+          <p:cNvSpPr txBox="1"/>
+          <p:nvPr/>
+        </p:nvSpPr>
+        <p:spPr>
+          <a:xfrm>
+            <a:off x="6150551" y="2250755"/>
+            <a:ext cx="3089307" cy="2800767"/>
+          </a:xfrm>
+          <a:prstGeom prst="rect">
+            <a:avLst/>
+          </a:prstGeom>
+          <a:noFill/>
+        </p:spPr>
+        <p:txBody>
+          <a:bodyPr wrap="none" rtlCol="0">
+            <a:spAutoFit/>
+          </a:bodyPr>
+          <a:lstStyle/>
+          <a:p>
+            <a:pPr lvl="0">
+              <a:spcAft>
+                <a:spcPts val="600"/>
+              </a:spcAft>
+            </a:pPr>
+            <a:r>
+              <a:rPr lang="en-AU" b="1" dirty="0">
+                <a:solidFill>
+                  <a:prstClr val="black"/>
+                </a:solidFill>
+                <a:latin typeface="Oxygen" panose="02000503000000000000" pitchFamily="2" charset="0"/>
+              </a:rPr>
+              <a:t>Mr. Rahul Dutta</a:t>
+            </a:r>
+          </a:p>
+          <a:p>
+            <a:pPr lvl="0">
+              <a:spcAft>
+                <a:spcPts val="600"/>
+              </a:spcAft>
+            </a:pPr>
+            <a:r>
+              <a:rPr lang="en-AU" sz="1400" b="1" dirty="0">
+                <a:solidFill>
+                  <a:prstClr val="black"/>
+                </a:solidFill>
+                <a:latin typeface="Oxygen" panose="02000503000000000000" pitchFamily="2" charset="0"/>
+              </a:rPr>
+              <a:t>H.O.D. English</a:t>
+            </a:r>
+          </a:p>
+          <a:p>
+            <a:pPr lvl="0">
+              <a:spcAft>
+                <a:spcPts val="600"/>
+              </a:spcAft>
+            </a:pPr>
+            <a:r>
+              <a:rPr lang="en-AU" sz="1400" b="1" dirty="0">
+                <a:solidFill>
+                  <a:prstClr val="black"/>
+                </a:solidFill>
+                <a:latin typeface="Oxygen" panose="02000503000000000000" pitchFamily="2" charset="0"/>
+              </a:rPr>
+              <a:t>M.A.(English), D.R.S.</a:t>
+            </a:r>
+          </a:p>
+          <a:p>
+            <a:pPr lvl="0">
+              <a:lnSpc>
+                <a:spcPct val="250000"/>
+              </a:lnSpc>
+              <a:spcAft>
+                <a:spcPts val="600"/>
+              </a:spcAft>
+            </a:pPr>
+            <a:r>
+              <a:rPr lang="en-AU" sz="1400" b="1" dirty="0">
+                <a:solidFill>
+                  <a:prstClr val="black"/>
+                </a:solidFill>
+                <a:latin typeface="Oxygen" panose="02000503000000000000" pitchFamily="2" charset="0"/>
+              </a:rPr>
+              <a:t>      </a:t>
+            </a:r>
+            <a:r>
+              <a:rPr lang="en-AU" sz="1400" b="1" dirty="0">
+                <a:solidFill>
+                  <a:prstClr val="black"/>
+                </a:solidFill>
+                <a:latin typeface="Oxygen" panose="02000503000000000000" pitchFamily="2" charset="0"/>
+                <a:hlinkClick r:id="rId3"/>
+              </a:rPr>
+              <a:t>remdutta13</a:t>
+            </a:r>
+            <a:r>
+              <a:rPr lang="en-AU" sz="1400" b="1" u="sng" dirty="0">
+                <a:solidFill>
+                  <a:srgbClr val="002060"/>
+                </a:solidFill>
+                <a:latin typeface="Oxygen" panose="02000503000000000000" pitchFamily="2" charset="0"/>
+                <a:hlinkClick r:id="rId3"/>
+              </a:rPr>
+              <a:t>@gmail.com</a:t>
+            </a:r>
+            <a:endParaRPr lang="en-AU" sz="1400" b="1" u="sng" dirty="0">
+              <a:solidFill>
+                <a:srgbClr val="002060"/>
+              </a:solidFill>
+              <a:latin typeface="Oxygen" panose="02000503000000000000" pitchFamily="2" charset="0"/>
+            </a:endParaRPr>
+          </a:p>
+          <a:p>
+            <a:pPr lvl="0">
+              <a:lnSpc>
+                <a:spcPct val="200000"/>
+              </a:lnSpc>
+            </a:pPr>
+            <a:r>
+              <a:rPr lang="en-AU" sz="1400" b="1" dirty="0">
+                <a:latin typeface="Oxygen" panose="02000503000000000000" pitchFamily="2" charset="0"/>
+              </a:rPr>
+              <a:t>      +91 81004 36512</a:t>
+            </a:r>
+          </a:p>
+          <a:p>
+            <a:pPr lvl="0">
+              <a:lnSpc>
+                <a:spcPct val="200000"/>
+              </a:lnSpc>
+              <a:spcAft>
+                <a:spcPts val="600"/>
+              </a:spcAft>
+            </a:pPr>
+            <a:r>
+              <a:rPr lang="en-AU" sz="1400" b="1" dirty="0">
+                <a:latin typeface="Oxygen" panose="02000503000000000000" pitchFamily="2" charset="0"/>
+              </a:rPr>
+              <a:t>      N - 1/25 Patuli, Kolkata 700094</a:t>
+            </a:r>
+          </a:p>
+          <a:p>
+            <a:pPr lvl="0"/>
+            <a:r>
+              <a:rPr lang="en-AU" sz="1400" b="1" dirty="0">
+                <a:solidFill>
+                  <a:schemeClr val="bg1">
+                    <a:lumMod val="65000"/>
+                  </a:schemeClr>
+                </a:solidFill>
+                <a:latin typeface="Oxygen" panose="02000503000000000000" pitchFamily="2" charset="0"/>
+              </a:rPr>
+              <a:t>    </a:t>
+            </a:r>
+          </a:p>
+        </p:txBody>
+      </p:sp>
+      <p:sp>
+        <p:nvSpPr>
+          <p:cNvPr id="17" name="Freeform: Shape 16">
+            <a:extLst>
+              <a:ext uri="{FF2B5EF4-FFF2-40B4-BE49-F238E27FC236}">
+                <a16:creationId xmlns:a16="http://schemas.microsoft.com/office/drawing/2014/main" id="{AFF9FF99-0A06-41A7-BC2C-5003B49B20A1}"/>
+              </a:ext>
+            </a:extLst>
+          </p:cNvPr>
+          <p:cNvSpPr/>
+          <p:nvPr/>
+        </p:nvSpPr>
+        <p:spPr>
+          <a:xfrm rot="8100000">
+            <a:off x="6202743" y="4367127"/>
+            <a:ext cx="252000" cy="252000"/>
+          </a:xfrm>
+          <a:custGeom>
+            <a:avLst/>
+            <a:gdLst>
+              <a:gd name="connsiteX0" fmla="*/ 93671 w 252000"/>
+              <a:gd name="connsiteY0" fmla="*/ 158330 h 252000"/>
+              <a:gd name="connsiteX1" fmla="*/ 158329 w 252000"/>
+              <a:gd name="connsiteY1" fmla="*/ 158330 h 252000"/>
+              <a:gd name="connsiteX2" fmla="*/ 158329 w 252000"/>
+              <a:gd name="connsiteY2" fmla="*/ 93672 h 252000"/>
+              <a:gd name="connsiteX3" fmla="*/ 93671 w 252000"/>
+              <a:gd name="connsiteY3" fmla="*/ 93672 h 252000"/>
+              <a:gd name="connsiteX4" fmla="*/ 93671 w 252000"/>
+              <a:gd name="connsiteY4" fmla="*/ 158330 h 252000"/>
+              <a:gd name="connsiteX5" fmla="*/ 36905 w 252000"/>
+              <a:gd name="connsiteY5" fmla="*/ 215095 h 252000"/>
+              <a:gd name="connsiteX6" fmla="*/ 0 w 252000"/>
+              <a:gd name="connsiteY6" fmla="*/ 126000 h 252000"/>
+              <a:gd name="connsiteX7" fmla="*/ 126000 w 252000"/>
+              <a:gd name="connsiteY7" fmla="*/ 0 h 252000"/>
+              <a:gd name="connsiteX8" fmla="*/ 252000 w 252000"/>
+              <a:gd name="connsiteY8" fmla="*/ 0 h 252000"/>
+              <a:gd name="connsiteX9" fmla="*/ 252000 w 252000"/>
+              <a:gd name="connsiteY9" fmla="*/ 126000 h 252000"/>
+              <a:gd name="connsiteX10" fmla="*/ 126000 w 252000"/>
+              <a:gd name="connsiteY10" fmla="*/ 252000 h 252000"/>
+              <a:gd name="connsiteX11" fmla="*/ 36905 w 252000"/>
+              <a:gd name="connsiteY11" fmla="*/ 215095 h 252000"/>
+            </a:gdLst>
+            <a:ahLst/>
+            <a:cxnLst>
+              <a:cxn ang="0">
+                <a:pos x="connsiteX0" y="connsiteY0"/>
+              </a:cxn>
+              <a:cxn ang="0">
+                <a:pos x="connsiteX1" y="connsiteY1"/>
+              </a:cxn>
+              <a:cxn ang="0">
+                <a:pos x="connsiteX2" y="connsiteY2"/>
+              </a:cxn>
+              <a:cxn ang="0">
+                <a:pos x="connsiteX3" y="connsiteY3"/>
+              </a:cxn>
+              <a:cxn ang="0">
+                <a:pos x="connsiteX4" y="connsiteY4"/>
+              </a:cxn>
+              <a:cxn ang="0">
+                <a:pos x="connsiteX5" y="connsiteY5"/>
+              </a:cxn>
+              <a:cxn ang="0">
+                <a:pos x="connsiteX6" y="connsiteY6"/>
+              </a:cxn>
+              <a:cxn ang="0">
+                <a:pos x="connsiteX7" y="connsiteY7"/>
+              </a:cxn>
+              <a:cxn ang="0">
+                <a:pos x="connsiteX8" y="connsiteY8"/>
+              </a:cxn>
+              <a:cxn ang="0">
+                <a:pos x="connsiteX9" y="connsiteY9"/>
+              </a:cxn>
+              <a:cxn ang="0">
+                <a:pos x="connsiteX10" y="connsiteY10"/>
+              </a:cxn>
+              <a:cxn ang="0">
+                <a:pos x="connsiteX11" y="connsiteY11"/>
+              </a:cxn>
+            </a:cxnLst>
+            <a:rect l="l" t="t" r="r" b="b"/>
+            <a:pathLst>
+              <a:path w="252000" h="252000">
+                <a:moveTo>
+                  <a:pt x="93671" y="158330"/>
+                </a:moveTo>
+                <a:cubicBezTo>
+                  <a:pt x="111526" y="176185"/>
+                  <a:pt x="140474" y="176185"/>
+                  <a:pt x="158329" y="158330"/>
+                </a:cubicBezTo>
+                <a:cubicBezTo>
+                  <a:pt x="176183" y="140476"/>
+                  <a:pt x="176183" y="111527"/>
+                  <a:pt x="158329" y="93672"/>
+                </a:cubicBezTo>
+                <a:cubicBezTo>
+                  <a:pt x="140474" y="75818"/>
+                  <a:pt x="111526" y="75818"/>
+                  <a:pt x="93671" y="93672"/>
+                </a:cubicBezTo>
+                <a:cubicBezTo>
+                  <a:pt x="75817" y="111527"/>
+                  <a:pt x="75817" y="140476"/>
+                  <a:pt x="93671" y="158330"/>
+                </a:cubicBezTo>
+                <a:close/>
+                <a:moveTo>
+                  <a:pt x="36905" y="215095"/>
+                </a:moveTo>
+                <a:cubicBezTo>
+                  <a:pt x="14103" y="192294"/>
+                  <a:pt x="0" y="160794"/>
+                  <a:pt x="0" y="126000"/>
+                </a:cubicBezTo>
+                <a:cubicBezTo>
+                  <a:pt x="0" y="56412"/>
+                  <a:pt x="56412" y="0"/>
+                  <a:pt x="126000" y="0"/>
+                </a:cubicBezTo>
+                <a:lnTo>
+                  <a:pt x="252000" y="0"/>
+                </a:lnTo>
+                <a:lnTo>
+                  <a:pt x="252000" y="126000"/>
+                </a:lnTo>
+                <a:cubicBezTo>
+                  <a:pt x="252000" y="195588"/>
+                  <a:pt x="195588" y="252000"/>
+                  <a:pt x="126000" y="252000"/>
+                </a:cubicBezTo>
+                <a:cubicBezTo>
+                  <a:pt x="91206" y="252000"/>
+                  <a:pt x="59706" y="237897"/>
+                  <a:pt x="36905" y="215095"/>
+                </a:cubicBezTo>
+                <a:close/>
+              </a:path>
+            </a:pathLst>
+          </a:custGeom>
+          <a:solidFill>
+            <a:srgbClr val="FF8C52"/>
+          </a:solidFill>
+          <a:ln>
+            <a:noFill/>
+          </a:ln>
+        </p:spPr>
+        <p:style>
+          <a:lnRef idx="2">
+            <a:schemeClr val="accent1">
+              <a:shade val="50000"/>
+            </a:schemeClr>
+          </a:lnRef>
+          <a:fillRef idx="1">
+            <a:schemeClr val="accent1"/>
+          </a:fillRef>
+          <a:effectRef idx="0">
+            <a:schemeClr val="accent1"/>
+          </a:effectRef>
+          <a:fontRef idx="minor">
+            <a:schemeClr val="lt1"/>
+          </a:fontRef>
+        </p:style>
+        <p:txBody>
+          <a:bodyPr wrap="square" rtlCol="0" anchor="ctr">
+            <a:noAutofit/>
+          </a:bodyPr>
+          <a:lstStyle/>
+          <a:p>
+            <a:pPr algn="ctr"/>
+            <a:endParaRPr lang="en-AU"/>
+          </a:p>
+        </p:txBody>
+      </p:sp>
+      <p:sp>
+        <p:nvSpPr>
+          <p:cNvPr id="14" name="Isosceles Triangle 13">
+            <a:extLst>
+              <a:ext uri="{FF2B5EF4-FFF2-40B4-BE49-F238E27FC236}">
+                <a16:creationId xmlns:a16="http://schemas.microsoft.com/office/drawing/2014/main" id="{30DE4366-3134-4E79-AD07-B89C53ABF78F}"/>
+              </a:ext>
+            </a:extLst>
+          </p:cNvPr>
+          <p:cNvSpPr/>
+          <p:nvPr/>
+        </p:nvSpPr>
+        <p:spPr>
+          <a:xfrm>
+            <a:off x="6205943" y="3425648"/>
+            <a:ext cx="248888" cy="123663"/>
+          </a:xfrm>
+          <a:prstGeom prst="triangle">
+            <a:avLst/>
+          </a:prstGeom>
+          <a:solidFill>
+            <a:srgbClr val="FF8C52"/>
+          </a:solidFill>
+          <a:ln>
+            <a:noFill/>
+          </a:ln>
+        </p:spPr>
+        <p:style>
+          <a:lnRef idx="2">
+            <a:schemeClr val="accent1">
+              <a:shade val="50000"/>
+            </a:schemeClr>
+          </a:lnRef>
+          <a:fillRef idx="1">
+            <a:schemeClr val="accent1"/>
+          </a:fillRef>
+          <a:effectRef idx="0">
+            <a:schemeClr val="accent1"/>
+          </a:effectRef>
+          <a:fontRef idx="minor">
+            <a:schemeClr val="lt1"/>
+          </a:fontRef>
+        </p:style>
+        <p:txBody>
+          <a:bodyPr rtlCol="0" anchor="ctr"/>
+          <a:lstStyle/>
+          <a:p>
+            <a:pPr algn="ctr"/>
+            <a:endParaRPr lang="en-AU"/>
+          </a:p>
+        </p:txBody>
+      </p:sp>
+      <p:sp>
+        <p:nvSpPr>
+          <p:cNvPr id="18" name="Isosceles Triangle 17">
+            <a:extLst>
+              <a:ext uri="{FF2B5EF4-FFF2-40B4-BE49-F238E27FC236}">
+                <a16:creationId xmlns:a16="http://schemas.microsoft.com/office/drawing/2014/main" id="{98AD1FB3-B4A2-47EF-AEBA-9BB3D41DBFE9}"/>
+              </a:ext>
+            </a:extLst>
+          </p:cNvPr>
+          <p:cNvSpPr/>
+          <p:nvPr/>
+        </p:nvSpPr>
+        <p:spPr>
+          <a:xfrm rot="10800000">
+            <a:off x="6219337" y="3547500"/>
+            <a:ext cx="226262" cy="123664"/>
+          </a:xfrm>
+          <a:prstGeom prst="triangle">
+            <a:avLst/>
+          </a:prstGeom>
+          <a:solidFill>
+            <a:srgbClr val="FFAD52"/>
+          </a:solidFill>
+          <a:ln>
+            <a:noFill/>
+          </a:ln>
+        </p:spPr>
+        <p:style>
+          <a:lnRef idx="2">
+            <a:schemeClr val="accent1">
+              <a:shade val="50000"/>
+            </a:schemeClr>
+          </a:lnRef>
+          <a:fillRef idx="1">
+            <a:schemeClr val="accent1"/>
+          </a:fillRef>
+          <a:effectRef idx="0">
+            <a:schemeClr val="accent1"/>
+          </a:effectRef>
+          <a:fontRef idx="minor">
+            <a:schemeClr val="lt1"/>
+          </a:fontRef>
+        </p:style>
+        <p:txBody>
+          <a:bodyPr rtlCol="0" anchor="ctr"/>
+          <a:lstStyle/>
+          <a:p>
+            <a:pPr algn="ctr"/>
+            <a:endParaRPr lang="en-AU"/>
+          </a:p>
+        </p:txBody>
+      </p:sp>
+      <p:sp>
+        <p:nvSpPr>
+          <p:cNvPr id="19" name="TextBox 18">
+            <a:extLst>
+              <a:ext uri="{FF2B5EF4-FFF2-40B4-BE49-F238E27FC236}">
+                <a16:creationId xmlns:a16="http://schemas.microsoft.com/office/drawing/2014/main" id="{F357C0F4-92A3-4AE9-8FC3-DEADDEB99F27}"/>
+              </a:ext>
+            </a:extLst>
+          </p:cNvPr>
+          <p:cNvSpPr txBox="1"/>
+          <p:nvPr/>
+        </p:nvSpPr>
+        <p:spPr>
+          <a:xfrm>
+            <a:off x="6158752" y="3403897"/>
+            <a:ext cx="258290" cy="307777"/>
+          </a:xfrm>
+          <a:prstGeom prst="rect">
+            <a:avLst/>
+          </a:prstGeom>
+          <a:noFill/>
+        </p:spPr>
+        <p:txBody>
+          <a:bodyPr wrap="square" rtlCol="0">
+            <a:spAutoFit/>
+          </a:bodyPr>
+          <a:lstStyle/>
+          <a:p>
+            <a:r>
+              <a:rPr lang="en-US" sz="1400" b="1" dirty="0">
+                <a:solidFill>
+                  <a:schemeClr val="bg1"/>
+                </a:solidFill>
+                <a:latin typeface="Oxygen" panose="02000503000000000000" pitchFamily="2" charset="0"/>
+              </a:rPr>
+              <a:t>@</a:t>
+            </a:r>
+            <a:endParaRPr lang="en-AU" sz="1400" b="1" dirty="0">
+              <a:solidFill>
+                <a:schemeClr val="bg1"/>
+              </a:solidFill>
+              <a:latin typeface="Oxygen" panose="02000503000000000000" pitchFamily="2" charset="0"/>
+            </a:endParaRPr>
+          </a:p>
+        </p:txBody>
+      </p:sp>
+      <p:sp>
+        <p:nvSpPr>
+          <p:cNvPr id="21" name="Freeform: Shape 20">
+            <a:extLst>
+              <a:ext uri="{FF2B5EF4-FFF2-40B4-BE49-F238E27FC236}">
+                <a16:creationId xmlns:a16="http://schemas.microsoft.com/office/drawing/2014/main" id="{44090025-7000-4D7D-A74F-0D5873C3CE90}"/>
+              </a:ext>
+            </a:extLst>
+          </p:cNvPr>
+          <p:cNvSpPr/>
+          <p:nvPr/>
+        </p:nvSpPr>
+        <p:spPr>
+          <a:xfrm>
+            <a:off x="6205943" y="3550788"/>
+            <a:ext cx="248888" cy="160489"/>
+          </a:xfrm>
+          <a:custGeom>
+            <a:avLst/>
+            <a:gdLst>
+              <a:gd name="connsiteX0" fmla="*/ 14525 w 273777"/>
+              <a:gd name="connsiteY0" fmla="*/ 476 h 194191"/>
+              <a:gd name="connsiteX1" fmla="*/ 138969 w 273777"/>
+              <a:gd name="connsiteY1" fmla="*/ 124139 h 194191"/>
+              <a:gd name="connsiteX2" fmla="*/ 263413 w 273777"/>
+              <a:gd name="connsiteY2" fmla="*/ 476 h 194191"/>
+              <a:gd name="connsiteX3" fmla="*/ 0 w 273777"/>
+              <a:gd name="connsiteY3" fmla="*/ 0 h 194191"/>
+              <a:gd name="connsiteX4" fmla="*/ 273777 w 273777"/>
+              <a:gd name="connsiteY4" fmla="*/ 0 h 194191"/>
+              <a:gd name="connsiteX5" fmla="*/ 273777 w 273777"/>
+              <a:gd name="connsiteY5" fmla="*/ 194191 h 194191"/>
+              <a:gd name="connsiteX6" fmla="*/ 0 w 273777"/>
+              <a:gd name="connsiteY6" fmla="*/ 194191 h 194191"/>
+            </a:gdLst>
+            <a:ahLst/>
+            <a:cxnLst>
+              <a:cxn ang="0">
+                <a:pos x="connsiteX0" y="connsiteY0"/>
+              </a:cxn>
+              <a:cxn ang="0">
+                <a:pos x="connsiteX1" y="connsiteY1"/>
+              </a:cxn>
+              <a:cxn ang="0">
+                <a:pos x="connsiteX2" y="connsiteY2"/>
+              </a:cxn>
+              <a:cxn ang="0">
+                <a:pos x="connsiteX3" y="connsiteY3"/>
+              </a:cxn>
+              <a:cxn ang="0">
+                <a:pos x="connsiteX4" y="connsiteY4"/>
+              </a:cxn>
+              <a:cxn ang="0">
+                <a:pos x="connsiteX5" y="connsiteY5"/>
+              </a:cxn>
+              <a:cxn ang="0">
+                <a:pos x="connsiteX6" y="connsiteY6"/>
+              </a:cxn>
+            </a:cxnLst>
+            <a:rect l="l" t="t" r="r" b="b"/>
+            <a:pathLst>
+              <a:path w="273777" h="194191">
+                <a:moveTo>
+                  <a:pt x="14525" y="476"/>
+                </a:moveTo>
+                <a:lnTo>
+                  <a:pt x="138969" y="124139"/>
+                </a:lnTo>
+                <a:lnTo>
+                  <a:pt x="263413" y="476"/>
+                </a:lnTo>
+                <a:close/>
+                <a:moveTo>
+                  <a:pt x="0" y="0"/>
+                </a:moveTo>
+                <a:lnTo>
+                  <a:pt x="273777" y="0"/>
+                </a:lnTo>
+                <a:lnTo>
+                  <a:pt x="273777" y="194191"/>
+                </a:lnTo>
+                <a:lnTo>
+                  <a:pt x="0" y="194191"/>
+                </a:lnTo>
+                <a:close/>
+              </a:path>
+            </a:pathLst>
+          </a:custGeom>
+          <a:solidFill>
+            <a:srgbClr val="FF8C52"/>
+          </a:solidFill>
+          <a:ln>
+            <a:noFill/>
+          </a:ln>
+        </p:spPr>
+        <p:style>
+          <a:lnRef idx="2">
+            <a:schemeClr val="accent1">
+              <a:shade val="50000"/>
+            </a:schemeClr>
+          </a:lnRef>
+          <a:fillRef idx="1">
+            <a:schemeClr val="accent1"/>
+          </a:fillRef>
+          <a:effectRef idx="0">
+            <a:schemeClr val="accent1"/>
+          </a:effectRef>
+          <a:fontRef idx="minor">
+            <a:schemeClr val="lt1"/>
+          </a:fontRef>
+        </p:style>
+        <p:txBody>
+          <a:bodyPr wrap="square" rtlCol="0" anchor="ctr">
+            <a:noAutofit/>
+          </a:bodyPr>
+          <a:lstStyle/>
+          <a:p>
+            <a:pPr algn="ctr"/>
+            <a:endParaRPr lang="en-AU"/>
+          </a:p>
+        </p:txBody>
+      </p:sp>
+      <p:pic>
+        <p:nvPicPr>
+          <p:cNvPr id="25" name="Picture 24">
+            <a:extLst>
+              <a:ext uri="{FF2B5EF4-FFF2-40B4-BE49-F238E27FC236}">
+                <a16:creationId xmlns:a16="http://schemas.microsoft.com/office/drawing/2014/main" id="{FEFC668B-EF80-45D1-9927-60145DF3ED1B}"/>
+              </a:ext>
+            </a:extLst>
+          </p:cNvPr>
+          <p:cNvPicPr>
+            <a:picLocks noChangeAspect="1"/>
+          </p:cNvPicPr>
+          <p:nvPr/>
+        </p:nvPicPr>
+        <p:blipFill>
+          <a:blip r:embed="rId4"/>
+          <a:stretch>
+            <a:fillRect/>
+          </a:stretch>
+        </p:blipFill>
+        <p:spPr>
+          <a:xfrm>
+            <a:off x="6154284" y="3905347"/>
+            <a:ext cx="313738" cy="310434"/>
+          </a:xfrm>
+          <a:prstGeom prst="rect">
+            <a:avLst/>
+          </a:prstGeom>
+        </p:spPr>
+      </p:pic>
+      <p:pic>
+        <p:nvPicPr>
+          <p:cNvPr id="29" name="Picture 28">
+            <a:extLst>
+              <a:ext uri="{FF2B5EF4-FFF2-40B4-BE49-F238E27FC236}">
+                <a16:creationId xmlns:a16="http://schemas.microsoft.com/office/drawing/2014/main" id="{DF666D98-6E40-4127-BB7F-A63B9E925409}"/>
+              </a:ext>
+            </a:extLst>
+          </p:cNvPr>
+          <p:cNvPicPr>
+            <a:picLocks noChangeAspect="1"/>
+          </p:cNvPicPr>
+          <p:nvPr/>
+        </p:nvPicPr>
+        <p:blipFill>
+          <a:blip r:embed="rId5"/>
+          <a:stretch>
+            <a:fillRect/>
+          </a:stretch>
+        </p:blipFill>
+        <p:spPr>
+          <a:xfrm>
+            <a:off x="6222560" y="5077766"/>
+            <a:ext cx="230977" cy="230977"/>
+          </a:xfrm>
+          <a:prstGeom prst="rect">
+            <a:avLst/>
+          </a:prstGeom>
+        </p:spPr>
+      </p:pic>
+    </p:spTree>
+    <p:extLst>
+      <p:ext uri="{BB962C8B-B14F-4D97-AF65-F5344CB8AC3E}">
+        <p14:creationId xmlns:p14="http://schemas.microsoft.com/office/powerpoint/2010/main" val="240708662"/>
+      </p:ext>
+    </p:extLst>
+  </p:cSld>
+  <p:clrMapOvr>
+    <a:masterClrMapping/>
+  </p:clrMapOvr>
+</p:sld>
+</file>
+
+<file path=ppt/slides/slide9.xml><?xml version="1.0" encoding="utf-8"?>
+<p:sld xmlns:a="http://schemas.openxmlformats.org/drawingml/2006/main" xmlns:r="http://schemas.openxmlformats.org/officeDocument/2006/relationships" xmlns:p="http://schemas.openxmlformats.org/presentationml/2006/main">
+  <p:cSld>
+    <p:spTree>
+      <p:nvGrpSpPr>
+        <p:cNvPr id="1" name=""/>
+        <p:cNvGrpSpPr/>
+        <p:nvPr/>
+      </p:nvGrpSpPr>
+      <p:grpSpPr>
+        <a:xfrm>
+          <a:off x="0" y="0"/>
+          <a:ext cx="0" cy="0"/>
+          <a:chOff x="0" y="0"/>
+          <a:chExt cx="0" cy="0"/>
+        </a:xfrm>
+      </p:grpSpPr>
+      <p:sp>
+        <p:nvSpPr>
+          <p:cNvPr id="8" name="Freeform 7"/>
+          <p:cNvSpPr/>
+          <p:nvPr/>
+        </p:nvSpPr>
+        <p:spPr>
+          <a:xfrm>
+            <a:off x="1971670" y="1309434"/>
+            <a:ext cx="7560000" cy="5040000"/>
+          </a:xfrm>
+          <a:custGeom>
+            <a:avLst/>
+            <a:gdLst>
+              <a:gd name="connsiteX0" fmla="*/ 1055455 w 8475260"/>
+              <a:gd name="connsiteY0" fmla="*/ 0 h 5431810"/>
+              <a:gd name="connsiteX1" fmla="*/ 7419805 w 8475260"/>
+              <a:gd name="connsiteY1" fmla="*/ 0 h 5431810"/>
+              <a:gd name="connsiteX2" fmla="*/ 7419824 w 8475260"/>
+              <a:gd name="connsiteY2" fmla="*/ 1 h 5431810"/>
+              <a:gd name="connsiteX3" fmla="*/ 8475260 w 8475260"/>
+              <a:gd name="connsiteY3" fmla="*/ 1 h 5431810"/>
+              <a:gd name="connsiteX4" fmla="*/ 8475260 w 8475260"/>
+              <a:gd name="connsiteY4" fmla="*/ 1055455 h 5431810"/>
+              <a:gd name="connsiteX5" fmla="*/ 8475260 w 8475260"/>
+              <a:gd name="connsiteY5" fmla="*/ 2606723 h 5431810"/>
+              <a:gd name="connsiteX6" fmla="*/ 8475260 w 8475260"/>
+              <a:gd name="connsiteY6" fmla="*/ 4376354 h 5431810"/>
+              <a:gd name="connsiteX7" fmla="*/ 7419805 w 8475260"/>
+              <a:gd name="connsiteY7" fmla="*/ 5431809 h 5431810"/>
+              <a:gd name="connsiteX8" fmla="*/ 4148920 w 8475260"/>
+              <a:gd name="connsiteY8" fmla="*/ 5431809 h 5431810"/>
+              <a:gd name="connsiteX9" fmla="*/ 4148920 w 8475260"/>
+              <a:gd name="connsiteY9" fmla="*/ 5431810 h 5431810"/>
+              <a:gd name="connsiteX10" fmla="*/ 0 w 8475260"/>
+              <a:gd name="connsiteY10" fmla="*/ 5431810 h 5431810"/>
+              <a:gd name="connsiteX11" fmla="*/ 0 w 8475260"/>
+              <a:gd name="connsiteY11" fmla="*/ 4376354 h 5431810"/>
+              <a:gd name="connsiteX12" fmla="*/ 0 w 8475260"/>
+              <a:gd name="connsiteY12" fmla="*/ 2825088 h 5431810"/>
+              <a:gd name="connsiteX13" fmla="*/ 0 w 8475260"/>
+              <a:gd name="connsiteY13" fmla="*/ 1055455 h 5431810"/>
+              <a:gd name="connsiteX14" fmla="*/ 1055455 w 8475260"/>
+              <a:gd name="connsiteY14" fmla="*/ 0 h 5431810"/>
+            </a:gdLst>
+            <a:ahLst/>
+            <a:cxnLst>
+              <a:cxn ang="0">
+                <a:pos x="connsiteX0" y="connsiteY0"/>
+              </a:cxn>
+              <a:cxn ang="0">
+                <a:pos x="connsiteX1" y="connsiteY1"/>
+              </a:cxn>
+              <a:cxn ang="0">
+                <a:pos x="connsiteX2" y="connsiteY2"/>
+              </a:cxn>
+              <a:cxn ang="0">
+                <a:pos x="connsiteX3" y="connsiteY3"/>
+              </a:cxn>
+              <a:cxn ang="0">
+                <a:pos x="connsiteX4" y="connsiteY4"/>
+              </a:cxn>
+              <a:cxn ang="0">
+                <a:pos x="connsiteX5" y="connsiteY5"/>
+              </a:cxn>
+              <a:cxn ang="0">
+                <a:pos x="connsiteX6" y="connsiteY6"/>
+              </a:cxn>
+              <a:cxn ang="0">
+                <a:pos x="connsiteX7" y="connsiteY7"/>
+              </a:cxn>
+              <a:cxn ang="0">
+                <a:pos x="connsiteX8" y="connsiteY8"/>
+              </a:cxn>
+              <a:cxn ang="0">
+                <a:pos x="connsiteX9" y="connsiteY9"/>
+              </a:cxn>
+              <a:cxn ang="0">
+                <a:pos x="connsiteX10" y="connsiteY10"/>
+              </a:cxn>
+              <a:cxn ang="0">
+                <a:pos x="connsiteX11" y="connsiteY11"/>
+              </a:cxn>
+              <a:cxn ang="0">
+                <a:pos x="connsiteX12" y="connsiteY12"/>
+              </a:cxn>
+              <a:cxn ang="0">
+                <a:pos x="connsiteX13" y="connsiteY13"/>
+              </a:cxn>
+              <a:cxn ang="0">
+                <a:pos x="connsiteX14" y="connsiteY14"/>
+              </a:cxn>
+            </a:cxnLst>
+            <a:rect l="l" t="t" r="r" b="b"/>
+            <a:pathLst>
+              <a:path w="8475260" h="5431810">
+                <a:moveTo>
+                  <a:pt x="1055455" y="0"/>
+                </a:moveTo>
+                <a:lnTo>
+                  <a:pt x="7419805" y="0"/>
+                </a:lnTo>
+                <a:lnTo>
+                  <a:pt x="7419824" y="1"/>
+                </a:lnTo>
+                <a:lnTo>
+                  <a:pt x="8475260" y="1"/>
+                </a:lnTo>
+                <a:lnTo>
+                  <a:pt x="8475260" y="1055455"/>
+                </a:lnTo>
+                <a:lnTo>
+                  <a:pt x="8475260" y="2606723"/>
+                </a:lnTo>
+                <a:lnTo>
+                  <a:pt x="8475260" y="4376354"/>
+                </a:lnTo>
+                <a:cubicBezTo>
+                  <a:pt x="8475260" y="4959266"/>
+                  <a:pt x="8002717" y="5431809"/>
+                  <a:pt x="7419805" y="5431809"/>
+                </a:cubicBezTo>
+                <a:lnTo>
+                  <a:pt x="4148920" y="5431809"/>
+                </a:lnTo>
+                <a:lnTo>
+                  <a:pt x="4148920" y="5431810"/>
+                </a:lnTo>
+                <a:lnTo>
+                  <a:pt x="0" y="5431810"/>
+                </a:lnTo>
+                <a:lnTo>
+                  <a:pt x="0" y="4376354"/>
+                </a:lnTo>
+                <a:lnTo>
+                  <a:pt x="0" y="2825088"/>
+                </a:lnTo>
+                <a:lnTo>
+                  <a:pt x="0" y="1055455"/>
+                </a:lnTo>
+                <a:cubicBezTo>
+                  <a:pt x="0" y="472543"/>
+                  <a:pt x="472543" y="0"/>
+                  <a:pt x="1055455" y="0"/>
+                </a:cubicBezTo>
+                <a:close/>
+              </a:path>
+            </a:pathLst>
+          </a:custGeom>
+          <a:solidFill>
+            <a:schemeClr val="bg1"/>
+          </a:solidFill>
+          <a:ln>
+            <a:noFill/>
+          </a:ln>
+          <a:effectLst>
+            <a:glow rad="228600">
+              <a:schemeClr val="accent3">
+                <a:satMod val="175000"/>
+                <a:alpha val="40000"/>
+              </a:schemeClr>
+            </a:glow>
+          </a:effectLst>
+        </p:spPr>
+        <p:style>
+          <a:lnRef idx="2">
+            <a:schemeClr val="accent1">
+              <a:shade val="50000"/>
+            </a:schemeClr>
+          </a:lnRef>
+          <a:fillRef idx="1">
+            <a:schemeClr val="accent1"/>
+          </a:fillRef>
+          <a:effectRef idx="0">
+            <a:schemeClr val="accent1"/>
+          </a:effectRef>
+          <a:fontRef idx="minor">
+            <a:schemeClr val="lt1"/>
+          </a:fontRef>
+        </p:style>
+        <p:txBody>
+          <a:bodyPr rtlCol="0" anchor="ctr"/>
+          <a:lstStyle/>
+          <a:p>
+            <a:pPr algn="ctr"/>
+            <a:r>
+              <a:rPr lang="en-AU" b="1" dirty="0">
+                <a:latin typeface="Oxygen" panose="02000503000000000000" pitchFamily="2" charset="0"/>
+              </a:rPr>
+              <a:t>e05a</a:t>
+            </a:r>
+          </a:p>
+        </p:txBody>
+      </p:sp>
+      <p:sp>
+        <p:nvSpPr>
+          <p:cNvPr id="2" name="TextBox 1"/>
+          <p:cNvSpPr txBox="1"/>
+          <p:nvPr/>
+        </p:nvSpPr>
+        <p:spPr>
+          <a:xfrm>
+            <a:off x="2589961" y="337130"/>
+            <a:ext cx="4969630" cy="523220"/>
+          </a:xfrm>
+          <a:prstGeom prst="rect">
+            <a:avLst/>
+          </a:prstGeom>
+          <a:noFill/>
+        </p:spPr>
+        <p:txBody>
+          <a:bodyPr wrap="none" rtlCol="0">
+            <a:spAutoFit/>
+          </a:bodyPr>
+          <a:lstStyle/>
+          <a:p>
+            <a:r>
+              <a:rPr lang="en-AU" sz="2800" b="1" u="sng" dirty="0">
+                <a:latin typeface="Oxygen" panose="02000503000000000000" pitchFamily="2" charset="0"/>
+              </a:rPr>
+              <a:t>Identity Card – HOD English</a:t>
+            </a:r>
+          </a:p>
+        </p:txBody>
+      </p:sp>
+      <p:sp>
+        <p:nvSpPr>
+          <p:cNvPr id="13" name="Rectangle 12"/>
+          <p:cNvSpPr/>
+          <p:nvPr/>
+        </p:nvSpPr>
+        <p:spPr>
+          <a:xfrm>
+            <a:off x="5329234" y="1311674"/>
+            <a:ext cx="36000" cy="5040000"/>
+          </a:xfrm>
+          <a:prstGeom prst="rect">
+            <a:avLst/>
+          </a:prstGeom>
+          <a:gradFill>
+            <a:gsLst>
+              <a:gs pos="0">
+                <a:schemeClr val="bg1"/>
+              </a:gs>
+              <a:gs pos="60000">
+                <a:srgbClr val="FF8C52"/>
+              </a:gs>
+              <a:gs pos="40000">
+                <a:srgbClr val="FF8C52"/>
+              </a:gs>
+              <a:gs pos="20000">
+                <a:schemeClr val="bg1"/>
+              </a:gs>
+              <a:gs pos="80000">
+                <a:schemeClr val="bg1"/>
+              </a:gs>
+              <a:gs pos="100000">
+                <a:schemeClr val="bg1"/>
+              </a:gs>
+            </a:gsLst>
+            <a:lin ang="5400000" scaled="1"/>
+          </a:gradFill>
+          <a:ln>
+            <a:noFill/>
+          </a:ln>
+        </p:spPr>
+        <p:style>
+          <a:lnRef idx="2">
+            <a:schemeClr val="accent1">
+              <a:shade val="50000"/>
+            </a:schemeClr>
+          </a:lnRef>
+          <a:fillRef idx="1">
+            <a:schemeClr val="accent1"/>
+          </a:fillRef>
+          <a:effectRef idx="0">
+            <a:schemeClr val="accent1"/>
+          </a:effectRef>
+          <a:fontRef idx="minor">
+            <a:schemeClr val="lt1"/>
+          </a:fontRef>
+        </p:style>
+        <p:txBody>
+          <a:bodyPr rtlCol="0" anchor="ctr"/>
+          <a:lstStyle/>
+          <a:p>
+            <a:pPr algn="ctr"/>
+            <a:endParaRPr lang="en-AU">
+              <a:latin typeface="Oxygen" panose="02000503000000000000" pitchFamily="2" charset="0"/>
+            </a:endParaRPr>
+          </a:p>
+        </p:txBody>
+      </p:sp>
+      <p:grpSp>
+        <p:nvGrpSpPr>
+          <p:cNvPr id="3" name="Group 2">
+            <a:extLst>
+              <a:ext uri="{FF2B5EF4-FFF2-40B4-BE49-F238E27FC236}">
+                <a16:creationId xmlns:a16="http://schemas.microsoft.com/office/drawing/2014/main" id="{663F1AF4-CB40-79E6-FF84-B969177F23B5}"/>
+              </a:ext>
+            </a:extLst>
+          </p:cNvPr>
+          <p:cNvGrpSpPr/>
+          <p:nvPr/>
+        </p:nvGrpSpPr>
+        <p:grpSpPr>
+          <a:xfrm>
+            <a:off x="2226833" y="4434741"/>
+            <a:ext cx="2990851" cy="1259907"/>
+            <a:chOff x="4600575" y="2600315"/>
+            <a:chExt cx="2990850" cy="1385897"/>
+          </a:xfrm>
+        </p:grpSpPr>
+        <p:pic>
+          <p:nvPicPr>
+            <p:cNvPr id="4" name="Picture 3">
+              <a:extLst>
+                <a:ext uri="{FF2B5EF4-FFF2-40B4-BE49-F238E27FC236}">
+                  <a16:creationId xmlns:a16="http://schemas.microsoft.com/office/drawing/2014/main" id="{8AAA97A2-52C3-1FA4-6645-04E5FB8329E6}"/>
+                </a:ext>
+              </a:extLst>
+            </p:cNvPr>
+            <p:cNvPicPr>
+              <a:picLocks noChangeAspect="1"/>
+            </p:cNvPicPr>
+            <p:nvPr/>
+          </p:nvPicPr>
+          <p:blipFill>
+            <a:blip r:embed="rId2"/>
+            <a:stretch>
+              <a:fillRect/>
+            </a:stretch>
+          </p:blipFill>
+          <p:spPr>
+            <a:xfrm>
+              <a:off x="4600575" y="2871787"/>
+              <a:ext cx="2990850" cy="1114425"/>
+            </a:xfrm>
+            <a:prstGeom prst="rect">
+              <a:avLst/>
+            </a:prstGeom>
+          </p:spPr>
+        </p:pic>
+        <p:sp>
+          <p:nvSpPr>
+            <p:cNvPr id="9" name="Freeform 9">
+              <a:extLst>
+                <a:ext uri="{FF2B5EF4-FFF2-40B4-BE49-F238E27FC236}">
+                  <a16:creationId xmlns:a16="http://schemas.microsoft.com/office/drawing/2014/main" id="{A452583B-4310-9CB4-7339-2AE39E29F161}"/>
+                </a:ext>
+              </a:extLst>
+            </p:cNvPr>
+            <p:cNvSpPr/>
+            <p:nvPr/>
+          </p:nvSpPr>
+          <p:spPr>
+            <a:xfrm>
+              <a:off x="4739363" y="2600315"/>
+              <a:ext cx="971569" cy="971569"/>
+            </a:xfrm>
+            <a:custGeom>
+              <a:avLst/>
+              <a:gdLst>
+                <a:gd name="connsiteX0" fmla="*/ 1080000 w 2160000"/>
+                <a:gd name="connsiteY0" fmla="*/ 0 h 2160000"/>
+                <a:gd name="connsiteX1" fmla="*/ 2154424 w 2160000"/>
+                <a:gd name="connsiteY1" fmla="*/ 969576 h 2160000"/>
+                <a:gd name="connsiteX2" fmla="*/ 2157027 w 2160000"/>
+                <a:gd name="connsiteY2" fmla="*/ 1021127 h 2160000"/>
+                <a:gd name="connsiteX3" fmla="*/ 2159999 w 2160000"/>
+                <a:gd name="connsiteY3" fmla="*/ 1021127 h 2160000"/>
+                <a:gd name="connsiteX4" fmla="*/ 2159999 w 2160000"/>
+                <a:gd name="connsiteY4" fmla="*/ 1079980 h 2160000"/>
+                <a:gd name="connsiteX5" fmla="*/ 2160000 w 2160000"/>
+                <a:gd name="connsiteY5" fmla="*/ 1080000 h 2160000"/>
+                <a:gd name="connsiteX6" fmla="*/ 2159999 w 2160000"/>
+                <a:gd name="connsiteY6" fmla="*/ 1080021 h 2160000"/>
+                <a:gd name="connsiteX7" fmla="*/ 2159999 w 2160000"/>
+                <a:gd name="connsiteY7" fmla="*/ 1716639 h 2160000"/>
+                <a:gd name="connsiteX8" fmla="*/ 2157838 w 2160000"/>
+                <a:gd name="connsiteY8" fmla="*/ 1716639 h 2160000"/>
+                <a:gd name="connsiteX9" fmla="*/ 2160000 w 2160000"/>
+                <a:gd name="connsiteY9" fmla="*/ 1738544 h 2160000"/>
+                <a:gd name="connsiteX10" fmla="*/ 1891921 w 2160000"/>
+                <a:gd name="connsiteY10" fmla="*/ 2012333 h 2160000"/>
+                <a:gd name="connsiteX11" fmla="*/ 1623842 w 2160000"/>
+                <a:gd name="connsiteY11" fmla="*/ 1738544 h 2160000"/>
+                <a:gd name="connsiteX12" fmla="*/ 1626005 w 2160000"/>
+                <a:gd name="connsiteY12" fmla="*/ 1716639 h 2160000"/>
+                <a:gd name="connsiteX13" fmla="*/ 1620298 w 2160000"/>
+                <a:gd name="connsiteY13" fmla="*/ 1716639 h 2160000"/>
+                <a:gd name="connsiteX14" fmla="*/ 1620298 w 2160000"/>
+                <a:gd name="connsiteY14" fmla="*/ 1090950 h 2160000"/>
+                <a:gd name="connsiteX15" fmla="*/ 1618898 w 2160000"/>
+                <a:gd name="connsiteY15" fmla="*/ 1090937 h 2160000"/>
+                <a:gd name="connsiteX16" fmla="*/ 1620000 w 2160000"/>
+                <a:gd name="connsiteY16" fmla="*/ 1080000 h 2160000"/>
+                <a:gd name="connsiteX17" fmla="*/ 1080000 w 2160000"/>
+                <a:gd name="connsiteY17" fmla="*/ 540000 h 2160000"/>
+                <a:gd name="connsiteX18" fmla="*/ 540000 w 2160000"/>
+                <a:gd name="connsiteY18" fmla="*/ 1080000 h 2160000"/>
+                <a:gd name="connsiteX19" fmla="*/ 1080000 w 2160000"/>
+                <a:gd name="connsiteY19" fmla="*/ 1620000 h 2160000"/>
+                <a:gd name="connsiteX20" fmla="*/ 1172144 w 2160000"/>
+                <a:gd name="connsiteY20" fmla="*/ 1610711 h 2160000"/>
+                <a:gd name="connsiteX21" fmla="*/ 1192722 w 2160000"/>
+                <a:gd name="connsiteY21" fmla="*/ 1599542 h 2160000"/>
+                <a:gd name="connsiteX22" fmla="*/ 1205334 w 2160000"/>
+                <a:gd name="connsiteY22" fmla="*/ 1595627 h 2160000"/>
+                <a:gd name="connsiteX23" fmla="*/ 1218649 w 2160000"/>
+                <a:gd name="connsiteY23" fmla="*/ 1594482 h 2160000"/>
+                <a:gd name="connsiteX24" fmla="*/ 1273176 w 2160000"/>
+                <a:gd name="connsiteY24" fmla="*/ 1581875 h 2160000"/>
+                <a:gd name="connsiteX25" fmla="*/ 1277433 w 2160000"/>
+                <a:gd name="connsiteY25" fmla="*/ 1580379 h 2160000"/>
+                <a:gd name="connsiteX26" fmla="*/ 1297818 w 2160000"/>
+                <a:gd name="connsiteY26" fmla="*/ 1578324 h 2160000"/>
+                <a:gd name="connsiteX27" fmla="*/ 1567818 w 2160000"/>
+                <a:gd name="connsiteY27" fmla="*/ 1848324 h 2160000"/>
+                <a:gd name="connsiteX28" fmla="*/ 1469563 w 2160000"/>
+                <a:gd name="connsiteY28" fmla="*/ 2056669 h 2160000"/>
+                <a:gd name="connsiteX29" fmla="*/ 1412948 w 2160000"/>
+                <a:gd name="connsiteY29" fmla="*/ 2091019 h 2160000"/>
+                <a:gd name="connsiteX30" fmla="*/ 1398272 w 2160000"/>
+                <a:gd name="connsiteY30" fmla="*/ 2101498 h 2160000"/>
+                <a:gd name="connsiteX31" fmla="*/ 1374464 w 2160000"/>
+                <a:gd name="connsiteY31" fmla="*/ 2110955 h 2160000"/>
+                <a:gd name="connsiteX32" fmla="*/ 1376211 w 2160000"/>
+                <a:gd name="connsiteY32" fmla="*/ 2117860 h 2160000"/>
+                <a:gd name="connsiteX33" fmla="*/ 1321962 w 2160000"/>
+                <a:gd name="connsiteY33" fmla="*/ 2131809 h 2160000"/>
+                <a:gd name="connsiteX34" fmla="*/ 1306247 w 2160000"/>
+                <a:gd name="connsiteY34" fmla="*/ 2138051 h 2160000"/>
+                <a:gd name="connsiteX35" fmla="*/ 1267530 w 2160000"/>
+                <a:gd name="connsiteY35" fmla="*/ 2142656 h 2160000"/>
+                <a:gd name="connsiteX36" fmla="*/ 1190424 w 2160000"/>
+                <a:gd name="connsiteY36" fmla="*/ 2154424 h 2160000"/>
+                <a:gd name="connsiteX37" fmla="*/ 1080000 w 2160000"/>
+                <a:gd name="connsiteY37" fmla="*/ 2160000 h 2160000"/>
+                <a:gd name="connsiteX38" fmla="*/ 0 w 2160000"/>
+                <a:gd name="connsiteY38" fmla="*/ 1080000 h 2160000"/>
+                <a:gd name="connsiteX39" fmla="*/ 1080000 w 2160000"/>
+                <a:gd name="connsiteY39" fmla="*/ 0 h 2160000"/>
+              </a:gdLst>
+              <a:ahLst/>
+              <a:cxnLst>
+                <a:cxn ang="0">
+                  <a:pos x="connsiteX0" y="connsiteY0"/>
+                </a:cxn>
+                <a:cxn ang="0">
+                  <a:pos x="connsiteX1" y="connsiteY1"/>
+                </a:cxn>
+                <a:cxn ang="0">
+                  <a:pos x="connsiteX2" y="connsiteY2"/>
+                </a:cxn>
+                <a:cxn ang="0">
+                  <a:pos x="connsiteX3" y="connsiteY3"/>
+                </a:cxn>
+                <a:cxn ang="0">
+                  <a:pos x="connsiteX4" y="connsiteY4"/>
+                </a:cxn>
+                <a:cxn ang="0">
+                  <a:pos x="connsiteX5" y="connsiteY5"/>
+                </a:cxn>
+                <a:cxn ang="0">
+                  <a:pos x="connsiteX6" y="connsiteY6"/>
+                </a:cxn>
+                <a:cxn ang="0">
+                  <a:pos x="connsiteX7" y="connsiteY7"/>
+                </a:cxn>
+                <a:cxn ang="0">
+                  <a:pos x="connsiteX8" y="connsiteY8"/>
+                </a:cxn>
+                <a:cxn ang="0">
+                  <a:pos x="connsiteX9" y="connsiteY9"/>
+                </a:cxn>
+                <a:cxn ang="0">
+                  <a:pos x="connsiteX10" y="connsiteY10"/>
+                </a:cxn>
+                <a:cxn ang="0">
+                  <a:pos x="connsiteX11" y="connsiteY11"/>
+                </a:cxn>
+                <a:cxn ang="0">
+                  <a:pos x="connsiteX12" y="connsiteY12"/>
+                </a:cxn>
+                <a:cxn ang="0">
+                  <a:pos x="connsiteX13" y="connsiteY13"/>
+                </a:cxn>
+                <a:cxn ang="0">
+                  <a:pos x="connsiteX14" y="connsiteY14"/>
+                </a:cxn>
+                <a:cxn ang="0">
+                  <a:pos x="connsiteX15" y="connsiteY15"/>
+                </a:cxn>
+                <a:cxn ang="0">
+                  <a:pos x="connsiteX16" y="connsiteY16"/>
+                </a:cxn>
+                <a:cxn ang="0">
+                  <a:pos x="connsiteX17" y="connsiteY17"/>
+                </a:cxn>
+                <a:cxn ang="0">
+                  <a:pos x="connsiteX18" y="connsiteY18"/>
+                </a:cxn>
+                <a:cxn ang="0">
+                  <a:pos x="connsiteX19" y="connsiteY19"/>
+                </a:cxn>
+                <a:cxn ang="0">
+                  <a:pos x="connsiteX20" y="connsiteY20"/>
+                </a:cxn>
+                <a:cxn ang="0">
+                  <a:pos x="connsiteX21" y="connsiteY21"/>
+                </a:cxn>
+                <a:cxn ang="0">
+                  <a:pos x="connsiteX22" y="connsiteY22"/>
+                </a:cxn>
+                <a:cxn ang="0">
+                  <a:pos x="connsiteX23" y="connsiteY23"/>
+                </a:cxn>
+                <a:cxn ang="0">
+                  <a:pos x="connsiteX24" y="connsiteY24"/>
+                </a:cxn>
+                <a:cxn ang="0">
+                  <a:pos x="connsiteX25" y="connsiteY25"/>
+                </a:cxn>
+                <a:cxn ang="0">
+                  <a:pos x="connsiteX26" y="connsiteY26"/>
+                </a:cxn>
+                <a:cxn ang="0">
+                  <a:pos x="connsiteX27" y="connsiteY27"/>
+                </a:cxn>
+                <a:cxn ang="0">
+                  <a:pos x="connsiteX28" y="connsiteY28"/>
+                </a:cxn>
+                <a:cxn ang="0">
+                  <a:pos x="connsiteX29" y="connsiteY29"/>
+                </a:cxn>
+                <a:cxn ang="0">
+                  <a:pos x="connsiteX30" y="connsiteY30"/>
+                </a:cxn>
+                <a:cxn ang="0">
+                  <a:pos x="connsiteX31" y="connsiteY31"/>
+                </a:cxn>
+                <a:cxn ang="0">
+                  <a:pos x="connsiteX32" y="connsiteY32"/>
+                </a:cxn>
+                <a:cxn ang="0">
+                  <a:pos x="connsiteX33" y="connsiteY33"/>
+                </a:cxn>
+                <a:cxn ang="0">
+                  <a:pos x="connsiteX34" y="connsiteY34"/>
+                </a:cxn>
+                <a:cxn ang="0">
+                  <a:pos x="connsiteX35" y="connsiteY35"/>
+                </a:cxn>
+                <a:cxn ang="0">
+                  <a:pos x="connsiteX36" y="connsiteY36"/>
+                </a:cxn>
+                <a:cxn ang="0">
+                  <a:pos x="connsiteX37" y="connsiteY37"/>
+                </a:cxn>
+                <a:cxn ang="0">
+                  <a:pos x="connsiteX38" y="connsiteY38"/>
+                </a:cxn>
+                <a:cxn ang="0">
+                  <a:pos x="connsiteX39" y="connsiteY39"/>
+                </a:cxn>
+              </a:cxnLst>
+              <a:rect l="l" t="t" r="r" b="b"/>
+              <a:pathLst>
+                <a:path w="2160000" h="2160000">
+                  <a:moveTo>
+                    <a:pt x="1080000" y="0"/>
+                  </a:moveTo>
+                  <a:cubicBezTo>
+                    <a:pt x="1639189" y="0"/>
+                    <a:pt x="2099117" y="424979"/>
+                    <a:pt x="2154424" y="969576"/>
+                  </a:cubicBezTo>
+                  <a:lnTo>
+                    <a:pt x="2157027" y="1021127"/>
+                  </a:lnTo>
+                  <a:lnTo>
+                    <a:pt x="2159999" y="1021127"/>
+                  </a:lnTo>
+                  <a:lnTo>
+                    <a:pt x="2159999" y="1079980"/>
+                  </a:lnTo>
+                  <a:lnTo>
+                    <a:pt x="2160000" y="1080000"/>
+                  </a:lnTo>
+                  <a:lnTo>
+                    <a:pt x="2159999" y="1080021"/>
+                  </a:lnTo>
+                  <a:lnTo>
+                    <a:pt x="2159999" y="1716639"/>
+                  </a:lnTo>
+                  <a:lnTo>
+                    <a:pt x="2157838" y="1716639"/>
+                  </a:lnTo>
+                  <a:lnTo>
+                    <a:pt x="2160000" y="1738544"/>
+                  </a:lnTo>
+                  <a:cubicBezTo>
+                    <a:pt x="2160000" y="1889753"/>
+                    <a:pt x="2039977" y="2012333"/>
+                    <a:pt x="1891921" y="2012333"/>
+                  </a:cubicBezTo>
+                  <a:cubicBezTo>
+                    <a:pt x="1743865" y="2012333"/>
+                    <a:pt x="1623842" y="1889753"/>
+                    <a:pt x="1623842" y="1738544"/>
+                  </a:cubicBezTo>
+                  <a:lnTo>
+                    <a:pt x="1626005" y="1716639"/>
+                  </a:lnTo>
+                  <a:lnTo>
+                    <a:pt x="1620298" y="1716639"/>
+                  </a:lnTo>
+                  <a:lnTo>
+                    <a:pt x="1620298" y="1090950"/>
+                  </a:lnTo>
+                  <a:lnTo>
+                    <a:pt x="1618898" y="1090937"/>
+                  </a:lnTo>
+                  <a:lnTo>
+                    <a:pt x="1620000" y="1080000"/>
+                  </a:lnTo>
+                  <a:cubicBezTo>
+                    <a:pt x="1620000" y="781766"/>
+                    <a:pt x="1378234" y="540000"/>
+                    <a:pt x="1080000" y="540000"/>
+                  </a:cubicBezTo>
+                  <a:cubicBezTo>
+                    <a:pt x="781766" y="540000"/>
+                    <a:pt x="540000" y="781766"/>
+                    <a:pt x="540000" y="1080000"/>
+                  </a:cubicBezTo>
+                  <a:cubicBezTo>
+                    <a:pt x="540000" y="1378234"/>
+                    <a:pt x="781766" y="1620000"/>
+                    <a:pt x="1080000" y="1620000"/>
+                  </a:cubicBezTo>
+                  <a:lnTo>
+                    <a:pt x="1172144" y="1610711"/>
+                  </a:lnTo>
+                  <a:lnTo>
+                    <a:pt x="1192722" y="1599542"/>
+                  </a:lnTo>
+                  <a:lnTo>
+                    <a:pt x="1205334" y="1595627"/>
+                  </a:lnTo>
+                  <a:lnTo>
+                    <a:pt x="1218649" y="1594482"/>
+                  </a:lnTo>
+                  <a:cubicBezTo>
+                    <a:pt x="1237851" y="1591023"/>
+                    <a:pt x="1256099" y="1586790"/>
+                    <a:pt x="1273176" y="1581875"/>
+                  </a:cubicBezTo>
+                  <a:lnTo>
+                    <a:pt x="1277433" y="1580379"/>
+                  </a:lnTo>
+                  <a:lnTo>
+                    <a:pt x="1297818" y="1578324"/>
+                  </a:lnTo>
+                  <a:cubicBezTo>
+                    <a:pt x="1446935" y="1578324"/>
+                    <a:pt x="1567818" y="1699207"/>
+                    <a:pt x="1567818" y="1848324"/>
+                  </a:cubicBezTo>
+                  <a:cubicBezTo>
+                    <a:pt x="1567818" y="1932202"/>
+                    <a:pt x="1529570" y="2007147"/>
+                    <a:pt x="1469563" y="2056669"/>
+                  </a:cubicBezTo>
+                  <a:lnTo>
+                    <a:pt x="1412948" y="2091019"/>
+                  </a:lnTo>
+                  <a:lnTo>
+                    <a:pt x="1398272" y="2101498"/>
+                  </a:lnTo>
+                  <a:lnTo>
+                    <a:pt x="1374464" y="2110955"/>
+                  </a:lnTo>
+                  <a:lnTo>
+                    <a:pt x="1376211" y="2117860"/>
+                  </a:lnTo>
+                  <a:lnTo>
+                    <a:pt x="1321962" y="2131809"/>
+                  </a:lnTo>
+                  <a:lnTo>
+                    <a:pt x="1306247" y="2138051"/>
+                  </a:lnTo>
+                  <a:lnTo>
+                    <a:pt x="1267530" y="2142656"/>
+                  </a:lnTo>
+                  <a:lnTo>
+                    <a:pt x="1190424" y="2154424"/>
+                  </a:lnTo>
+                  <a:cubicBezTo>
+                    <a:pt x="1154118" y="2158111"/>
+                    <a:pt x="1117280" y="2160000"/>
+                    <a:pt x="1080000" y="2160000"/>
+                  </a:cubicBezTo>
+                  <a:cubicBezTo>
+                    <a:pt x="483532" y="2160000"/>
+                    <a:pt x="0" y="1676468"/>
+                    <a:pt x="0" y="1080000"/>
+                  </a:cubicBezTo>
+                  <a:cubicBezTo>
+                    <a:pt x="0" y="483532"/>
+                    <a:pt x="483532" y="0"/>
+                    <a:pt x="1080000" y="0"/>
+                  </a:cubicBezTo>
+                  <a:close/>
+                </a:path>
+              </a:pathLst>
+            </a:custGeom>
+            <a:solidFill>
+              <a:srgbClr val="FF8C52"/>
+            </a:solidFill>
+            <a:ln>
+              <a:solidFill>
+                <a:srgbClr val="FF8C52"/>
+              </a:solidFill>
+            </a:ln>
+          </p:spPr>
+          <p:style>
+            <a:lnRef idx="2">
+              <a:schemeClr val="accent1">
+                <a:shade val="50000"/>
+              </a:schemeClr>
+            </a:lnRef>
+            <a:fillRef idx="1">
+              <a:schemeClr val="accent1"/>
+            </a:fillRef>
+            <a:effectRef idx="0">
+              <a:schemeClr val="accent1"/>
+            </a:effectRef>
+            <a:fontRef idx="minor">
+              <a:schemeClr val="lt1"/>
+            </a:fontRef>
+          </p:style>
+          <p:txBody>
+            <a:bodyPr rtlCol="0" anchor="ctr"/>
+            <a:lstStyle/>
+            <a:p>
+              <a:pPr algn="ctr"/>
+              <a:endParaRPr lang="en-AU" dirty="0">
+                <a:latin typeface="Oxygen" panose="02000503000000000000" pitchFamily="2" charset="0"/>
+              </a:endParaRPr>
+            </a:p>
+          </p:txBody>
+        </p:sp>
+      </p:grpSp>
+      <p:pic>
+        <p:nvPicPr>
+          <p:cNvPr id="7" name="Picture 6">
+            <a:extLst>
+              <a:ext uri="{FF2B5EF4-FFF2-40B4-BE49-F238E27FC236}">
+                <a16:creationId xmlns:a16="http://schemas.microsoft.com/office/drawing/2014/main" id="{23DB08E5-8551-A110-2F99-1E2B8B06C153}"/>
+              </a:ext>
+            </a:extLst>
+          </p:cNvPr>
+          <p:cNvPicPr>
+            <a:picLocks noChangeAspect="1"/>
+          </p:cNvPicPr>
+          <p:nvPr/>
+        </p:nvPicPr>
+        <p:blipFill>
+          <a:blip r:embed="rId3"/>
+          <a:stretch>
+            <a:fillRect/>
+          </a:stretch>
+        </p:blipFill>
+        <p:spPr>
+          <a:xfrm>
+            <a:off x="2698313" y="2258691"/>
+            <a:ext cx="2047890" cy="2052653"/>
+          </a:xfrm>
+          <a:prstGeom prst="rect">
+            <a:avLst/>
+          </a:prstGeom>
+        </p:spPr>
+      </p:pic>
+      <p:sp>
+        <p:nvSpPr>
+          <p:cNvPr id="5" name="Rectangle 4">
+            <a:extLst>
+              <a:ext uri="{FF2B5EF4-FFF2-40B4-BE49-F238E27FC236}">
+                <a16:creationId xmlns:a16="http://schemas.microsoft.com/office/drawing/2014/main" id="{954632A6-9E41-E4F6-6F6A-30299247971B}"/>
+              </a:ext>
+            </a:extLst>
+          </p:cNvPr>
+          <p:cNvSpPr/>
+          <p:nvPr/>
+        </p:nvSpPr>
+        <p:spPr>
+          <a:xfrm>
+            <a:off x="2595258" y="2250755"/>
+            <a:ext cx="2267225" cy="2075830"/>
+          </a:xfrm>
+          <a:prstGeom prst="rect">
+            <a:avLst/>
+          </a:prstGeom>
+          <a:gradFill>
+            <a:gsLst>
+              <a:gs pos="70000">
+                <a:srgbClr val="FFFFFF"/>
+              </a:gs>
+              <a:gs pos="62000">
+                <a:schemeClr val="bg1">
+                  <a:alpha val="0"/>
+                </a:schemeClr>
+              </a:gs>
+            </a:gsLst>
+            <a:path path="circle">
+              <a:fillToRect l="50000" t="50000" r="50000" b="50000"/>
+            </a:path>
+          </a:gradFill>
+          <a:ln>
+            <a:noFill/>
+          </a:ln>
+        </p:spPr>
+        <p:style>
+          <a:lnRef idx="2">
+            <a:schemeClr val="accent1">
+              <a:shade val="50000"/>
+            </a:schemeClr>
+          </a:lnRef>
+          <a:fillRef idx="1">
+            <a:schemeClr val="accent1"/>
+          </a:fillRef>
+          <a:effectRef idx="0">
+            <a:schemeClr val="accent1"/>
+          </a:effectRef>
+          <a:fontRef idx="minor">
+            <a:schemeClr val="lt1"/>
+          </a:fontRef>
+        </p:style>
+        <p:txBody>
+          <a:bodyPr rtlCol="0" anchor="ctr"/>
+          <a:lstStyle/>
+          <a:p>
+            <a:pPr algn="ctr"/>
+            <a:endParaRPr lang="en-AU"/>
+          </a:p>
+        </p:txBody>
+      </p:sp>
+      <p:sp>
+        <p:nvSpPr>
+          <p:cNvPr id="20" name="Rectangle 19">
+            <a:extLst>
+              <a:ext uri="{FF2B5EF4-FFF2-40B4-BE49-F238E27FC236}">
+                <a16:creationId xmlns:a16="http://schemas.microsoft.com/office/drawing/2014/main" id="{2197A14A-1D15-E10C-97C2-524D2EAE104B}"/>
+              </a:ext>
+            </a:extLst>
+          </p:cNvPr>
+          <p:cNvSpPr/>
+          <p:nvPr/>
+        </p:nvSpPr>
+        <p:spPr>
+          <a:xfrm>
+            <a:off x="6364914" y="4959786"/>
+            <a:ext cx="1880643" cy="400110"/>
+          </a:xfrm>
+          <a:prstGeom prst="rect">
+            <a:avLst/>
+          </a:prstGeom>
+        </p:spPr>
+        <p:txBody>
+          <a:bodyPr wrap="none">
+            <a:spAutoFit/>
+          </a:bodyPr>
+          <a:lstStyle/>
+          <a:p>
+            <a:r>
+              <a:rPr lang="en-AU" b="1" dirty="0">
+                <a:solidFill>
+                  <a:srgbClr val="002060"/>
+                </a:solidFill>
+                <a:latin typeface="Oxygen" panose="02000503000000000000" pitchFamily="2" charset="0"/>
+              </a:rPr>
+              <a:t> </a:t>
+            </a:r>
+            <a:r>
+              <a:rPr lang="en-AU" sz="2000" b="1" dirty="0">
+                <a:solidFill>
+                  <a:srgbClr val="002060"/>
+                </a:solidFill>
+                <a:latin typeface="Oxygen" panose="02000503000000000000" pitchFamily="2" charset="0"/>
+              </a:rPr>
+              <a:t>anodiam.com</a:t>
+            </a:r>
+            <a:endParaRPr lang="en-AU" sz="2000" dirty="0">
+              <a:latin typeface="Oxygen" panose="02000503000000000000" pitchFamily="2" charset="0"/>
+            </a:endParaRPr>
+          </a:p>
+        </p:txBody>
+      </p:sp>
+      <p:sp>
+        <p:nvSpPr>
+          <p:cNvPr id="22" name="TextBox 21">
+            <a:extLst>
+              <a:ext uri="{FF2B5EF4-FFF2-40B4-BE49-F238E27FC236}">
+                <a16:creationId xmlns:a16="http://schemas.microsoft.com/office/drawing/2014/main" id="{8B0B62C5-6C1A-D4DA-6346-44ABCD6D0B6A}"/>
+              </a:ext>
+            </a:extLst>
+          </p:cNvPr>
+          <p:cNvSpPr txBox="1"/>
+          <p:nvPr/>
+        </p:nvSpPr>
+        <p:spPr>
+          <a:xfrm>
+            <a:off x="6150551" y="2250755"/>
+            <a:ext cx="3089307" cy="2800767"/>
+          </a:xfrm>
+          <a:prstGeom prst="rect">
+            <a:avLst/>
+          </a:prstGeom>
+          <a:noFill/>
+        </p:spPr>
+        <p:txBody>
+          <a:bodyPr wrap="none" rtlCol="0">
+            <a:spAutoFit/>
+          </a:bodyPr>
+          <a:lstStyle/>
+          <a:p>
+            <a:pPr lvl="0">
+              <a:spcAft>
+                <a:spcPts val="600"/>
+              </a:spcAft>
+            </a:pPr>
+            <a:r>
+              <a:rPr lang="en-AU" b="1" dirty="0">
+                <a:solidFill>
+                  <a:prstClr val="black"/>
+                </a:solidFill>
+                <a:latin typeface="Oxygen" panose="02000503000000000000" pitchFamily="2" charset="0"/>
+              </a:rPr>
+              <a:t>Mr. Rahul Dutta</a:t>
+            </a:r>
+          </a:p>
+          <a:p>
+            <a:pPr lvl="0">
+              <a:spcAft>
+                <a:spcPts val="600"/>
+              </a:spcAft>
+            </a:pPr>
+            <a:r>
+              <a:rPr lang="en-AU" sz="1400" b="1" dirty="0">
+                <a:solidFill>
+                  <a:prstClr val="black"/>
+                </a:solidFill>
+                <a:latin typeface="Oxygen" panose="02000503000000000000" pitchFamily="2" charset="0"/>
+              </a:rPr>
+              <a:t>H.O.D. English</a:t>
+            </a:r>
+          </a:p>
+          <a:p>
+            <a:pPr lvl="0">
+              <a:spcAft>
+                <a:spcPts val="600"/>
+              </a:spcAft>
+            </a:pPr>
+            <a:r>
+              <a:rPr lang="en-AU" sz="1400" b="1" dirty="0">
+                <a:solidFill>
+                  <a:prstClr val="black"/>
+                </a:solidFill>
+                <a:latin typeface="Oxygen" panose="02000503000000000000" pitchFamily="2" charset="0"/>
+              </a:rPr>
+              <a:t>M.A.(English), D.R.S.</a:t>
+            </a:r>
+          </a:p>
+          <a:p>
+            <a:pPr lvl="0">
+              <a:lnSpc>
+                <a:spcPct val="250000"/>
+              </a:lnSpc>
+              <a:spcAft>
+                <a:spcPts val="600"/>
+              </a:spcAft>
+            </a:pPr>
+            <a:r>
+              <a:rPr lang="en-AU" sz="1400" b="1" dirty="0">
+                <a:solidFill>
+                  <a:prstClr val="black"/>
+                </a:solidFill>
+                <a:latin typeface="Oxygen" panose="02000503000000000000" pitchFamily="2" charset="0"/>
+              </a:rPr>
+              <a:t>      </a:t>
+            </a:r>
+            <a:r>
+              <a:rPr lang="en-AU" sz="1400" b="1" dirty="0">
+                <a:solidFill>
+                  <a:prstClr val="black"/>
+                </a:solidFill>
+                <a:latin typeface="Oxygen" panose="02000503000000000000" pitchFamily="2" charset="0"/>
+                <a:hlinkClick r:id="rId4"/>
+              </a:rPr>
+              <a:t>remdutta13</a:t>
+            </a:r>
+            <a:r>
+              <a:rPr lang="en-AU" sz="1400" b="1" u="sng" dirty="0">
+                <a:solidFill>
+                  <a:srgbClr val="002060"/>
+                </a:solidFill>
+                <a:latin typeface="Oxygen" panose="02000503000000000000" pitchFamily="2" charset="0"/>
+                <a:hlinkClick r:id="rId4"/>
+              </a:rPr>
+              <a:t>@gmail.com</a:t>
+            </a:r>
+            <a:endParaRPr lang="en-AU" sz="1400" b="1" u="sng" dirty="0">
+              <a:solidFill>
+                <a:srgbClr val="002060"/>
+              </a:solidFill>
+              <a:latin typeface="Oxygen" panose="02000503000000000000" pitchFamily="2" charset="0"/>
+            </a:endParaRPr>
+          </a:p>
+          <a:p>
+            <a:pPr lvl="0">
+              <a:lnSpc>
+                <a:spcPct val="200000"/>
+              </a:lnSpc>
+            </a:pPr>
+            <a:r>
+              <a:rPr lang="en-AU" sz="1400" b="1" dirty="0">
+                <a:latin typeface="Oxygen" panose="02000503000000000000" pitchFamily="2" charset="0"/>
+              </a:rPr>
+              <a:t>      +91 81004 36512</a:t>
+            </a:r>
+          </a:p>
+          <a:p>
+            <a:pPr lvl="0">
+              <a:lnSpc>
+                <a:spcPct val="200000"/>
+              </a:lnSpc>
+              <a:spcAft>
+                <a:spcPts val="600"/>
+              </a:spcAft>
+            </a:pPr>
+            <a:r>
+              <a:rPr lang="en-AU" sz="1400" b="1" dirty="0">
+                <a:latin typeface="Oxygen" panose="02000503000000000000" pitchFamily="2" charset="0"/>
+              </a:rPr>
+              <a:t>      N - 1/25 Patuli, Kolkata 700094</a:t>
+            </a:r>
+          </a:p>
+          <a:p>
+            <a:pPr lvl="0"/>
+            <a:r>
+              <a:rPr lang="en-AU" sz="1400" b="1" dirty="0">
+                <a:solidFill>
+                  <a:schemeClr val="bg1">
+                    <a:lumMod val="65000"/>
+                  </a:schemeClr>
+                </a:solidFill>
+                <a:latin typeface="Oxygen" panose="02000503000000000000" pitchFamily="2" charset="0"/>
+              </a:rPr>
+              <a:t>    </a:t>
+            </a:r>
+          </a:p>
+        </p:txBody>
+      </p:sp>
+      <p:sp>
+        <p:nvSpPr>
+          <p:cNvPr id="23" name="Freeform: Shape 22">
+            <a:extLst>
+              <a:ext uri="{FF2B5EF4-FFF2-40B4-BE49-F238E27FC236}">
+                <a16:creationId xmlns:a16="http://schemas.microsoft.com/office/drawing/2014/main" id="{69E34D3E-462E-9D9F-61F3-99350D6C14AD}"/>
+              </a:ext>
+            </a:extLst>
+          </p:cNvPr>
+          <p:cNvSpPr/>
+          <p:nvPr/>
+        </p:nvSpPr>
+        <p:spPr>
+          <a:xfrm rot="8100000">
+            <a:off x="6202743" y="4367127"/>
+            <a:ext cx="252000" cy="252000"/>
+          </a:xfrm>
+          <a:custGeom>
+            <a:avLst/>
+            <a:gdLst>
+              <a:gd name="connsiteX0" fmla="*/ 93671 w 252000"/>
+              <a:gd name="connsiteY0" fmla="*/ 158330 h 252000"/>
+              <a:gd name="connsiteX1" fmla="*/ 158329 w 252000"/>
+              <a:gd name="connsiteY1" fmla="*/ 158330 h 252000"/>
+              <a:gd name="connsiteX2" fmla="*/ 158329 w 252000"/>
+              <a:gd name="connsiteY2" fmla="*/ 93672 h 252000"/>
+              <a:gd name="connsiteX3" fmla="*/ 93671 w 252000"/>
+              <a:gd name="connsiteY3" fmla="*/ 93672 h 252000"/>
+              <a:gd name="connsiteX4" fmla="*/ 93671 w 252000"/>
+              <a:gd name="connsiteY4" fmla="*/ 158330 h 252000"/>
+              <a:gd name="connsiteX5" fmla="*/ 36905 w 252000"/>
+              <a:gd name="connsiteY5" fmla="*/ 215095 h 252000"/>
+              <a:gd name="connsiteX6" fmla="*/ 0 w 252000"/>
+              <a:gd name="connsiteY6" fmla="*/ 126000 h 252000"/>
+              <a:gd name="connsiteX7" fmla="*/ 126000 w 252000"/>
+              <a:gd name="connsiteY7" fmla="*/ 0 h 252000"/>
+              <a:gd name="connsiteX8" fmla="*/ 252000 w 252000"/>
+              <a:gd name="connsiteY8" fmla="*/ 0 h 252000"/>
+              <a:gd name="connsiteX9" fmla="*/ 252000 w 252000"/>
+              <a:gd name="connsiteY9" fmla="*/ 126000 h 252000"/>
+              <a:gd name="connsiteX10" fmla="*/ 126000 w 252000"/>
+              <a:gd name="connsiteY10" fmla="*/ 252000 h 252000"/>
+              <a:gd name="connsiteX11" fmla="*/ 36905 w 252000"/>
+              <a:gd name="connsiteY11" fmla="*/ 215095 h 252000"/>
+            </a:gdLst>
+            <a:ahLst/>
+            <a:cxnLst>
+              <a:cxn ang="0">
+                <a:pos x="connsiteX0" y="connsiteY0"/>
+              </a:cxn>
+              <a:cxn ang="0">
+                <a:pos x="connsiteX1" y="connsiteY1"/>
+              </a:cxn>
+              <a:cxn ang="0">
+                <a:pos x="connsiteX2" y="connsiteY2"/>
+              </a:cxn>
+              <a:cxn ang="0">
+                <a:pos x="connsiteX3" y="connsiteY3"/>
+              </a:cxn>
+              <a:cxn ang="0">
+                <a:pos x="connsiteX4" y="connsiteY4"/>
+              </a:cxn>
+              <a:cxn ang="0">
+                <a:pos x="connsiteX5" y="connsiteY5"/>
+              </a:cxn>
+              <a:cxn ang="0">
+                <a:pos x="connsiteX6" y="connsiteY6"/>
+              </a:cxn>
+              <a:cxn ang="0">
+                <a:pos x="connsiteX7" y="connsiteY7"/>
+              </a:cxn>
+              <a:cxn ang="0">
+                <a:pos x="connsiteX8" y="connsiteY8"/>
+              </a:cxn>
+              <a:cxn ang="0">
+                <a:pos x="connsiteX9" y="connsiteY9"/>
+              </a:cxn>
+              <a:cxn ang="0">
+                <a:pos x="connsiteX10" y="connsiteY10"/>
+              </a:cxn>
+              <a:cxn ang="0">
+                <a:pos x="connsiteX11" y="connsiteY11"/>
+              </a:cxn>
+            </a:cxnLst>
+            <a:rect l="l" t="t" r="r" b="b"/>
+            <a:pathLst>
+              <a:path w="252000" h="252000">
+                <a:moveTo>
+                  <a:pt x="93671" y="158330"/>
+                </a:moveTo>
+                <a:cubicBezTo>
+                  <a:pt x="111526" y="176185"/>
+                  <a:pt x="140474" y="176185"/>
+                  <a:pt x="158329" y="158330"/>
+                </a:cubicBezTo>
+                <a:cubicBezTo>
+                  <a:pt x="176183" y="140476"/>
+                  <a:pt x="176183" y="111527"/>
+                  <a:pt x="158329" y="93672"/>
+                </a:cubicBezTo>
+                <a:cubicBezTo>
+                  <a:pt x="140474" y="75818"/>
+                  <a:pt x="111526" y="75818"/>
+                  <a:pt x="93671" y="93672"/>
+                </a:cubicBezTo>
+                <a:cubicBezTo>
+                  <a:pt x="75817" y="111527"/>
+                  <a:pt x="75817" y="140476"/>
+                  <a:pt x="93671" y="158330"/>
+                </a:cubicBezTo>
+                <a:close/>
+                <a:moveTo>
+                  <a:pt x="36905" y="215095"/>
+                </a:moveTo>
+                <a:cubicBezTo>
+                  <a:pt x="14103" y="192294"/>
+                  <a:pt x="0" y="160794"/>
+                  <a:pt x="0" y="126000"/>
+                </a:cubicBezTo>
+                <a:cubicBezTo>
+                  <a:pt x="0" y="56412"/>
+                  <a:pt x="56412" y="0"/>
+                  <a:pt x="126000" y="0"/>
+                </a:cubicBezTo>
+                <a:lnTo>
+                  <a:pt x="252000" y="0"/>
+                </a:lnTo>
+                <a:lnTo>
+                  <a:pt x="252000" y="126000"/>
+                </a:lnTo>
+                <a:cubicBezTo>
+                  <a:pt x="252000" y="195588"/>
+                  <a:pt x="195588" y="252000"/>
+                  <a:pt x="126000" y="252000"/>
+                </a:cubicBezTo>
+                <a:cubicBezTo>
+                  <a:pt x="91206" y="252000"/>
+                  <a:pt x="59706" y="237897"/>
+                  <a:pt x="36905" y="215095"/>
+                </a:cubicBezTo>
+                <a:close/>
+              </a:path>
+            </a:pathLst>
+          </a:custGeom>
+          <a:solidFill>
+            <a:srgbClr val="FF8C52"/>
+          </a:solidFill>
+          <a:ln>
+            <a:noFill/>
+          </a:ln>
+        </p:spPr>
+        <p:style>
+          <a:lnRef idx="2">
+            <a:schemeClr val="accent1">
+              <a:shade val="50000"/>
+            </a:schemeClr>
+          </a:lnRef>
+          <a:fillRef idx="1">
+            <a:schemeClr val="accent1"/>
+          </a:fillRef>
+          <a:effectRef idx="0">
+            <a:schemeClr val="accent1"/>
+          </a:effectRef>
+          <a:fontRef idx="minor">
+            <a:schemeClr val="lt1"/>
+          </a:fontRef>
+        </p:style>
+        <p:txBody>
+          <a:bodyPr wrap="square" rtlCol="0" anchor="ctr">
+            <a:noAutofit/>
+          </a:bodyPr>
+          <a:lstStyle/>
+          <a:p>
+            <a:pPr algn="ctr"/>
+            <a:endParaRPr lang="en-AU"/>
+          </a:p>
+        </p:txBody>
+      </p:sp>
+      <p:sp>
+        <p:nvSpPr>
+          <p:cNvPr id="24" name="Isosceles Triangle 23">
+            <a:extLst>
+              <a:ext uri="{FF2B5EF4-FFF2-40B4-BE49-F238E27FC236}">
+                <a16:creationId xmlns:a16="http://schemas.microsoft.com/office/drawing/2014/main" id="{6DE948E2-6459-8A83-364D-5FBBE34DA2D6}"/>
+              </a:ext>
+            </a:extLst>
+          </p:cNvPr>
+          <p:cNvSpPr/>
+          <p:nvPr/>
+        </p:nvSpPr>
+        <p:spPr>
+          <a:xfrm>
+            <a:off x="6205943" y="3425648"/>
+            <a:ext cx="248888" cy="123663"/>
+          </a:xfrm>
+          <a:prstGeom prst="triangle">
+            <a:avLst/>
+          </a:prstGeom>
+          <a:solidFill>
+            <a:srgbClr val="FF8C52"/>
+          </a:solidFill>
+          <a:ln>
+            <a:noFill/>
+          </a:ln>
+        </p:spPr>
+        <p:style>
+          <a:lnRef idx="2">
+            <a:schemeClr val="accent1">
+              <a:shade val="50000"/>
+            </a:schemeClr>
+          </a:lnRef>
+          <a:fillRef idx="1">
+            <a:schemeClr val="accent1"/>
+          </a:fillRef>
+          <a:effectRef idx="0">
+            <a:schemeClr val="accent1"/>
+          </a:effectRef>
+          <a:fontRef idx="minor">
+            <a:schemeClr val="lt1"/>
+          </a:fontRef>
+        </p:style>
+        <p:txBody>
+          <a:bodyPr rtlCol="0" anchor="ctr"/>
+          <a:lstStyle/>
+          <a:p>
+            <a:pPr algn="ctr"/>
+            <a:endParaRPr lang="en-AU"/>
+          </a:p>
+        </p:txBody>
+      </p:sp>
+      <p:sp>
+        <p:nvSpPr>
+          <p:cNvPr id="26" name="Isosceles Triangle 25">
+            <a:extLst>
+              <a:ext uri="{FF2B5EF4-FFF2-40B4-BE49-F238E27FC236}">
+                <a16:creationId xmlns:a16="http://schemas.microsoft.com/office/drawing/2014/main" id="{A19CFB1A-22AE-D70F-9B6C-17112FE94C50}"/>
+              </a:ext>
+            </a:extLst>
+          </p:cNvPr>
+          <p:cNvSpPr/>
+          <p:nvPr/>
+        </p:nvSpPr>
+        <p:spPr>
+          <a:xfrm rot="10800000">
+            <a:off x="6219337" y="3547500"/>
+            <a:ext cx="226262" cy="123664"/>
+          </a:xfrm>
+          <a:prstGeom prst="triangle">
+            <a:avLst/>
+          </a:prstGeom>
+          <a:solidFill>
+            <a:srgbClr val="FFAD52"/>
+          </a:solidFill>
+          <a:ln>
+            <a:noFill/>
+          </a:ln>
+        </p:spPr>
+        <p:style>
+          <a:lnRef idx="2">
+            <a:schemeClr val="accent1">
+              <a:shade val="50000"/>
+            </a:schemeClr>
+          </a:lnRef>
+          <a:fillRef idx="1">
+            <a:schemeClr val="accent1"/>
+          </a:fillRef>
+          <a:effectRef idx="0">
+            <a:schemeClr val="accent1"/>
+          </a:effectRef>
+          <a:fontRef idx="minor">
+            <a:schemeClr val="lt1"/>
+          </a:fontRef>
+        </p:style>
+        <p:txBody>
+          <a:bodyPr rtlCol="0" anchor="ctr"/>
+          <a:lstStyle/>
+          <a:p>
+            <a:pPr algn="ctr"/>
+            <a:endParaRPr lang="en-AU"/>
+          </a:p>
+        </p:txBody>
+      </p:sp>
+      <p:sp>
+        <p:nvSpPr>
+          <p:cNvPr id="27" name="TextBox 26">
+            <a:extLst>
+              <a:ext uri="{FF2B5EF4-FFF2-40B4-BE49-F238E27FC236}">
+                <a16:creationId xmlns:a16="http://schemas.microsoft.com/office/drawing/2014/main" id="{19126025-5672-4707-DBAB-7F47773DE243}"/>
+              </a:ext>
+            </a:extLst>
+          </p:cNvPr>
+          <p:cNvSpPr txBox="1"/>
+          <p:nvPr/>
+        </p:nvSpPr>
+        <p:spPr>
+          <a:xfrm>
+            <a:off x="6158752" y="3403897"/>
+            <a:ext cx="258290" cy="307777"/>
+          </a:xfrm>
+          <a:prstGeom prst="rect">
+            <a:avLst/>
+          </a:prstGeom>
+          <a:noFill/>
+        </p:spPr>
+        <p:txBody>
+          <a:bodyPr wrap="square" rtlCol="0">
+            <a:spAutoFit/>
+          </a:bodyPr>
+          <a:lstStyle/>
+          <a:p>
+            <a:r>
+              <a:rPr lang="en-US" sz="1400" b="1" dirty="0">
+                <a:solidFill>
+                  <a:schemeClr val="bg1"/>
+                </a:solidFill>
+                <a:latin typeface="Oxygen" panose="02000503000000000000" pitchFamily="2" charset="0"/>
+              </a:rPr>
+              <a:t>@</a:t>
+            </a:r>
+            <a:endParaRPr lang="en-AU" sz="1400" b="1" dirty="0">
+              <a:solidFill>
+                <a:schemeClr val="bg1"/>
+              </a:solidFill>
+              <a:latin typeface="Oxygen" panose="02000503000000000000" pitchFamily="2" charset="0"/>
+            </a:endParaRPr>
+          </a:p>
+        </p:txBody>
+      </p:sp>
+      <p:sp>
+        <p:nvSpPr>
+          <p:cNvPr id="28" name="Freeform: Shape 27">
+            <a:extLst>
+              <a:ext uri="{FF2B5EF4-FFF2-40B4-BE49-F238E27FC236}">
+                <a16:creationId xmlns:a16="http://schemas.microsoft.com/office/drawing/2014/main" id="{06D39518-F8BB-8384-415B-1107CE75CE58}"/>
+              </a:ext>
+            </a:extLst>
+          </p:cNvPr>
+          <p:cNvSpPr/>
+          <p:nvPr/>
+        </p:nvSpPr>
+        <p:spPr>
+          <a:xfrm>
+            <a:off x="6205943" y="3550788"/>
+            <a:ext cx="248888" cy="160489"/>
+          </a:xfrm>
+          <a:custGeom>
+            <a:avLst/>
+            <a:gdLst>
+              <a:gd name="connsiteX0" fmla="*/ 14525 w 273777"/>
+              <a:gd name="connsiteY0" fmla="*/ 476 h 194191"/>
+              <a:gd name="connsiteX1" fmla="*/ 138969 w 273777"/>
+              <a:gd name="connsiteY1" fmla="*/ 124139 h 194191"/>
+              <a:gd name="connsiteX2" fmla="*/ 263413 w 273777"/>
+              <a:gd name="connsiteY2" fmla="*/ 476 h 194191"/>
+              <a:gd name="connsiteX3" fmla="*/ 0 w 273777"/>
+              <a:gd name="connsiteY3" fmla="*/ 0 h 194191"/>
+              <a:gd name="connsiteX4" fmla="*/ 273777 w 273777"/>
+              <a:gd name="connsiteY4" fmla="*/ 0 h 194191"/>
+              <a:gd name="connsiteX5" fmla="*/ 273777 w 273777"/>
+              <a:gd name="connsiteY5" fmla="*/ 194191 h 194191"/>
+              <a:gd name="connsiteX6" fmla="*/ 0 w 273777"/>
+              <a:gd name="connsiteY6" fmla="*/ 194191 h 194191"/>
+            </a:gdLst>
+            <a:ahLst/>
+            <a:cxnLst>
+              <a:cxn ang="0">
+                <a:pos x="connsiteX0" y="connsiteY0"/>
+              </a:cxn>
+              <a:cxn ang="0">
+                <a:pos x="connsiteX1" y="connsiteY1"/>
+              </a:cxn>
+              <a:cxn ang="0">
+                <a:pos x="connsiteX2" y="connsiteY2"/>
+              </a:cxn>
+              <a:cxn ang="0">
+                <a:pos x="connsiteX3" y="connsiteY3"/>
+              </a:cxn>
+              <a:cxn ang="0">
+                <a:pos x="connsiteX4" y="connsiteY4"/>
+              </a:cxn>
+              <a:cxn ang="0">
+                <a:pos x="connsiteX5" y="connsiteY5"/>
+              </a:cxn>
+              <a:cxn ang="0">
+                <a:pos x="connsiteX6" y="connsiteY6"/>
+              </a:cxn>
+            </a:cxnLst>
+            <a:rect l="l" t="t" r="r" b="b"/>
+            <a:pathLst>
+              <a:path w="273777" h="194191">
+                <a:moveTo>
+                  <a:pt x="14525" y="476"/>
+                </a:moveTo>
+                <a:lnTo>
+                  <a:pt x="138969" y="124139"/>
+                </a:lnTo>
+                <a:lnTo>
+                  <a:pt x="263413" y="476"/>
+                </a:lnTo>
+                <a:close/>
+                <a:moveTo>
+                  <a:pt x="0" y="0"/>
+                </a:moveTo>
+                <a:lnTo>
+                  <a:pt x="273777" y="0"/>
+                </a:lnTo>
+                <a:lnTo>
+                  <a:pt x="273777" y="194191"/>
+                </a:lnTo>
+                <a:lnTo>
+                  <a:pt x="0" y="194191"/>
+                </a:lnTo>
+                <a:close/>
+              </a:path>
+            </a:pathLst>
+          </a:custGeom>
+          <a:solidFill>
+            <a:srgbClr val="FF8C52"/>
+          </a:solidFill>
+          <a:ln>
+            <a:noFill/>
+          </a:ln>
+        </p:spPr>
+        <p:style>
+          <a:lnRef idx="2">
+            <a:schemeClr val="accent1">
+              <a:shade val="50000"/>
+            </a:schemeClr>
+          </a:lnRef>
+          <a:fillRef idx="1">
+            <a:schemeClr val="accent1"/>
+          </a:fillRef>
+          <a:effectRef idx="0">
+            <a:schemeClr val="accent1"/>
+          </a:effectRef>
+          <a:fontRef idx="minor">
+            <a:schemeClr val="lt1"/>
+          </a:fontRef>
+        </p:style>
+        <p:txBody>
+          <a:bodyPr wrap="square" rtlCol="0" anchor="ctr">
+            <a:noAutofit/>
+          </a:bodyPr>
+          <a:lstStyle/>
+          <a:p>
+            <a:pPr algn="ctr"/>
+            <a:endParaRPr lang="en-AU"/>
+          </a:p>
+        </p:txBody>
+      </p:sp>
+      <p:pic>
+        <p:nvPicPr>
+          <p:cNvPr id="30" name="Picture 29">
+            <a:extLst>
+              <a:ext uri="{FF2B5EF4-FFF2-40B4-BE49-F238E27FC236}">
+                <a16:creationId xmlns:a16="http://schemas.microsoft.com/office/drawing/2014/main" id="{E61F52E8-9E4B-7FDC-40BA-F36523C579FF}"/>
+              </a:ext>
+            </a:extLst>
+          </p:cNvPr>
+          <p:cNvPicPr>
+            <a:picLocks noChangeAspect="1"/>
+          </p:cNvPicPr>
+          <p:nvPr/>
+        </p:nvPicPr>
+        <p:blipFill>
+          <a:blip r:embed="rId5"/>
+          <a:stretch>
+            <a:fillRect/>
+          </a:stretch>
+        </p:blipFill>
+        <p:spPr>
+          <a:xfrm>
+            <a:off x="6154284" y="3905347"/>
+            <a:ext cx="313738" cy="310434"/>
+          </a:xfrm>
+          <a:prstGeom prst="rect">
+            <a:avLst/>
+          </a:prstGeom>
+        </p:spPr>
+      </p:pic>
+      <p:pic>
+        <p:nvPicPr>
+          <p:cNvPr id="31" name="Picture 30">
+            <a:extLst>
+              <a:ext uri="{FF2B5EF4-FFF2-40B4-BE49-F238E27FC236}">
+                <a16:creationId xmlns:a16="http://schemas.microsoft.com/office/drawing/2014/main" id="{CAA8B2C7-0255-3B4E-3033-5A1490CEF6B5}"/>
+              </a:ext>
+            </a:extLst>
+          </p:cNvPr>
+          <p:cNvPicPr>
+            <a:picLocks noChangeAspect="1"/>
+          </p:cNvPicPr>
+          <p:nvPr/>
+        </p:nvPicPr>
+        <p:blipFill>
+          <a:blip r:embed="rId6"/>
+          <a:stretch>
+            <a:fillRect/>
+          </a:stretch>
+        </p:blipFill>
+        <p:spPr>
+          <a:xfrm>
+            <a:off x="6222560" y="5077766"/>
+            <a:ext cx="230977" cy="230977"/>
+          </a:xfrm>
+          <a:prstGeom prst="rect">
+            <a:avLst/>
+          </a:prstGeom>
+        </p:spPr>
+      </p:pic>
+    </p:spTree>
+    <p:extLst>
+      <p:ext uri="{BB962C8B-B14F-4D97-AF65-F5344CB8AC3E}">
+        <p14:creationId xmlns:p14="http://schemas.microsoft.com/office/powerpoint/2010/main" val="850497017"/>
       </p:ext>
     </p:extLst>
   </p:cSld>

--- a/Offline/BusinessManagement/Marketing/MarketingArtworks/Images&Resources/AnodiamVisitingCards.pptx
+++ b/Offline/BusinessManagement/Marketing/MarketingArtworks/Images&Resources/AnodiamVisitingCards.pptx
@@ -12843,100 +12843,121 @@
           </p:txBody>
         </p:sp>
       </p:grpSp>
-      <p:pic>
-        <p:nvPicPr>
-          <p:cNvPr id="11" name="Picture 10">
+      <p:grpSp>
+        <p:nvGrpSpPr>
+          <p:cNvPr id="3" name="Group 2">
             <a:extLst>
               <a:ext uri="{FF2B5EF4-FFF2-40B4-BE49-F238E27FC236}">
-                <a16:creationId xmlns:a16="http://schemas.microsoft.com/office/drawing/2014/main" id="{8352614E-C0BB-F58D-3649-AC6509BF2EE0}"/>
+                <a16:creationId xmlns:a16="http://schemas.microsoft.com/office/drawing/2014/main" id="{35499F6F-689A-FA53-C8CD-F1CD1F4075CC}"/>
               </a:ext>
             </a:extLst>
           </p:cNvPr>
-          <p:cNvPicPr>
-            <a:picLocks noChangeAspect="1"/>
-          </p:cNvPicPr>
+          <p:cNvGrpSpPr/>
           <p:nvPr/>
-        </p:nvPicPr>
-        <p:blipFill>
-          <a:blip r:embed="rId6"/>
-          <a:stretch>
-            <a:fillRect/>
-          </a:stretch>
-        </p:blipFill>
-        <p:spPr>
-          <a:xfrm>
-            <a:off x="2809354" y="2420068"/>
-            <a:ext cx="1917397" cy="1922635"/>
-          </a:xfrm>
-          <a:prstGeom prst="rect">
-            <a:avLst/>
-          </a:prstGeom>
-        </p:spPr>
-      </p:pic>
-      <p:sp>
-        <p:nvSpPr>
-          <p:cNvPr id="12" name="Rectangle 11">
-            <a:extLst>
-              <a:ext uri="{FF2B5EF4-FFF2-40B4-BE49-F238E27FC236}">
-                <a16:creationId xmlns:a16="http://schemas.microsoft.com/office/drawing/2014/main" id="{6D41FAE6-2D10-6702-0936-CC9368CAB38A}"/>
-              </a:ext>
-            </a:extLst>
-          </p:cNvPr>
-          <p:cNvSpPr/>
-          <p:nvPr/>
-        </p:nvSpPr>
-        <p:spPr>
+        </p:nvGrpSpPr>
+        <p:grpSpPr>
           <a:xfrm>
             <a:off x="2730762" y="2348061"/>
             <a:ext cx="2061114" cy="2061580"/>
+            <a:chOff x="2730762" y="2348061"/>
+            <a:chExt cx="2061114" cy="2061580"/>
           </a:xfrm>
-          <a:prstGeom prst="rect">
-            <a:avLst/>
-          </a:prstGeom>
-          <a:gradFill>
-            <a:gsLst>
-              <a:gs pos="70000">
-                <a:srgbClr val="FFFFFF"/>
-              </a:gs>
-              <a:gs pos="62000">
-                <a:schemeClr val="bg1">
-                  <a:alpha val="0"/>
-                </a:schemeClr>
-              </a:gs>
-            </a:gsLst>
-            <a:path path="circle">
-              <a:fillToRect l="50000" t="50000" r="50000" b="50000"/>
-            </a:path>
-          </a:gradFill>
-          <a:ln>
-            <a:noFill/>
-          </a:ln>
-        </p:spPr>
-        <p:style>
-          <a:lnRef idx="2">
-            <a:schemeClr val="accent1">
-              <a:shade val="50000"/>
-            </a:schemeClr>
-          </a:lnRef>
-          <a:fillRef idx="1">
-            <a:schemeClr val="accent1"/>
-          </a:fillRef>
-          <a:effectRef idx="0">
-            <a:schemeClr val="accent1"/>
-          </a:effectRef>
-          <a:fontRef idx="minor">
-            <a:schemeClr val="lt1"/>
-          </a:fontRef>
-        </p:style>
-        <p:txBody>
-          <a:bodyPr rtlCol="0" anchor="ctr"/>
-          <a:lstStyle/>
-          <a:p>
-            <a:pPr algn="ctr"/>
-            <a:endParaRPr lang="en-AU"/>
-          </a:p>
-        </p:txBody>
-      </p:sp>
+        </p:grpSpPr>
+        <p:pic>
+          <p:nvPicPr>
+            <p:cNvPr id="11" name="Picture 10">
+              <a:extLst>
+                <a:ext uri="{FF2B5EF4-FFF2-40B4-BE49-F238E27FC236}">
+                  <a16:creationId xmlns:a16="http://schemas.microsoft.com/office/drawing/2014/main" id="{8352614E-C0BB-F58D-3649-AC6509BF2EE0}"/>
+                </a:ext>
+              </a:extLst>
+            </p:cNvPr>
+            <p:cNvPicPr>
+              <a:picLocks noChangeAspect="1"/>
+            </p:cNvPicPr>
+            <p:nvPr/>
+          </p:nvPicPr>
+          <p:blipFill>
+            <a:blip r:embed="rId6"/>
+            <a:stretch>
+              <a:fillRect/>
+            </a:stretch>
+          </p:blipFill>
+          <p:spPr>
+            <a:xfrm>
+              <a:off x="2809354" y="2420068"/>
+              <a:ext cx="1917397" cy="1922635"/>
+            </a:xfrm>
+            <a:prstGeom prst="rect">
+              <a:avLst/>
+            </a:prstGeom>
+          </p:spPr>
+        </p:pic>
+        <p:sp>
+          <p:nvSpPr>
+            <p:cNvPr id="12" name="Rectangle 11">
+              <a:extLst>
+                <a:ext uri="{FF2B5EF4-FFF2-40B4-BE49-F238E27FC236}">
+                  <a16:creationId xmlns:a16="http://schemas.microsoft.com/office/drawing/2014/main" id="{6D41FAE6-2D10-6702-0936-CC9368CAB38A}"/>
+                </a:ext>
+              </a:extLst>
+            </p:cNvPr>
+            <p:cNvSpPr/>
+            <p:nvPr/>
+          </p:nvSpPr>
+          <p:spPr>
+            <a:xfrm>
+              <a:off x="2730762" y="2348061"/>
+              <a:ext cx="2061114" cy="2061580"/>
+            </a:xfrm>
+            <a:prstGeom prst="rect">
+              <a:avLst/>
+            </a:prstGeom>
+            <a:gradFill>
+              <a:gsLst>
+                <a:gs pos="70000">
+                  <a:srgbClr val="FFFFFF"/>
+                </a:gs>
+                <a:gs pos="62000">
+                  <a:schemeClr val="bg1">
+                    <a:alpha val="0"/>
+                  </a:schemeClr>
+                </a:gs>
+              </a:gsLst>
+              <a:path path="circle">
+                <a:fillToRect l="50000" t="50000" r="50000" b="50000"/>
+              </a:path>
+            </a:gradFill>
+            <a:ln>
+              <a:noFill/>
+            </a:ln>
+          </p:spPr>
+          <p:style>
+            <a:lnRef idx="2">
+              <a:schemeClr val="accent1">
+                <a:shade val="50000"/>
+              </a:schemeClr>
+            </a:lnRef>
+            <a:fillRef idx="1">
+              <a:schemeClr val="accent1"/>
+            </a:fillRef>
+            <a:effectRef idx="0">
+              <a:schemeClr val="accent1"/>
+            </a:effectRef>
+            <a:fontRef idx="minor">
+              <a:schemeClr val="lt1"/>
+            </a:fontRef>
+          </p:style>
+          <p:txBody>
+            <a:bodyPr rtlCol="0" anchor="ctr"/>
+            <a:lstStyle/>
+            <a:p>
+              <a:pPr algn="ctr"/>
+              <a:endParaRPr lang="en-AU"/>
+            </a:p>
+          </p:txBody>
+        </p:sp>
+      </p:grpSp>
     </p:spTree>
     <p:extLst>
       <p:ext uri="{BB962C8B-B14F-4D97-AF65-F5344CB8AC3E}">

--- a/Offline/BusinessManagement/Marketing/MarketingArtworks/Images&Resources/AnodiamVisitingCards.pptx
+++ b/Offline/BusinessManagement/Marketing/MarketingArtworks/Images&Resources/AnodiamVisitingCards.pptx
@@ -10,7 +10,7 @@
     <p:sldId id="260" r:id="rId4"/>
     <p:sldId id="262" r:id="rId5"/>
     <p:sldId id="263" r:id="rId6"/>
-    <p:sldId id="261" r:id="rId7"/>
+    <p:sldId id="268" r:id="rId7"/>
     <p:sldId id="266" r:id="rId8"/>
     <p:sldId id="267" r:id="rId9"/>
     <p:sldId id="265" r:id="rId10"/>
@@ -251,7 +251,7 @@
           <a:p>
             <a:fld id="{CA6D4F87-9B9E-4A4F-B3AC-3968D7D2EB59}" type="datetimeFigureOut">
               <a:rPr lang="en-AU" smtClean="0"/>
-              <a:t>15/12/2023</a:t>
+              <a:t>29/01/2024</a:t>
             </a:fld>
             <a:endParaRPr lang="en-AU"/>
           </a:p>
@@ -421,7 +421,7 @@
           <a:p>
             <a:fld id="{CA6D4F87-9B9E-4A4F-B3AC-3968D7D2EB59}" type="datetimeFigureOut">
               <a:rPr lang="en-AU" smtClean="0"/>
-              <a:t>15/12/2023</a:t>
+              <a:t>29/01/2024</a:t>
             </a:fld>
             <a:endParaRPr lang="en-AU"/>
           </a:p>
@@ -601,7 +601,7 @@
           <a:p>
             <a:fld id="{CA6D4F87-9B9E-4A4F-B3AC-3968D7D2EB59}" type="datetimeFigureOut">
               <a:rPr lang="en-AU" smtClean="0"/>
-              <a:t>15/12/2023</a:t>
+              <a:t>29/01/2024</a:t>
             </a:fld>
             <a:endParaRPr lang="en-AU"/>
           </a:p>
@@ -771,7 +771,7 @@
           <a:p>
             <a:fld id="{CA6D4F87-9B9E-4A4F-B3AC-3968D7D2EB59}" type="datetimeFigureOut">
               <a:rPr lang="en-AU" smtClean="0"/>
-              <a:t>15/12/2023</a:t>
+              <a:t>29/01/2024</a:t>
             </a:fld>
             <a:endParaRPr lang="en-AU"/>
           </a:p>
@@ -1017,7 +1017,7 @@
           <a:p>
             <a:fld id="{CA6D4F87-9B9E-4A4F-B3AC-3968D7D2EB59}" type="datetimeFigureOut">
               <a:rPr lang="en-AU" smtClean="0"/>
-              <a:t>15/12/2023</a:t>
+              <a:t>29/01/2024</a:t>
             </a:fld>
             <a:endParaRPr lang="en-AU"/>
           </a:p>
@@ -1249,7 +1249,7 @@
           <a:p>
             <a:fld id="{CA6D4F87-9B9E-4A4F-B3AC-3968D7D2EB59}" type="datetimeFigureOut">
               <a:rPr lang="en-AU" smtClean="0"/>
-              <a:t>15/12/2023</a:t>
+              <a:t>29/01/2024</a:t>
             </a:fld>
             <a:endParaRPr lang="en-AU"/>
           </a:p>
@@ -1616,7 +1616,7 @@
           <a:p>
             <a:fld id="{CA6D4F87-9B9E-4A4F-B3AC-3968D7D2EB59}" type="datetimeFigureOut">
               <a:rPr lang="en-AU" smtClean="0"/>
-              <a:t>15/12/2023</a:t>
+              <a:t>29/01/2024</a:t>
             </a:fld>
             <a:endParaRPr lang="en-AU"/>
           </a:p>
@@ -1734,7 +1734,7 @@
           <a:p>
             <a:fld id="{CA6D4F87-9B9E-4A4F-B3AC-3968D7D2EB59}" type="datetimeFigureOut">
               <a:rPr lang="en-AU" smtClean="0"/>
-              <a:t>15/12/2023</a:t>
+              <a:t>29/01/2024</a:t>
             </a:fld>
             <a:endParaRPr lang="en-AU"/>
           </a:p>
@@ -1829,7 +1829,7 @@
           <a:p>
             <a:fld id="{CA6D4F87-9B9E-4A4F-B3AC-3968D7D2EB59}" type="datetimeFigureOut">
               <a:rPr lang="en-AU" smtClean="0"/>
-              <a:t>15/12/2023</a:t>
+              <a:t>29/01/2024</a:t>
             </a:fld>
             <a:endParaRPr lang="en-AU"/>
           </a:p>
@@ -2106,7 +2106,7 @@
           <a:p>
             <a:fld id="{CA6D4F87-9B9E-4A4F-B3AC-3968D7D2EB59}" type="datetimeFigureOut">
               <a:rPr lang="en-AU" smtClean="0"/>
-              <a:t>15/12/2023</a:t>
+              <a:t>29/01/2024</a:t>
             </a:fld>
             <a:endParaRPr lang="en-AU"/>
           </a:p>
@@ -2359,7 +2359,7 @@
           <a:p>
             <a:fld id="{CA6D4F87-9B9E-4A4F-B3AC-3968D7D2EB59}" type="datetimeFigureOut">
               <a:rPr lang="en-AU" smtClean="0"/>
-              <a:t>15/12/2023</a:t>
+              <a:t>29/01/2024</a:t>
             </a:fld>
             <a:endParaRPr lang="en-AU"/>
           </a:p>
@@ -2572,7 +2572,7 @@
           <a:p>
             <a:fld id="{CA6D4F87-9B9E-4A4F-B3AC-3968D7D2EB59}" type="datetimeFigureOut">
               <a:rPr lang="en-AU" smtClean="0"/>
-              <a:t>15/12/2023</a:t>
+              <a:t>29/01/2024</a:t>
             </a:fld>
             <a:endParaRPr lang="en-AU"/>
           </a:p>
@@ -4608,7 +4608,7 @@
           <p:cNvPr id="17" name="Freeform: Shape 16">
             <a:extLst>
               <a:ext uri="{FF2B5EF4-FFF2-40B4-BE49-F238E27FC236}">
-                <a16:creationId xmlns:a16="http://schemas.microsoft.com/office/drawing/2014/main" id="{AFF9FF99-0A06-41A7-BC2C-5003B49B20A1}"/>
+                <a16:creationId xmlns:a16="http://schemas.microsoft.com/office/drawing/2014/main" xmlns="" id="{AFF9FF99-0A06-41A7-BC2C-5003B49B20A1}"/>
               </a:ext>
             </a:extLst>
           </p:cNvPr>
@@ -4786,7 +4786,7 @@
           <p:cNvPr id="14" name="Isosceles Triangle 13">
             <a:extLst>
               <a:ext uri="{FF2B5EF4-FFF2-40B4-BE49-F238E27FC236}">
-                <a16:creationId xmlns:a16="http://schemas.microsoft.com/office/drawing/2014/main" id="{30DE4366-3134-4E79-AD07-B89C53ABF78F}"/>
+                <a16:creationId xmlns:a16="http://schemas.microsoft.com/office/drawing/2014/main" xmlns="" id="{30DE4366-3134-4E79-AD07-B89C53ABF78F}"/>
               </a:ext>
             </a:extLst>
           </p:cNvPr>
@@ -4838,7 +4838,7 @@
           <p:cNvPr id="18" name="Isosceles Triangle 17">
             <a:extLst>
               <a:ext uri="{FF2B5EF4-FFF2-40B4-BE49-F238E27FC236}">
-                <a16:creationId xmlns:a16="http://schemas.microsoft.com/office/drawing/2014/main" id="{98AD1FB3-B4A2-47EF-AEBA-9BB3D41DBFE9}"/>
+                <a16:creationId xmlns:a16="http://schemas.microsoft.com/office/drawing/2014/main" xmlns="" id="{98AD1FB3-B4A2-47EF-AEBA-9BB3D41DBFE9}"/>
               </a:ext>
             </a:extLst>
           </p:cNvPr>
@@ -4890,7 +4890,7 @@
           <p:cNvPr id="19" name="TextBox 18">
             <a:extLst>
               <a:ext uri="{FF2B5EF4-FFF2-40B4-BE49-F238E27FC236}">
-                <a16:creationId xmlns:a16="http://schemas.microsoft.com/office/drawing/2014/main" id="{F357C0F4-92A3-4AE9-8FC3-DEADDEB99F27}"/>
+                <a16:creationId xmlns:a16="http://schemas.microsoft.com/office/drawing/2014/main" xmlns="" id="{F357C0F4-92A3-4AE9-8FC3-DEADDEB99F27}"/>
               </a:ext>
             </a:extLst>
           </p:cNvPr>
@@ -4936,7 +4936,7 @@
           <p:cNvPr id="21" name="Freeform: Shape 20">
             <a:extLst>
               <a:ext uri="{FF2B5EF4-FFF2-40B4-BE49-F238E27FC236}">
-                <a16:creationId xmlns:a16="http://schemas.microsoft.com/office/drawing/2014/main" id="{44090025-7000-4D7D-A74F-0D5873C3CE90}"/>
+                <a16:creationId xmlns:a16="http://schemas.microsoft.com/office/drawing/2014/main" xmlns="" id="{44090025-7000-4D7D-A74F-0D5873C3CE90}"/>
               </a:ext>
             </a:extLst>
           </p:cNvPr>
@@ -5058,7 +5058,7 @@
           <p:cNvPr id="25" name="Picture 24">
             <a:extLst>
               <a:ext uri="{FF2B5EF4-FFF2-40B4-BE49-F238E27FC236}">
-                <a16:creationId xmlns:a16="http://schemas.microsoft.com/office/drawing/2014/main" id="{FEFC668B-EF80-45D1-9927-60145DF3ED1B}"/>
+                <a16:creationId xmlns:a16="http://schemas.microsoft.com/office/drawing/2014/main" xmlns="" id="{FEFC668B-EF80-45D1-9927-60145DF3ED1B}"/>
               </a:ext>
             </a:extLst>
           </p:cNvPr>
@@ -5088,7 +5088,7 @@
           <p:cNvPr id="29" name="Picture 28">
             <a:extLst>
               <a:ext uri="{FF2B5EF4-FFF2-40B4-BE49-F238E27FC236}">
-                <a16:creationId xmlns:a16="http://schemas.microsoft.com/office/drawing/2014/main" id="{DF666D98-6E40-4127-BB7F-A63B9E925409}"/>
+                <a16:creationId xmlns:a16="http://schemas.microsoft.com/office/drawing/2014/main" xmlns="" id="{DF666D98-6E40-4127-BB7F-A63B9E925409}"/>
               </a:ext>
             </a:extLst>
           </p:cNvPr>
@@ -5179,7 +5179,7 @@
           <p:cNvPr id="14" name="Freeform 7">
             <a:extLst>
               <a:ext uri="{FF2B5EF4-FFF2-40B4-BE49-F238E27FC236}">
-                <a16:creationId xmlns:a16="http://schemas.microsoft.com/office/drawing/2014/main" id="{0812EEAD-DDD2-4808-A407-5451476AFC24}"/>
+                <a16:creationId xmlns:a16="http://schemas.microsoft.com/office/drawing/2014/main" xmlns="" id="{0812EEAD-DDD2-4808-A407-5451476AFC24}"/>
               </a:ext>
             </a:extLst>
           </p:cNvPr>
@@ -5379,7 +5379,7 @@
           <p:cNvPr id="17" name="Group 16">
             <a:extLst>
               <a:ext uri="{FF2B5EF4-FFF2-40B4-BE49-F238E27FC236}">
-                <a16:creationId xmlns:a16="http://schemas.microsoft.com/office/drawing/2014/main" id="{FDD64CA8-AA84-4ED6-8214-8CFD09AA362C}"/>
+                <a16:creationId xmlns:a16="http://schemas.microsoft.com/office/drawing/2014/main" xmlns="" id="{FDD64CA8-AA84-4ED6-8214-8CFD09AA362C}"/>
               </a:ext>
             </a:extLst>
           </p:cNvPr>
@@ -5399,7 +5399,7 @@
             <p:cNvPr id="18" name="Picture 17">
               <a:extLst>
                 <a:ext uri="{FF2B5EF4-FFF2-40B4-BE49-F238E27FC236}">
-                  <a16:creationId xmlns:a16="http://schemas.microsoft.com/office/drawing/2014/main" id="{70C70E0D-190E-42A7-B439-CD1217E3C34F}"/>
+                  <a16:creationId xmlns:a16="http://schemas.microsoft.com/office/drawing/2014/main" xmlns="" id="{70C70E0D-190E-42A7-B439-CD1217E3C34F}"/>
                 </a:ext>
               </a:extLst>
             </p:cNvPr>
@@ -5429,7 +5429,7 @@
             <p:cNvPr id="19" name="Freeform 9">
               <a:extLst>
                 <a:ext uri="{FF2B5EF4-FFF2-40B4-BE49-F238E27FC236}">
-                  <a16:creationId xmlns:a16="http://schemas.microsoft.com/office/drawing/2014/main" id="{1D1E94CE-A919-432C-BD3C-6BF3964B7A01}"/>
+                  <a16:creationId xmlns:a16="http://schemas.microsoft.com/office/drawing/2014/main" xmlns="" id="{1D1E94CE-A919-432C-BD3C-6BF3964B7A01}"/>
                 </a:ext>
               </a:extLst>
             </p:cNvPr>
@@ -5841,7 +5841,7 @@
           <p:cNvPr id="20" name="Rectangle 19">
             <a:extLst>
               <a:ext uri="{FF2B5EF4-FFF2-40B4-BE49-F238E27FC236}">
-                <a16:creationId xmlns:a16="http://schemas.microsoft.com/office/drawing/2014/main" id="{23173713-9A71-4CBF-8C12-530A1572993A}"/>
+                <a16:creationId xmlns:a16="http://schemas.microsoft.com/office/drawing/2014/main" xmlns="" id="{23173713-9A71-4CBF-8C12-530A1572993A}"/>
               </a:ext>
             </a:extLst>
           </p:cNvPr>
@@ -5915,7 +5915,7 @@
           <p:cNvPr id="21" name="TextBox 20">
             <a:extLst>
               <a:ext uri="{FF2B5EF4-FFF2-40B4-BE49-F238E27FC236}">
-                <a16:creationId xmlns:a16="http://schemas.microsoft.com/office/drawing/2014/main" id="{63F188B8-164A-4091-A3E1-A7C3EF5EEAE5}"/>
+                <a16:creationId xmlns:a16="http://schemas.microsoft.com/office/drawing/2014/main" xmlns="" id="{63F188B8-164A-4091-A3E1-A7C3EF5EEAE5}"/>
               </a:ext>
             </a:extLst>
           </p:cNvPr>
@@ -6038,7 +6038,7 @@
           <p:cNvPr id="22" name="Rectangle 21">
             <a:extLst>
               <a:ext uri="{FF2B5EF4-FFF2-40B4-BE49-F238E27FC236}">
-                <a16:creationId xmlns:a16="http://schemas.microsoft.com/office/drawing/2014/main" id="{3E687DAF-48B4-4207-A80F-5D17C33AE3F0}"/>
+                <a16:creationId xmlns:a16="http://schemas.microsoft.com/office/drawing/2014/main" xmlns="" id="{3E687DAF-48B4-4207-A80F-5D17C33AE3F0}"/>
               </a:ext>
             </a:extLst>
           </p:cNvPr>
@@ -6089,7 +6089,7 @@
           <p:cNvPr id="23" name="Freeform: Shape 22">
             <a:extLst>
               <a:ext uri="{FF2B5EF4-FFF2-40B4-BE49-F238E27FC236}">
-                <a16:creationId xmlns:a16="http://schemas.microsoft.com/office/drawing/2014/main" id="{CF80B12C-44D3-4ADC-9100-23862583F08A}"/>
+                <a16:creationId xmlns:a16="http://schemas.microsoft.com/office/drawing/2014/main" xmlns="" id="{CF80B12C-44D3-4ADC-9100-23862583F08A}"/>
               </a:ext>
             </a:extLst>
           </p:cNvPr>
@@ -6267,7 +6267,7 @@
           <p:cNvPr id="24" name="Isosceles Triangle 23">
             <a:extLst>
               <a:ext uri="{FF2B5EF4-FFF2-40B4-BE49-F238E27FC236}">
-                <a16:creationId xmlns:a16="http://schemas.microsoft.com/office/drawing/2014/main" id="{53E014D2-C2CC-46FD-A6CE-98BF47255732}"/>
+                <a16:creationId xmlns:a16="http://schemas.microsoft.com/office/drawing/2014/main" xmlns="" id="{53E014D2-C2CC-46FD-A6CE-98BF47255732}"/>
               </a:ext>
             </a:extLst>
           </p:cNvPr>
@@ -6319,7 +6319,7 @@
           <p:cNvPr id="25" name="Isosceles Triangle 24">
             <a:extLst>
               <a:ext uri="{FF2B5EF4-FFF2-40B4-BE49-F238E27FC236}">
-                <a16:creationId xmlns:a16="http://schemas.microsoft.com/office/drawing/2014/main" id="{3618B24B-9F40-4F29-A0AB-2FBAC8C77F6B}"/>
+                <a16:creationId xmlns:a16="http://schemas.microsoft.com/office/drawing/2014/main" xmlns="" id="{3618B24B-9F40-4F29-A0AB-2FBAC8C77F6B}"/>
               </a:ext>
             </a:extLst>
           </p:cNvPr>
@@ -6371,7 +6371,7 @@
           <p:cNvPr id="26" name="TextBox 25">
             <a:extLst>
               <a:ext uri="{FF2B5EF4-FFF2-40B4-BE49-F238E27FC236}">
-                <a16:creationId xmlns:a16="http://schemas.microsoft.com/office/drawing/2014/main" id="{76D3526A-9877-4C26-AD42-24EE83D10068}"/>
+                <a16:creationId xmlns:a16="http://schemas.microsoft.com/office/drawing/2014/main" xmlns="" id="{76D3526A-9877-4C26-AD42-24EE83D10068}"/>
               </a:ext>
             </a:extLst>
           </p:cNvPr>
@@ -6417,7 +6417,7 @@
           <p:cNvPr id="27" name="Freeform: Shape 26">
             <a:extLst>
               <a:ext uri="{FF2B5EF4-FFF2-40B4-BE49-F238E27FC236}">
-                <a16:creationId xmlns:a16="http://schemas.microsoft.com/office/drawing/2014/main" id="{72BFE888-F23A-4A9E-9FED-1E519B252B0F}"/>
+                <a16:creationId xmlns:a16="http://schemas.microsoft.com/office/drawing/2014/main" xmlns="" id="{72BFE888-F23A-4A9E-9FED-1E519B252B0F}"/>
               </a:ext>
             </a:extLst>
           </p:cNvPr>
@@ -6539,7 +6539,7 @@
           <p:cNvPr id="28" name="Picture 27">
             <a:extLst>
               <a:ext uri="{FF2B5EF4-FFF2-40B4-BE49-F238E27FC236}">
-                <a16:creationId xmlns:a16="http://schemas.microsoft.com/office/drawing/2014/main" id="{F3DEC334-2423-48CF-8151-B1C297BDC4E4}"/>
+                <a16:creationId xmlns:a16="http://schemas.microsoft.com/office/drawing/2014/main" xmlns="" id="{F3DEC334-2423-48CF-8151-B1C297BDC4E4}"/>
               </a:ext>
             </a:extLst>
           </p:cNvPr>
@@ -6569,7 +6569,7 @@
           <p:cNvPr id="29" name="Picture 28">
             <a:extLst>
               <a:ext uri="{FF2B5EF4-FFF2-40B4-BE49-F238E27FC236}">
-                <a16:creationId xmlns:a16="http://schemas.microsoft.com/office/drawing/2014/main" id="{DC10440A-064F-42E6-9CD6-32E8D2800483}"/>
+                <a16:creationId xmlns:a16="http://schemas.microsoft.com/office/drawing/2014/main" xmlns="" id="{DC10440A-064F-42E6-9CD6-32E8D2800483}"/>
               </a:ext>
             </a:extLst>
           </p:cNvPr>
@@ -7154,7 +7154,7 @@
           <p:cNvPr id="17" name="Freeform: Shape 16">
             <a:extLst>
               <a:ext uri="{FF2B5EF4-FFF2-40B4-BE49-F238E27FC236}">
-                <a16:creationId xmlns:a16="http://schemas.microsoft.com/office/drawing/2014/main" id="{AFF9FF99-0A06-41A7-BC2C-5003B49B20A1}"/>
+                <a16:creationId xmlns:a16="http://schemas.microsoft.com/office/drawing/2014/main" xmlns="" id="{AFF9FF99-0A06-41A7-BC2C-5003B49B20A1}"/>
               </a:ext>
             </a:extLst>
           </p:cNvPr>
@@ -7332,7 +7332,7 @@
           <p:cNvPr id="14" name="Isosceles Triangle 13">
             <a:extLst>
               <a:ext uri="{FF2B5EF4-FFF2-40B4-BE49-F238E27FC236}">
-                <a16:creationId xmlns:a16="http://schemas.microsoft.com/office/drawing/2014/main" id="{30DE4366-3134-4E79-AD07-B89C53ABF78F}"/>
+                <a16:creationId xmlns:a16="http://schemas.microsoft.com/office/drawing/2014/main" xmlns="" id="{30DE4366-3134-4E79-AD07-B89C53ABF78F}"/>
               </a:ext>
             </a:extLst>
           </p:cNvPr>
@@ -7384,7 +7384,7 @@
           <p:cNvPr id="18" name="Isosceles Triangle 17">
             <a:extLst>
               <a:ext uri="{FF2B5EF4-FFF2-40B4-BE49-F238E27FC236}">
-                <a16:creationId xmlns:a16="http://schemas.microsoft.com/office/drawing/2014/main" id="{98AD1FB3-B4A2-47EF-AEBA-9BB3D41DBFE9}"/>
+                <a16:creationId xmlns:a16="http://schemas.microsoft.com/office/drawing/2014/main" xmlns="" id="{98AD1FB3-B4A2-47EF-AEBA-9BB3D41DBFE9}"/>
               </a:ext>
             </a:extLst>
           </p:cNvPr>
@@ -7436,7 +7436,7 @@
           <p:cNvPr id="19" name="TextBox 18">
             <a:extLst>
               <a:ext uri="{FF2B5EF4-FFF2-40B4-BE49-F238E27FC236}">
-                <a16:creationId xmlns:a16="http://schemas.microsoft.com/office/drawing/2014/main" id="{F357C0F4-92A3-4AE9-8FC3-DEADDEB99F27}"/>
+                <a16:creationId xmlns:a16="http://schemas.microsoft.com/office/drawing/2014/main" xmlns="" id="{F357C0F4-92A3-4AE9-8FC3-DEADDEB99F27}"/>
               </a:ext>
             </a:extLst>
           </p:cNvPr>
@@ -7482,7 +7482,7 @@
           <p:cNvPr id="21" name="Freeform: Shape 20">
             <a:extLst>
               <a:ext uri="{FF2B5EF4-FFF2-40B4-BE49-F238E27FC236}">
-                <a16:creationId xmlns:a16="http://schemas.microsoft.com/office/drawing/2014/main" id="{44090025-7000-4D7D-A74F-0D5873C3CE90}"/>
+                <a16:creationId xmlns:a16="http://schemas.microsoft.com/office/drawing/2014/main" xmlns="" id="{44090025-7000-4D7D-A74F-0D5873C3CE90}"/>
               </a:ext>
             </a:extLst>
           </p:cNvPr>
@@ -7604,7 +7604,7 @@
           <p:cNvPr id="25" name="Picture 24">
             <a:extLst>
               <a:ext uri="{FF2B5EF4-FFF2-40B4-BE49-F238E27FC236}">
-                <a16:creationId xmlns:a16="http://schemas.microsoft.com/office/drawing/2014/main" id="{FEFC668B-EF80-45D1-9927-60145DF3ED1B}"/>
+                <a16:creationId xmlns:a16="http://schemas.microsoft.com/office/drawing/2014/main" xmlns="" id="{FEFC668B-EF80-45D1-9927-60145DF3ED1B}"/>
               </a:ext>
             </a:extLst>
           </p:cNvPr>
@@ -7634,7 +7634,7 @@
           <p:cNvPr id="29" name="Picture 28">
             <a:extLst>
               <a:ext uri="{FF2B5EF4-FFF2-40B4-BE49-F238E27FC236}">
-                <a16:creationId xmlns:a16="http://schemas.microsoft.com/office/drawing/2014/main" id="{DF666D98-6E40-4127-BB7F-A63B9E925409}"/>
+                <a16:creationId xmlns:a16="http://schemas.microsoft.com/office/drawing/2014/main" xmlns="" id="{DF666D98-6E40-4127-BB7F-A63B9E925409}"/>
               </a:ext>
             </a:extLst>
           </p:cNvPr>
@@ -7664,7 +7664,7 @@
           <p:cNvPr id="11" name="Picture 10">
             <a:extLst>
               <a:ext uri="{FF2B5EF4-FFF2-40B4-BE49-F238E27FC236}">
-                <a16:creationId xmlns:a16="http://schemas.microsoft.com/office/drawing/2014/main" id="{C9E9AF33-69D6-E33B-B302-F79CAEB87995}"/>
+                <a16:creationId xmlns:a16="http://schemas.microsoft.com/office/drawing/2014/main" xmlns="" id="{C9E9AF33-69D6-E33B-B302-F79CAEB87995}"/>
               </a:ext>
             </a:extLst>
           </p:cNvPr>
@@ -7694,7 +7694,7 @@
           <p:cNvPr id="5" name="Rectangle 4">
             <a:extLst>
               <a:ext uri="{FF2B5EF4-FFF2-40B4-BE49-F238E27FC236}">
-                <a16:creationId xmlns:a16="http://schemas.microsoft.com/office/drawing/2014/main" id="{954632A6-9E41-E4F6-6F6A-30299247971B}"/>
+                <a16:creationId xmlns:a16="http://schemas.microsoft.com/office/drawing/2014/main" xmlns="" id="{954632A6-9E41-E4F6-6F6A-30299247971B}"/>
               </a:ext>
             </a:extLst>
           </p:cNvPr>
@@ -7758,7 +7758,7 @@
           <p:cNvPr id="3" name="Group 2">
             <a:extLst>
               <a:ext uri="{FF2B5EF4-FFF2-40B4-BE49-F238E27FC236}">
-                <a16:creationId xmlns:a16="http://schemas.microsoft.com/office/drawing/2014/main" id="{663F1AF4-CB40-79E6-FF84-B969177F23B5}"/>
+                <a16:creationId xmlns:a16="http://schemas.microsoft.com/office/drawing/2014/main" xmlns="" id="{663F1AF4-CB40-79E6-FF84-B969177F23B5}"/>
               </a:ext>
             </a:extLst>
           </p:cNvPr>
@@ -7778,7 +7778,7 @@
             <p:cNvPr id="4" name="Picture 3">
               <a:extLst>
                 <a:ext uri="{FF2B5EF4-FFF2-40B4-BE49-F238E27FC236}">
-                  <a16:creationId xmlns:a16="http://schemas.microsoft.com/office/drawing/2014/main" id="{8AAA97A2-52C3-1FA4-6645-04E5FB8329E6}"/>
+                  <a16:creationId xmlns:a16="http://schemas.microsoft.com/office/drawing/2014/main" xmlns="" id="{8AAA97A2-52C3-1FA4-6645-04E5FB8329E6}"/>
                 </a:ext>
               </a:extLst>
             </p:cNvPr>
@@ -7808,7 +7808,7 @@
             <p:cNvPr id="9" name="Freeform 9">
               <a:extLst>
                 <a:ext uri="{FF2B5EF4-FFF2-40B4-BE49-F238E27FC236}">
-                  <a16:creationId xmlns:a16="http://schemas.microsoft.com/office/drawing/2014/main" id="{A452583B-4310-9CB4-7339-2AE39E29F161}"/>
+                  <a16:creationId xmlns:a16="http://schemas.microsoft.com/office/drawing/2014/main" xmlns="" id="{A452583B-4310-9CB4-7339-2AE39E29F161}"/>
                 </a:ext>
               </a:extLst>
             </p:cNvPr>
@@ -8281,7 +8281,7 @@
           <p:cNvPr id="14" name="Freeform 7">
             <a:extLst>
               <a:ext uri="{FF2B5EF4-FFF2-40B4-BE49-F238E27FC236}">
-                <a16:creationId xmlns:a16="http://schemas.microsoft.com/office/drawing/2014/main" id="{0812EEAD-DDD2-4808-A407-5451476AFC24}"/>
+                <a16:creationId xmlns:a16="http://schemas.microsoft.com/office/drawing/2014/main" xmlns="" id="{0812EEAD-DDD2-4808-A407-5451476AFC24}"/>
               </a:ext>
             </a:extLst>
           </p:cNvPr>
@@ -8481,7 +8481,7 @@
           <p:cNvPr id="20" name="Rectangle 19">
             <a:extLst>
               <a:ext uri="{FF2B5EF4-FFF2-40B4-BE49-F238E27FC236}">
-                <a16:creationId xmlns:a16="http://schemas.microsoft.com/office/drawing/2014/main" id="{23173713-9A71-4CBF-8C12-530A1572993A}"/>
+                <a16:creationId xmlns:a16="http://schemas.microsoft.com/office/drawing/2014/main" xmlns="" id="{23173713-9A71-4CBF-8C12-530A1572993A}"/>
               </a:ext>
             </a:extLst>
           </p:cNvPr>
@@ -8555,7 +8555,7 @@
           <p:cNvPr id="21" name="TextBox 20">
             <a:extLst>
               <a:ext uri="{FF2B5EF4-FFF2-40B4-BE49-F238E27FC236}">
-                <a16:creationId xmlns:a16="http://schemas.microsoft.com/office/drawing/2014/main" id="{63F188B8-164A-4091-A3E1-A7C3EF5EEAE5}"/>
+                <a16:creationId xmlns:a16="http://schemas.microsoft.com/office/drawing/2014/main" xmlns="" id="{63F188B8-164A-4091-A3E1-A7C3EF5EEAE5}"/>
               </a:ext>
             </a:extLst>
           </p:cNvPr>
@@ -8685,7 +8685,7 @@
           <p:cNvPr id="22" name="Rectangle 21">
             <a:extLst>
               <a:ext uri="{FF2B5EF4-FFF2-40B4-BE49-F238E27FC236}">
-                <a16:creationId xmlns:a16="http://schemas.microsoft.com/office/drawing/2014/main" id="{3E687DAF-48B4-4207-A80F-5D17C33AE3F0}"/>
+                <a16:creationId xmlns:a16="http://schemas.microsoft.com/office/drawing/2014/main" xmlns="" id="{3E687DAF-48B4-4207-A80F-5D17C33AE3F0}"/>
               </a:ext>
             </a:extLst>
           </p:cNvPr>
@@ -8736,7 +8736,7 @@
           <p:cNvPr id="23" name="Freeform: Shape 22">
             <a:extLst>
               <a:ext uri="{FF2B5EF4-FFF2-40B4-BE49-F238E27FC236}">
-                <a16:creationId xmlns:a16="http://schemas.microsoft.com/office/drawing/2014/main" id="{CF80B12C-44D3-4ADC-9100-23862583F08A}"/>
+                <a16:creationId xmlns:a16="http://schemas.microsoft.com/office/drawing/2014/main" xmlns="" id="{CF80B12C-44D3-4ADC-9100-23862583F08A}"/>
               </a:ext>
             </a:extLst>
           </p:cNvPr>
@@ -8914,7 +8914,7 @@
           <p:cNvPr id="24" name="Isosceles Triangle 23">
             <a:extLst>
               <a:ext uri="{FF2B5EF4-FFF2-40B4-BE49-F238E27FC236}">
-                <a16:creationId xmlns:a16="http://schemas.microsoft.com/office/drawing/2014/main" id="{53E014D2-C2CC-46FD-A6CE-98BF47255732}"/>
+                <a16:creationId xmlns:a16="http://schemas.microsoft.com/office/drawing/2014/main" xmlns="" id="{53E014D2-C2CC-46FD-A6CE-98BF47255732}"/>
               </a:ext>
             </a:extLst>
           </p:cNvPr>
@@ -8966,7 +8966,7 @@
           <p:cNvPr id="25" name="Isosceles Triangle 24">
             <a:extLst>
               <a:ext uri="{FF2B5EF4-FFF2-40B4-BE49-F238E27FC236}">
-                <a16:creationId xmlns:a16="http://schemas.microsoft.com/office/drawing/2014/main" id="{3618B24B-9F40-4F29-A0AB-2FBAC8C77F6B}"/>
+                <a16:creationId xmlns:a16="http://schemas.microsoft.com/office/drawing/2014/main" xmlns="" id="{3618B24B-9F40-4F29-A0AB-2FBAC8C77F6B}"/>
               </a:ext>
             </a:extLst>
           </p:cNvPr>
@@ -9018,7 +9018,7 @@
           <p:cNvPr id="26" name="TextBox 25">
             <a:extLst>
               <a:ext uri="{FF2B5EF4-FFF2-40B4-BE49-F238E27FC236}">
-                <a16:creationId xmlns:a16="http://schemas.microsoft.com/office/drawing/2014/main" id="{76D3526A-9877-4C26-AD42-24EE83D10068}"/>
+                <a16:creationId xmlns:a16="http://schemas.microsoft.com/office/drawing/2014/main" xmlns="" id="{76D3526A-9877-4C26-AD42-24EE83D10068}"/>
               </a:ext>
             </a:extLst>
           </p:cNvPr>
@@ -9064,7 +9064,7 @@
           <p:cNvPr id="27" name="Freeform: Shape 26">
             <a:extLst>
               <a:ext uri="{FF2B5EF4-FFF2-40B4-BE49-F238E27FC236}">
-                <a16:creationId xmlns:a16="http://schemas.microsoft.com/office/drawing/2014/main" id="{72BFE888-F23A-4A9E-9FED-1E519B252B0F}"/>
+                <a16:creationId xmlns:a16="http://schemas.microsoft.com/office/drawing/2014/main" xmlns="" id="{72BFE888-F23A-4A9E-9FED-1E519B252B0F}"/>
               </a:ext>
             </a:extLst>
           </p:cNvPr>
@@ -9186,7 +9186,7 @@
           <p:cNvPr id="28" name="Picture 27">
             <a:extLst>
               <a:ext uri="{FF2B5EF4-FFF2-40B4-BE49-F238E27FC236}">
-                <a16:creationId xmlns:a16="http://schemas.microsoft.com/office/drawing/2014/main" id="{F3DEC334-2423-48CF-8151-B1C297BDC4E4}"/>
+                <a16:creationId xmlns:a16="http://schemas.microsoft.com/office/drawing/2014/main" xmlns="" id="{F3DEC334-2423-48CF-8151-B1C297BDC4E4}"/>
               </a:ext>
             </a:extLst>
           </p:cNvPr>
@@ -9216,7 +9216,7 @@
           <p:cNvPr id="29" name="Picture 28">
             <a:extLst>
               <a:ext uri="{FF2B5EF4-FFF2-40B4-BE49-F238E27FC236}">
-                <a16:creationId xmlns:a16="http://schemas.microsoft.com/office/drawing/2014/main" id="{DC10440A-064F-42E6-9CD6-32E8D2800483}"/>
+                <a16:creationId xmlns:a16="http://schemas.microsoft.com/office/drawing/2014/main" xmlns="" id="{DC10440A-064F-42E6-9CD6-32E8D2800483}"/>
               </a:ext>
             </a:extLst>
           </p:cNvPr>
@@ -9246,7 +9246,7 @@
           <p:cNvPr id="3" name="Group 2">
             <a:extLst>
               <a:ext uri="{FF2B5EF4-FFF2-40B4-BE49-F238E27FC236}">
-                <a16:creationId xmlns:a16="http://schemas.microsoft.com/office/drawing/2014/main" id="{7539D376-E4C7-D1EF-A948-45D1CA6B58C9}"/>
+                <a16:creationId xmlns:a16="http://schemas.microsoft.com/office/drawing/2014/main" xmlns="" id="{7539D376-E4C7-D1EF-A948-45D1CA6B58C9}"/>
               </a:ext>
             </a:extLst>
           </p:cNvPr>
@@ -9266,7 +9266,7 @@
             <p:cNvPr id="4" name="Picture 3">
               <a:extLst>
                 <a:ext uri="{FF2B5EF4-FFF2-40B4-BE49-F238E27FC236}">
-                  <a16:creationId xmlns:a16="http://schemas.microsoft.com/office/drawing/2014/main" id="{08E85609-4685-EC11-4179-81E16342B51B}"/>
+                  <a16:creationId xmlns:a16="http://schemas.microsoft.com/office/drawing/2014/main" xmlns="" id="{08E85609-4685-EC11-4179-81E16342B51B}"/>
                 </a:ext>
               </a:extLst>
             </p:cNvPr>
@@ -9296,7 +9296,7 @@
             <p:cNvPr id="5" name="Freeform 9">
               <a:extLst>
                 <a:ext uri="{FF2B5EF4-FFF2-40B4-BE49-F238E27FC236}">
-                  <a16:creationId xmlns:a16="http://schemas.microsoft.com/office/drawing/2014/main" id="{D261F23D-2406-1A9B-3EAA-0EEC4D6AF747}"/>
+                  <a16:creationId xmlns:a16="http://schemas.microsoft.com/office/drawing/2014/main" xmlns="" id="{D261F23D-2406-1A9B-3EAA-0EEC4D6AF747}"/>
                 </a:ext>
               </a:extLst>
             </p:cNvPr>
@@ -9708,7 +9708,7 @@
           <p:cNvPr id="8" name="Picture 7">
             <a:extLst>
               <a:ext uri="{FF2B5EF4-FFF2-40B4-BE49-F238E27FC236}">
-                <a16:creationId xmlns:a16="http://schemas.microsoft.com/office/drawing/2014/main" id="{73CDF906-3A3A-3136-E4FA-41F80F2393EC}"/>
+                <a16:creationId xmlns:a16="http://schemas.microsoft.com/office/drawing/2014/main" xmlns="" id="{73CDF906-3A3A-3136-E4FA-41F80F2393EC}"/>
               </a:ext>
             </a:extLst>
           </p:cNvPr>
@@ -9738,7 +9738,7 @@
           <p:cNvPr id="6" name="Rectangle 5">
             <a:extLst>
               <a:ext uri="{FF2B5EF4-FFF2-40B4-BE49-F238E27FC236}">
-                <a16:creationId xmlns:a16="http://schemas.microsoft.com/office/drawing/2014/main" id="{AC87EB6F-2AA1-DD5A-E3E3-3F7D001A308D}"/>
+                <a16:creationId xmlns:a16="http://schemas.microsoft.com/office/drawing/2014/main" xmlns="" id="{AC87EB6F-2AA1-DD5A-E3E3-3F7D001A308D}"/>
               </a:ext>
             </a:extLst>
           </p:cNvPr>
@@ -10030,7 +10030,7 @@
         <p:spPr>
           <a:xfrm>
             <a:off x="2589961" y="337130"/>
-            <a:ext cx="5371983" cy="523220"/>
+            <a:ext cx="3608680" cy="523220"/>
           </a:xfrm>
           <a:prstGeom prst="rect">
             <a:avLst/>
@@ -10047,8 +10047,17 @@
               <a:rPr lang="en-AU" sz="2800" b="1" u="sng" dirty="0">
                 <a:latin typeface="Oxygen" panose="02000503000000000000" pitchFamily="2" charset="0"/>
               </a:rPr>
-              <a:t>Visiting Card – AI/ML Engineer</a:t>
-            </a:r>
+              <a:t>Visiting Card – </a:t>
+            </a:r>
+            <a:r>
+              <a:rPr lang="en-AU" sz="2800" b="1" u="sng" dirty="0" smtClean="0">
+                <a:latin typeface="Oxygen" panose="02000503000000000000" pitchFamily="2" charset="0"/>
+              </a:rPr>
+              <a:t>CAIO</a:t>
+            </a:r>
+            <a:endParaRPr lang="en-AU" sz="2800" b="1" u="sng" dirty="0">
+              <a:latin typeface="Oxygen" panose="02000503000000000000" pitchFamily="2" charset="0"/>
+            </a:endParaRPr>
           </a:p>
         </p:txBody>
       </p:sp>
@@ -10643,48 +10652,46 @@
                 </a:solidFill>
                 <a:latin typeface="Oxygen" panose="02000503000000000000" pitchFamily="2" charset="0"/>
               </a:rPr>
-              <a:t>Mr. </a:t>
-            </a:r>
-            <a:r>
-              <a:rPr lang="en-AU" b="1" dirty="0" err="1">
+              <a:t>Mr. Sayan Basak</a:t>
+            </a:r>
+          </a:p>
+          <a:p>
+            <a:pPr lvl="0">
+              <a:spcAft>
+                <a:spcPts val="600"/>
+              </a:spcAft>
+            </a:pPr>
+            <a:r>
+              <a:rPr lang="en-US" sz="1400" b="1" dirty="0" smtClean="0">
                 <a:solidFill>
                   <a:prstClr val="black"/>
                 </a:solidFill>
                 <a:latin typeface="Oxygen" panose="02000503000000000000" pitchFamily="2" charset="0"/>
               </a:rPr>
-              <a:t>Sayan</a:t>
-            </a:r>
-            <a:r>
-              <a:rPr lang="en-AU" b="1" dirty="0">
+              <a:t>C.A.I.O.</a:t>
+            </a:r>
+            <a:endParaRPr lang="en-AU" sz="1400" b="1" dirty="0">
+              <a:solidFill>
+                <a:prstClr val="black"/>
+              </a:solidFill>
+              <a:latin typeface="Oxygen" panose="02000503000000000000" pitchFamily="2" charset="0"/>
+            </a:endParaRPr>
+          </a:p>
+          <a:p>
+            <a:pPr lvl="0">
+              <a:spcAft>
+                <a:spcPts val="600"/>
+              </a:spcAft>
+            </a:pPr>
+            <a:r>
+              <a:rPr lang="en-AU" sz="1400" b="1" dirty="0" smtClean="0">
                 <a:solidFill>
                   <a:prstClr val="black"/>
                 </a:solidFill>
                 <a:latin typeface="Oxygen" panose="02000503000000000000" pitchFamily="2" charset="0"/>
               </a:rPr>
-              <a:t> </a:t>
-            </a:r>
-            <a:r>
-              <a:rPr lang="en-AU" b="1" dirty="0" err="1">
-                <a:solidFill>
-                  <a:prstClr val="black"/>
-                </a:solidFill>
-                <a:latin typeface="Oxygen" panose="02000503000000000000" pitchFamily="2" charset="0"/>
-              </a:rPr>
-              <a:t>Basak</a:t>
-            </a:r>
-            <a:endParaRPr lang="en-AU" b="1" dirty="0">
-              <a:solidFill>
-                <a:prstClr val="black"/>
-              </a:solidFill>
-              <a:latin typeface="Oxygen" panose="02000503000000000000" pitchFamily="2" charset="0"/>
-            </a:endParaRPr>
-          </a:p>
-          <a:p>
-            <a:pPr lvl="0">
-              <a:spcAft>
-                <a:spcPts val="600"/>
-              </a:spcAft>
-            </a:pPr>
+              <a:t>B.Tech (Electrical</a:t>
+            </a:r>
             <a:r>
               <a:rPr lang="en-AU" sz="1400" b="1" dirty="0">
                 <a:solidFill>
@@ -10692,23 +10699,7 @@
                 </a:solidFill>
                 <a:latin typeface="Oxygen" panose="02000503000000000000" pitchFamily="2" charset="0"/>
               </a:rPr>
-              <a:t>A.I./M.L. Engineer</a:t>
-            </a:r>
-          </a:p>
-          <a:p>
-            <a:pPr lvl="0">
-              <a:spcAft>
-                <a:spcPts val="600"/>
-              </a:spcAft>
-            </a:pPr>
-            <a:r>
-              <a:rPr lang="en-AU" sz="1400" b="1" dirty="0">
-                <a:solidFill>
-                  <a:prstClr val="black"/>
-                </a:solidFill>
-                <a:latin typeface="Oxygen" panose="02000503000000000000" pitchFamily="2" charset="0"/>
-              </a:rPr>
-              <a:t>B.Tech.(Electrical)</a:t>
+              <a:t>)</a:t>
             </a:r>
           </a:p>
           <a:p>
@@ -10730,24 +10721,14 @@
               <a:t>      </a:t>
             </a:r>
             <a:r>
-              <a:rPr lang="en-AU" sz="1400" b="1" dirty="0">
+              <a:rPr lang="en-AU" sz="1400" b="1" dirty="0" smtClean="0">
                 <a:solidFill>
                   <a:prstClr val="black"/>
                 </a:solidFill>
                 <a:latin typeface="Oxygen" panose="02000503000000000000" pitchFamily="2" charset="0"/>
                 <a:hlinkClick r:id="rId3"/>
               </a:rPr>
-              <a:t>sayanb0978</a:t>
-            </a:r>
-            <a:r>
-              <a:rPr lang="en-AU" sz="1400" b="1" u="sng" dirty="0">
-                <a:solidFill>
-                  <a:srgbClr val="002060"/>
-                </a:solidFill>
-                <a:latin typeface="Oxygen" panose="02000503000000000000" pitchFamily="2" charset="0"/>
-                <a:hlinkClick r:id="rId3"/>
-              </a:rPr>
-              <a:t>@gmail.com</a:t>
+              <a:t>sayan@anodiam.com</a:t>
             </a:r>
             <a:endParaRPr lang="en-AU" sz="1400" b="1" u="sng" dirty="0">
               <a:solidFill>
@@ -10806,7 +10787,7 @@
           <p:cNvPr id="17" name="Freeform: Shape 16">
             <a:extLst>
               <a:ext uri="{FF2B5EF4-FFF2-40B4-BE49-F238E27FC236}">
-                <a16:creationId xmlns:a16="http://schemas.microsoft.com/office/drawing/2014/main" id="{AFF9FF99-0A06-41A7-BC2C-5003B49B20A1}"/>
+                <a16:creationId xmlns:a16="http://schemas.microsoft.com/office/drawing/2014/main" xmlns="" id="{AFF9FF99-0A06-41A7-BC2C-5003B49B20A1}"/>
               </a:ext>
             </a:extLst>
           </p:cNvPr>
@@ -10984,7 +10965,7 @@
           <p:cNvPr id="14" name="Isosceles Triangle 13">
             <a:extLst>
               <a:ext uri="{FF2B5EF4-FFF2-40B4-BE49-F238E27FC236}">
-                <a16:creationId xmlns:a16="http://schemas.microsoft.com/office/drawing/2014/main" id="{30DE4366-3134-4E79-AD07-B89C53ABF78F}"/>
+                <a16:creationId xmlns:a16="http://schemas.microsoft.com/office/drawing/2014/main" xmlns="" id="{30DE4366-3134-4E79-AD07-B89C53ABF78F}"/>
               </a:ext>
             </a:extLst>
           </p:cNvPr>
@@ -11036,7 +11017,7 @@
           <p:cNvPr id="18" name="Isosceles Triangle 17">
             <a:extLst>
               <a:ext uri="{FF2B5EF4-FFF2-40B4-BE49-F238E27FC236}">
-                <a16:creationId xmlns:a16="http://schemas.microsoft.com/office/drawing/2014/main" id="{98AD1FB3-B4A2-47EF-AEBA-9BB3D41DBFE9}"/>
+                <a16:creationId xmlns:a16="http://schemas.microsoft.com/office/drawing/2014/main" xmlns="" id="{98AD1FB3-B4A2-47EF-AEBA-9BB3D41DBFE9}"/>
               </a:ext>
             </a:extLst>
           </p:cNvPr>
@@ -11088,7 +11069,7 @@
           <p:cNvPr id="19" name="TextBox 18">
             <a:extLst>
               <a:ext uri="{FF2B5EF4-FFF2-40B4-BE49-F238E27FC236}">
-                <a16:creationId xmlns:a16="http://schemas.microsoft.com/office/drawing/2014/main" id="{F357C0F4-92A3-4AE9-8FC3-DEADDEB99F27}"/>
+                <a16:creationId xmlns:a16="http://schemas.microsoft.com/office/drawing/2014/main" xmlns="" id="{F357C0F4-92A3-4AE9-8FC3-DEADDEB99F27}"/>
               </a:ext>
             </a:extLst>
           </p:cNvPr>
@@ -11134,7 +11115,7 @@
           <p:cNvPr id="21" name="Freeform: Shape 20">
             <a:extLst>
               <a:ext uri="{FF2B5EF4-FFF2-40B4-BE49-F238E27FC236}">
-                <a16:creationId xmlns:a16="http://schemas.microsoft.com/office/drawing/2014/main" id="{44090025-7000-4D7D-A74F-0D5873C3CE90}"/>
+                <a16:creationId xmlns:a16="http://schemas.microsoft.com/office/drawing/2014/main" xmlns="" id="{44090025-7000-4D7D-A74F-0D5873C3CE90}"/>
               </a:ext>
             </a:extLst>
           </p:cNvPr>
@@ -11256,7 +11237,7 @@
           <p:cNvPr id="25" name="Picture 24">
             <a:extLst>
               <a:ext uri="{FF2B5EF4-FFF2-40B4-BE49-F238E27FC236}">
-                <a16:creationId xmlns:a16="http://schemas.microsoft.com/office/drawing/2014/main" id="{FEFC668B-EF80-45D1-9927-60145DF3ED1B}"/>
+                <a16:creationId xmlns:a16="http://schemas.microsoft.com/office/drawing/2014/main" xmlns="" id="{FEFC668B-EF80-45D1-9927-60145DF3ED1B}"/>
               </a:ext>
             </a:extLst>
           </p:cNvPr>
@@ -11286,7 +11267,7 @@
           <p:cNvPr id="29" name="Picture 28">
             <a:extLst>
               <a:ext uri="{FF2B5EF4-FFF2-40B4-BE49-F238E27FC236}">
-                <a16:creationId xmlns:a16="http://schemas.microsoft.com/office/drawing/2014/main" id="{DF666D98-6E40-4127-BB7F-A63B9E925409}"/>
+                <a16:creationId xmlns:a16="http://schemas.microsoft.com/office/drawing/2014/main" xmlns="" id="{DF666D98-6E40-4127-BB7F-A63B9E925409}"/>
               </a:ext>
             </a:extLst>
           </p:cNvPr>
@@ -11314,7 +11295,7 @@
     </p:spTree>
     <p:extLst>
       <p:ext uri="{BB962C8B-B14F-4D97-AF65-F5344CB8AC3E}">
-        <p14:creationId xmlns:p14="http://schemas.microsoft.com/office/powerpoint/2010/main" val="1771168436"/>
+        <p14:creationId xmlns:p14="http://schemas.microsoft.com/office/powerpoint/2010/main" val="3696305881"/>
       </p:ext>
     </p:extLst>
   </p:cSld>
@@ -11544,7 +11525,7 @@
         <p:spPr>
           <a:xfrm>
             <a:off x="2589961" y="337130"/>
-            <a:ext cx="5423280" cy="523220"/>
+            <a:ext cx="3659976" cy="523220"/>
           </a:xfrm>
           <a:prstGeom prst="rect">
             <a:avLst/>
@@ -11561,8 +11542,17 @@
               <a:rPr lang="en-AU" sz="2800" b="1" u="sng" dirty="0">
                 <a:latin typeface="Oxygen" panose="02000503000000000000" pitchFamily="2" charset="0"/>
               </a:rPr>
-              <a:t>Identity Card – AI/ML Engineer</a:t>
-            </a:r>
+              <a:t>Identity Card – </a:t>
+            </a:r>
+            <a:r>
+              <a:rPr lang="en-AU" sz="2800" b="1" u="sng" dirty="0" smtClean="0">
+                <a:latin typeface="Oxygen" panose="02000503000000000000" pitchFamily="2" charset="0"/>
+              </a:rPr>
+              <a:t>CAIO</a:t>
+            </a:r>
+            <a:endParaRPr lang="en-AU" sz="2800" b="1" u="sng" dirty="0">
+              <a:latin typeface="Oxygen" panose="02000503000000000000" pitchFamily="2" charset="0"/>
+            </a:endParaRPr>
           </a:p>
         </p:txBody>
       </p:sp>
@@ -11876,7 +11866,7 @@
           <p:cNvPr id="17" name="Freeform: Shape 16">
             <a:extLst>
               <a:ext uri="{FF2B5EF4-FFF2-40B4-BE49-F238E27FC236}">
-                <a16:creationId xmlns:a16="http://schemas.microsoft.com/office/drawing/2014/main" id="{AFF9FF99-0A06-41A7-BC2C-5003B49B20A1}"/>
+                <a16:creationId xmlns:a16="http://schemas.microsoft.com/office/drawing/2014/main" xmlns="" id="{AFF9FF99-0A06-41A7-BC2C-5003B49B20A1}"/>
               </a:ext>
             </a:extLst>
           </p:cNvPr>
@@ -12054,7 +12044,7 @@
           <p:cNvPr id="14" name="Isosceles Triangle 13">
             <a:extLst>
               <a:ext uri="{FF2B5EF4-FFF2-40B4-BE49-F238E27FC236}">
-                <a16:creationId xmlns:a16="http://schemas.microsoft.com/office/drawing/2014/main" id="{30DE4366-3134-4E79-AD07-B89C53ABF78F}"/>
+                <a16:creationId xmlns:a16="http://schemas.microsoft.com/office/drawing/2014/main" xmlns="" id="{30DE4366-3134-4E79-AD07-B89C53ABF78F}"/>
               </a:ext>
             </a:extLst>
           </p:cNvPr>
@@ -12106,7 +12096,7 @@
           <p:cNvPr id="18" name="Isosceles Triangle 17">
             <a:extLst>
               <a:ext uri="{FF2B5EF4-FFF2-40B4-BE49-F238E27FC236}">
-                <a16:creationId xmlns:a16="http://schemas.microsoft.com/office/drawing/2014/main" id="{98AD1FB3-B4A2-47EF-AEBA-9BB3D41DBFE9}"/>
+                <a16:creationId xmlns:a16="http://schemas.microsoft.com/office/drawing/2014/main" xmlns="" id="{98AD1FB3-B4A2-47EF-AEBA-9BB3D41DBFE9}"/>
               </a:ext>
             </a:extLst>
           </p:cNvPr>
@@ -12158,7 +12148,7 @@
           <p:cNvPr id="19" name="TextBox 18">
             <a:extLst>
               <a:ext uri="{FF2B5EF4-FFF2-40B4-BE49-F238E27FC236}">
-                <a16:creationId xmlns:a16="http://schemas.microsoft.com/office/drawing/2014/main" id="{F357C0F4-92A3-4AE9-8FC3-DEADDEB99F27}"/>
+                <a16:creationId xmlns:a16="http://schemas.microsoft.com/office/drawing/2014/main" xmlns="" id="{F357C0F4-92A3-4AE9-8FC3-DEADDEB99F27}"/>
               </a:ext>
             </a:extLst>
           </p:cNvPr>
@@ -12204,7 +12194,7 @@
           <p:cNvPr id="21" name="Freeform: Shape 20">
             <a:extLst>
               <a:ext uri="{FF2B5EF4-FFF2-40B4-BE49-F238E27FC236}">
-                <a16:creationId xmlns:a16="http://schemas.microsoft.com/office/drawing/2014/main" id="{44090025-7000-4D7D-A74F-0D5873C3CE90}"/>
+                <a16:creationId xmlns:a16="http://schemas.microsoft.com/office/drawing/2014/main" xmlns="" id="{44090025-7000-4D7D-A74F-0D5873C3CE90}"/>
               </a:ext>
             </a:extLst>
           </p:cNvPr>
@@ -12326,7 +12316,7 @@
           <p:cNvPr id="25" name="Picture 24">
             <a:extLst>
               <a:ext uri="{FF2B5EF4-FFF2-40B4-BE49-F238E27FC236}">
-                <a16:creationId xmlns:a16="http://schemas.microsoft.com/office/drawing/2014/main" id="{FEFC668B-EF80-45D1-9927-60145DF3ED1B}"/>
+                <a16:creationId xmlns:a16="http://schemas.microsoft.com/office/drawing/2014/main" xmlns="" id="{FEFC668B-EF80-45D1-9927-60145DF3ED1B}"/>
               </a:ext>
             </a:extLst>
           </p:cNvPr>
@@ -12356,7 +12346,7 @@
           <p:cNvPr id="29" name="Picture 28">
             <a:extLst>
               <a:ext uri="{FF2B5EF4-FFF2-40B4-BE49-F238E27FC236}">
-                <a16:creationId xmlns:a16="http://schemas.microsoft.com/office/drawing/2014/main" id="{DF666D98-6E40-4127-BB7F-A63B9E925409}"/>
+                <a16:creationId xmlns:a16="http://schemas.microsoft.com/office/drawing/2014/main" xmlns="" id="{DF666D98-6E40-4127-BB7F-A63B9E925409}"/>
               </a:ext>
             </a:extLst>
           </p:cNvPr>
@@ -12386,7 +12376,7 @@
           <p:cNvPr id="4" name="Group 3">
             <a:extLst>
               <a:ext uri="{FF2B5EF4-FFF2-40B4-BE49-F238E27FC236}">
-                <a16:creationId xmlns:a16="http://schemas.microsoft.com/office/drawing/2014/main" id="{74F3A59E-E7E5-17F4-3EF4-5FFB02965209}"/>
+                <a16:creationId xmlns:a16="http://schemas.microsoft.com/office/drawing/2014/main" xmlns="" id="{74F3A59E-E7E5-17F4-3EF4-5FFB02965209}"/>
               </a:ext>
             </a:extLst>
           </p:cNvPr>
@@ -12406,7 +12396,7 @@
             <p:cNvPr id="5" name="Picture 4">
               <a:extLst>
                 <a:ext uri="{FF2B5EF4-FFF2-40B4-BE49-F238E27FC236}">
-                  <a16:creationId xmlns:a16="http://schemas.microsoft.com/office/drawing/2014/main" id="{88CBC9B4-C809-2235-D296-AB8B9AFCCD6A}"/>
+                  <a16:creationId xmlns:a16="http://schemas.microsoft.com/office/drawing/2014/main" xmlns="" id="{88CBC9B4-C809-2235-D296-AB8B9AFCCD6A}"/>
                 </a:ext>
               </a:extLst>
             </p:cNvPr>
@@ -12436,7 +12426,7 @@
             <p:cNvPr id="9" name="Freeform 9">
               <a:extLst>
                 <a:ext uri="{FF2B5EF4-FFF2-40B4-BE49-F238E27FC236}">
-                  <a16:creationId xmlns:a16="http://schemas.microsoft.com/office/drawing/2014/main" id="{95E9E889-6A5C-54D8-256E-1E610F0B42C3}"/>
+                  <a16:creationId xmlns:a16="http://schemas.microsoft.com/office/drawing/2014/main" xmlns="" id="{95E9E889-6A5C-54D8-256E-1E610F0B42C3}"/>
                 </a:ext>
               </a:extLst>
             </p:cNvPr>
@@ -12848,7 +12838,7 @@
           <p:cNvPr id="3" name="Group 2">
             <a:extLst>
               <a:ext uri="{FF2B5EF4-FFF2-40B4-BE49-F238E27FC236}">
-                <a16:creationId xmlns:a16="http://schemas.microsoft.com/office/drawing/2014/main" id="{35499F6F-689A-FA53-C8CD-F1CD1F4075CC}"/>
+                <a16:creationId xmlns:a16="http://schemas.microsoft.com/office/drawing/2014/main" xmlns="" id="{35499F6F-689A-FA53-C8CD-F1CD1F4075CC}"/>
               </a:ext>
             </a:extLst>
           </p:cNvPr>
@@ -12868,7 +12858,7 @@
             <p:cNvPr id="11" name="Picture 10">
               <a:extLst>
                 <a:ext uri="{FF2B5EF4-FFF2-40B4-BE49-F238E27FC236}">
-                  <a16:creationId xmlns:a16="http://schemas.microsoft.com/office/drawing/2014/main" id="{8352614E-C0BB-F58D-3649-AC6509BF2EE0}"/>
+                  <a16:creationId xmlns:a16="http://schemas.microsoft.com/office/drawing/2014/main" xmlns="" id="{8352614E-C0BB-F58D-3649-AC6509BF2EE0}"/>
                 </a:ext>
               </a:extLst>
             </p:cNvPr>
@@ -12898,7 +12888,7 @@
             <p:cNvPr id="12" name="Rectangle 11">
               <a:extLst>
                 <a:ext uri="{FF2B5EF4-FFF2-40B4-BE49-F238E27FC236}">
-                  <a16:creationId xmlns:a16="http://schemas.microsoft.com/office/drawing/2014/main" id="{6D41FAE6-2D10-6702-0936-CC9368CAB38A}"/>
+                  <a16:creationId xmlns:a16="http://schemas.microsoft.com/office/drawing/2014/main" xmlns="" id="{6D41FAE6-2D10-6702-0936-CC9368CAB38A}"/>
                 </a:ext>
               </a:extLst>
             </p:cNvPr>
@@ -13934,7 +13924,7 @@
           <p:cNvPr id="17" name="Freeform: Shape 16">
             <a:extLst>
               <a:ext uri="{FF2B5EF4-FFF2-40B4-BE49-F238E27FC236}">
-                <a16:creationId xmlns:a16="http://schemas.microsoft.com/office/drawing/2014/main" id="{AFF9FF99-0A06-41A7-BC2C-5003B49B20A1}"/>
+                <a16:creationId xmlns:a16="http://schemas.microsoft.com/office/drawing/2014/main" xmlns="" id="{AFF9FF99-0A06-41A7-BC2C-5003B49B20A1}"/>
               </a:ext>
             </a:extLst>
           </p:cNvPr>
@@ -14112,7 +14102,7 @@
           <p:cNvPr id="14" name="Isosceles Triangle 13">
             <a:extLst>
               <a:ext uri="{FF2B5EF4-FFF2-40B4-BE49-F238E27FC236}">
-                <a16:creationId xmlns:a16="http://schemas.microsoft.com/office/drawing/2014/main" id="{30DE4366-3134-4E79-AD07-B89C53ABF78F}"/>
+                <a16:creationId xmlns:a16="http://schemas.microsoft.com/office/drawing/2014/main" xmlns="" id="{30DE4366-3134-4E79-AD07-B89C53ABF78F}"/>
               </a:ext>
             </a:extLst>
           </p:cNvPr>
@@ -14164,7 +14154,7 @@
           <p:cNvPr id="18" name="Isosceles Triangle 17">
             <a:extLst>
               <a:ext uri="{FF2B5EF4-FFF2-40B4-BE49-F238E27FC236}">
-                <a16:creationId xmlns:a16="http://schemas.microsoft.com/office/drawing/2014/main" id="{98AD1FB3-B4A2-47EF-AEBA-9BB3D41DBFE9}"/>
+                <a16:creationId xmlns:a16="http://schemas.microsoft.com/office/drawing/2014/main" xmlns="" id="{98AD1FB3-B4A2-47EF-AEBA-9BB3D41DBFE9}"/>
               </a:ext>
             </a:extLst>
           </p:cNvPr>
@@ -14216,7 +14206,7 @@
           <p:cNvPr id="19" name="TextBox 18">
             <a:extLst>
               <a:ext uri="{FF2B5EF4-FFF2-40B4-BE49-F238E27FC236}">
-                <a16:creationId xmlns:a16="http://schemas.microsoft.com/office/drawing/2014/main" id="{F357C0F4-92A3-4AE9-8FC3-DEADDEB99F27}"/>
+                <a16:creationId xmlns:a16="http://schemas.microsoft.com/office/drawing/2014/main" xmlns="" id="{F357C0F4-92A3-4AE9-8FC3-DEADDEB99F27}"/>
               </a:ext>
             </a:extLst>
           </p:cNvPr>
@@ -14262,7 +14252,7 @@
           <p:cNvPr id="21" name="Freeform: Shape 20">
             <a:extLst>
               <a:ext uri="{FF2B5EF4-FFF2-40B4-BE49-F238E27FC236}">
-                <a16:creationId xmlns:a16="http://schemas.microsoft.com/office/drawing/2014/main" id="{44090025-7000-4D7D-A74F-0D5873C3CE90}"/>
+                <a16:creationId xmlns:a16="http://schemas.microsoft.com/office/drawing/2014/main" xmlns="" id="{44090025-7000-4D7D-A74F-0D5873C3CE90}"/>
               </a:ext>
             </a:extLst>
           </p:cNvPr>
@@ -14384,7 +14374,7 @@
           <p:cNvPr id="25" name="Picture 24">
             <a:extLst>
               <a:ext uri="{FF2B5EF4-FFF2-40B4-BE49-F238E27FC236}">
-                <a16:creationId xmlns:a16="http://schemas.microsoft.com/office/drawing/2014/main" id="{FEFC668B-EF80-45D1-9927-60145DF3ED1B}"/>
+                <a16:creationId xmlns:a16="http://schemas.microsoft.com/office/drawing/2014/main" xmlns="" id="{FEFC668B-EF80-45D1-9927-60145DF3ED1B}"/>
               </a:ext>
             </a:extLst>
           </p:cNvPr>
@@ -14414,7 +14404,7 @@
           <p:cNvPr id="29" name="Picture 28">
             <a:extLst>
               <a:ext uri="{FF2B5EF4-FFF2-40B4-BE49-F238E27FC236}">
-                <a16:creationId xmlns:a16="http://schemas.microsoft.com/office/drawing/2014/main" id="{DF666D98-6E40-4127-BB7F-A63B9E925409}"/>
+                <a16:creationId xmlns:a16="http://schemas.microsoft.com/office/drawing/2014/main" xmlns="" id="{DF666D98-6E40-4127-BB7F-A63B9E925409}"/>
               </a:ext>
             </a:extLst>
           </p:cNvPr>
@@ -14767,7 +14757,7 @@
           <p:cNvPr id="3" name="Group 2">
             <a:extLst>
               <a:ext uri="{FF2B5EF4-FFF2-40B4-BE49-F238E27FC236}">
-                <a16:creationId xmlns:a16="http://schemas.microsoft.com/office/drawing/2014/main" id="{663F1AF4-CB40-79E6-FF84-B969177F23B5}"/>
+                <a16:creationId xmlns:a16="http://schemas.microsoft.com/office/drawing/2014/main" xmlns="" id="{663F1AF4-CB40-79E6-FF84-B969177F23B5}"/>
               </a:ext>
             </a:extLst>
           </p:cNvPr>
@@ -14787,7 +14777,7 @@
             <p:cNvPr id="4" name="Picture 3">
               <a:extLst>
                 <a:ext uri="{FF2B5EF4-FFF2-40B4-BE49-F238E27FC236}">
-                  <a16:creationId xmlns:a16="http://schemas.microsoft.com/office/drawing/2014/main" id="{8AAA97A2-52C3-1FA4-6645-04E5FB8329E6}"/>
+                  <a16:creationId xmlns:a16="http://schemas.microsoft.com/office/drawing/2014/main" xmlns="" id="{8AAA97A2-52C3-1FA4-6645-04E5FB8329E6}"/>
                 </a:ext>
               </a:extLst>
             </p:cNvPr>
@@ -14817,7 +14807,7 @@
             <p:cNvPr id="9" name="Freeform 9">
               <a:extLst>
                 <a:ext uri="{FF2B5EF4-FFF2-40B4-BE49-F238E27FC236}">
-                  <a16:creationId xmlns:a16="http://schemas.microsoft.com/office/drawing/2014/main" id="{A452583B-4310-9CB4-7339-2AE39E29F161}"/>
+                  <a16:creationId xmlns:a16="http://schemas.microsoft.com/office/drawing/2014/main" xmlns="" id="{A452583B-4310-9CB4-7339-2AE39E29F161}"/>
                 </a:ext>
               </a:extLst>
             </p:cNvPr>
@@ -15229,7 +15219,7 @@
           <p:cNvPr id="7" name="Picture 6">
             <a:extLst>
               <a:ext uri="{FF2B5EF4-FFF2-40B4-BE49-F238E27FC236}">
-                <a16:creationId xmlns:a16="http://schemas.microsoft.com/office/drawing/2014/main" id="{23DB08E5-8551-A110-2F99-1E2B8B06C153}"/>
+                <a16:creationId xmlns:a16="http://schemas.microsoft.com/office/drawing/2014/main" xmlns="" id="{23DB08E5-8551-A110-2F99-1E2B8B06C153}"/>
               </a:ext>
             </a:extLst>
           </p:cNvPr>
@@ -15259,7 +15249,7 @@
           <p:cNvPr id="5" name="Rectangle 4">
             <a:extLst>
               <a:ext uri="{FF2B5EF4-FFF2-40B4-BE49-F238E27FC236}">
-                <a16:creationId xmlns:a16="http://schemas.microsoft.com/office/drawing/2014/main" id="{954632A6-9E41-E4F6-6F6A-30299247971B}"/>
+                <a16:creationId xmlns:a16="http://schemas.microsoft.com/office/drawing/2014/main" xmlns="" id="{954632A6-9E41-E4F6-6F6A-30299247971B}"/>
               </a:ext>
             </a:extLst>
           </p:cNvPr>
@@ -15323,7 +15313,7 @@
           <p:cNvPr id="20" name="Rectangle 19">
             <a:extLst>
               <a:ext uri="{FF2B5EF4-FFF2-40B4-BE49-F238E27FC236}">
-                <a16:creationId xmlns:a16="http://schemas.microsoft.com/office/drawing/2014/main" id="{2197A14A-1D15-E10C-97C2-524D2EAE104B}"/>
+                <a16:creationId xmlns:a16="http://schemas.microsoft.com/office/drawing/2014/main" xmlns="" id="{2197A14A-1D15-E10C-97C2-524D2EAE104B}"/>
               </a:ext>
             </a:extLst>
           </p:cNvPr>
@@ -15374,7 +15364,7 @@
           <p:cNvPr id="22" name="TextBox 21">
             <a:extLst>
               <a:ext uri="{FF2B5EF4-FFF2-40B4-BE49-F238E27FC236}">
-                <a16:creationId xmlns:a16="http://schemas.microsoft.com/office/drawing/2014/main" id="{8B0B62C5-6C1A-D4DA-6346-44ABCD6D0B6A}"/>
+                <a16:creationId xmlns:a16="http://schemas.microsoft.com/office/drawing/2014/main" xmlns="" id="{8B0B62C5-6C1A-D4DA-6346-44ABCD6D0B6A}"/>
               </a:ext>
             </a:extLst>
           </p:cNvPr>
@@ -15539,7 +15529,7 @@
           <p:cNvPr id="23" name="Freeform: Shape 22">
             <a:extLst>
               <a:ext uri="{FF2B5EF4-FFF2-40B4-BE49-F238E27FC236}">
-                <a16:creationId xmlns:a16="http://schemas.microsoft.com/office/drawing/2014/main" id="{69E34D3E-462E-9D9F-61F3-99350D6C14AD}"/>
+                <a16:creationId xmlns:a16="http://schemas.microsoft.com/office/drawing/2014/main" xmlns="" id="{69E34D3E-462E-9D9F-61F3-99350D6C14AD}"/>
               </a:ext>
             </a:extLst>
           </p:cNvPr>
@@ -15717,7 +15707,7 @@
           <p:cNvPr id="24" name="Isosceles Triangle 23">
             <a:extLst>
               <a:ext uri="{FF2B5EF4-FFF2-40B4-BE49-F238E27FC236}">
-                <a16:creationId xmlns:a16="http://schemas.microsoft.com/office/drawing/2014/main" id="{6DE948E2-6459-8A83-364D-5FBBE34DA2D6}"/>
+                <a16:creationId xmlns:a16="http://schemas.microsoft.com/office/drawing/2014/main" xmlns="" id="{6DE948E2-6459-8A83-364D-5FBBE34DA2D6}"/>
               </a:ext>
             </a:extLst>
           </p:cNvPr>
@@ -15769,7 +15759,7 @@
           <p:cNvPr id="26" name="Isosceles Triangle 25">
             <a:extLst>
               <a:ext uri="{FF2B5EF4-FFF2-40B4-BE49-F238E27FC236}">
-                <a16:creationId xmlns:a16="http://schemas.microsoft.com/office/drawing/2014/main" id="{A19CFB1A-22AE-D70F-9B6C-17112FE94C50}"/>
+                <a16:creationId xmlns:a16="http://schemas.microsoft.com/office/drawing/2014/main" xmlns="" id="{A19CFB1A-22AE-D70F-9B6C-17112FE94C50}"/>
               </a:ext>
             </a:extLst>
           </p:cNvPr>
@@ -15821,7 +15811,7 @@
           <p:cNvPr id="27" name="TextBox 26">
             <a:extLst>
               <a:ext uri="{FF2B5EF4-FFF2-40B4-BE49-F238E27FC236}">
-                <a16:creationId xmlns:a16="http://schemas.microsoft.com/office/drawing/2014/main" id="{19126025-5672-4707-DBAB-7F47773DE243}"/>
+                <a16:creationId xmlns:a16="http://schemas.microsoft.com/office/drawing/2014/main" xmlns="" id="{19126025-5672-4707-DBAB-7F47773DE243}"/>
               </a:ext>
             </a:extLst>
           </p:cNvPr>
@@ -15867,7 +15857,7 @@
           <p:cNvPr id="28" name="Freeform: Shape 27">
             <a:extLst>
               <a:ext uri="{FF2B5EF4-FFF2-40B4-BE49-F238E27FC236}">
-                <a16:creationId xmlns:a16="http://schemas.microsoft.com/office/drawing/2014/main" id="{06D39518-F8BB-8384-415B-1107CE75CE58}"/>
+                <a16:creationId xmlns:a16="http://schemas.microsoft.com/office/drawing/2014/main" xmlns="" id="{06D39518-F8BB-8384-415B-1107CE75CE58}"/>
               </a:ext>
             </a:extLst>
           </p:cNvPr>
@@ -15989,7 +15979,7 @@
           <p:cNvPr id="30" name="Picture 29">
             <a:extLst>
               <a:ext uri="{FF2B5EF4-FFF2-40B4-BE49-F238E27FC236}">
-                <a16:creationId xmlns:a16="http://schemas.microsoft.com/office/drawing/2014/main" id="{E61F52E8-9E4B-7FDC-40BA-F36523C579FF}"/>
+                <a16:creationId xmlns:a16="http://schemas.microsoft.com/office/drawing/2014/main" xmlns="" id="{E61F52E8-9E4B-7FDC-40BA-F36523C579FF}"/>
               </a:ext>
             </a:extLst>
           </p:cNvPr>
@@ -16019,7 +16009,7 @@
           <p:cNvPr id="31" name="Picture 30">
             <a:extLst>
               <a:ext uri="{FF2B5EF4-FFF2-40B4-BE49-F238E27FC236}">
-                <a16:creationId xmlns:a16="http://schemas.microsoft.com/office/drawing/2014/main" id="{CAA8B2C7-0255-3B4E-3033-5A1490CEF6B5}"/>
+                <a16:creationId xmlns:a16="http://schemas.microsoft.com/office/drawing/2014/main" xmlns="" id="{CAA8B2C7-0255-3B4E-3033-5A1490CEF6B5}"/>
               </a:ext>
             </a:extLst>
           </p:cNvPr>
